--- a/CSCE658-S24/L4.pptx
+++ b/CSCE658-S24/L4.pptx
@@ -11,34 +11,35 @@
     <p:sldId id="815" r:id="rId5"/>
     <p:sldId id="260" r:id="rId6"/>
     <p:sldId id="813" r:id="rId7"/>
-    <p:sldId id="261" r:id="rId8"/>
-    <p:sldId id="814" r:id="rId9"/>
-    <p:sldId id="761" r:id="rId10"/>
-    <p:sldId id="762" r:id="rId11"/>
-    <p:sldId id="809" r:id="rId12"/>
-    <p:sldId id="810" r:id="rId13"/>
-    <p:sldId id="804" r:id="rId14"/>
-    <p:sldId id="812" r:id="rId15"/>
-    <p:sldId id="811" r:id="rId16"/>
-    <p:sldId id="763" r:id="rId17"/>
-    <p:sldId id="819" r:id="rId18"/>
-    <p:sldId id="817" r:id="rId19"/>
-    <p:sldId id="820" r:id="rId20"/>
-    <p:sldId id="821" r:id="rId21"/>
-    <p:sldId id="823" r:id="rId22"/>
-    <p:sldId id="824" r:id="rId23"/>
-    <p:sldId id="825" r:id="rId24"/>
-    <p:sldId id="826" r:id="rId25"/>
-    <p:sldId id="827" r:id="rId26"/>
-    <p:sldId id="828" r:id="rId27"/>
-    <p:sldId id="829" r:id="rId28"/>
-    <p:sldId id="830" r:id="rId29"/>
-    <p:sldId id="831" r:id="rId30"/>
-    <p:sldId id="832" r:id="rId31"/>
-    <p:sldId id="833" r:id="rId32"/>
-    <p:sldId id="834" r:id="rId33"/>
-    <p:sldId id="860" r:id="rId34"/>
-    <p:sldId id="861" r:id="rId35"/>
+    <p:sldId id="862" r:id="rId8"/>
+    <p:sldId id="261" r:id="rId9"/>
+    <p:sldId id="814" r:id="rId10"/>
+    <p:sldId id="761" r:id="rId11"/>
+    <p:sldId id="762" r:id="rId12"/>
+    <p:sldId id="809" r:id="rId13"/>
+    <p:sldId id="810" r:id="rId14"/>
+    <p:sldId id="804" r:id="rId15"/>
+    <p:sldId id="812" r:id="rId16"/>
+    <p:sldId id="811" r:id="rId17"/>
+    <p:sldId id="763" r:id="rId18"/>
+    <p:sldId id="819" r:id="rId19"/>
+    <p:sldId id="817" r:id="rId20"/>
+    <p:sldId id="820" r:id="rId21"/>
+    <p:sldId id="821" r:id="rId22"/>
+    <p:sldId id="823" r:id="rId23"/>
+    <p:sldId id="824" r:id="rId24"/>
+    <p:sldId id="825" r:id="rId25"/>
+    <p:sldId id="826" r:id="rId26"/>
+    <p:sldId id="827" r:id="rId27"/>
+    <p:sldId id="828" r:id="rId28"/>
+    <p:sldId id="829" r:id="rId29"/>
+    <p:sldId id="830" r:id="rId30"/>
+    <p:sldId id="831" r:id="rId31"/>
+    <p:sldId id="832" r:id="rId32"/>
+    <p:sldId id="833" r:id="rId33"/>
+    <p:sldId id="834" r:id="rId34"/>
+    <p:sldId id="860" r:id="rId35"/>
+    <p:sldId id="861" r:id="rId36"/>
   </p:sldIdLst>
   <p:sldSz cx="12192000" cy="6858000"/>
   <p:notesSz cx="6858000" cy="9144000"/>
@@ -137,6 +138,11 @@
       </a:defRPr>
     </a:lvl9pPr>
   </p:defaultTextStyle>
+  <p:extLst>
+    <p:ext uri="{EFAFB233-063F-42B5-8137-9DF3F51BA10A}">
+      <p15:sldGuideLst xmlns:p15="http://schemas.microsoft.com/office/powerpoint/2012/main"/>
+    </p:ext>
+  </p:extLst>
 </p:presentation>
 </file>
 
@@ -287,7 +293,7 @@
           <a:p>
             <a:fld id="{0A79397F-A367-4054-BC40-40E6C6C1DCBD}" type="datetimeFigureOut">
               <a:rPr lang="en-US" smtClean="0"/>
-              <a:t>1/25/2024</a:t>
+              <a:t>1/30/2024</a:t>
             </a:fld>
             <a:endParaRPr lang="en-US"/>
           </a:p>
@@ -485,7 +491,7 @@
           <a:p>
             <a:fld id="{0A79397F-A367-4054-BC40-40E6C6C1DCBD}" type="datetimeFigureOut">
               <a:rPr lang="en-US" smtClean="0"/>
-              <a:t>1/25/2024</a:t>
+              <a:t>1/30/2024</a:t>
             </a:fld>
             <a:endParaRPr lang="en-US"/>
           </a:p>
@@ -693,7 +699,7 @@
           <a:p>
             <a:fld id="{0A79397F-A367-4054-BC40-40E6C6C1DCBD}" type="datetimeFigureOut">
               <a:rPr lang="en-US" smtClean="0"/>
-              <a:t>1/25/2024</a:t>
+              <a:t>1/30/2024</a:t>
             </a:fld>
             <a:endParaRPr lang="en-US"/>
           </a:p>
@@ -891,7 +897,7 @@
           <a:p>
             <a:fld id="{0A79397F-A367-4054-BC40-40E6C6C1DCBD}" type="datetimeFigureOut">
               <a:rPr lang="en-US" smtClean="0"/>
-              <a:t>1/25/2024</a:t>
+              <a:t>1/30/2024</a:t>
             </a:fld>
             <a:endParaRPr lang="en-US"/>
           </a:p>
@@ -1166,7 +1172,7 @@
           <a:p>
             <a:fld id="{0A79397F-A367-4054-BC40-40E6C6C1DCBD}" type="datetimeFigureOut">
               <a:rPr lang="en-US" smtClean="0"/>
-              <a:t>1/25/2024</a:t>
+              <a:t>1/30/2024</a:t>
             </a:fld>
             <a:endParaRPr lang="en-US"/>
           </a:p>
@@ -1431,7 +1437,7 @@
           <a:p>
             <a:fld id="{0A79397F-A367-4054-BC40-40E6C6C1DCBD}" type="datetimeFigureOut">
               <a:rPr lang="en-US" smtClean="0"/>
-              <a:t>1/25/2024</a:t>
+              <a:t>1/30/2024</a:t>
             </a:fld>
             <a:endParaRPr lang="en-US"/>
           </a:p>
@@ -1843,7 +1849,7 @@
           <a:p>
             <a:fld id="{0A79397F-A367-4054-BC40-40E6C6C1DCBD}" type="datetimeFigureOut">
               <a:rPr lang="en-US" smtClean="0"/>
-              <a:t>1/25/2024</a:t>
+              <a:t>1/30/2024</a:t>
             </a:fld>
             <a:endParaRPr lang="en-US"/>
           </a:p>
@@ -1984,7 +1990,7 @@
           <a:p>
             <a:fld id="{0A79397F-A367-4054-BC40-40E6C6C1DCBD}" type="datetimeFigureOut">
               <a:rPr lang="en-US" smtClean="0"/>
-              <a:t>1/25/2024</a:t>
+              <a:t>1/30/2024</a:t>
             </a:fld>
             <a:endParaRPr lang="en-US"/>
           </a:p>
@@ -2097,7 +2103,7 @@
           <a:p>
             <a:fld id="{0A79397F-A367-4054-BC40-40E6C6C1DCBD}" type="datetimeFigureOut">
               <a:rPr lang="en-US" smtClean="0"/>
-              <a:t>1/25/2024</a:t>
+              <a:t>1/30/2024</a:t>
             </a:fld>
             <a:endParaRPr lang="en-US"/>
           </a:p>
@@ -2408,7 +2414,7 @@
           <a:p>
             <a:fld id="{0A79397F-A367-4054-BC40-40E6C6C1DCBD}" type="datetimeFigureOut">
               <a:rPr lang="en-US" smtClean="0"/>
-              <a:t>1/25/2024</a:t>
+              <a:t>1/30/2024</a:t>
             </a:fld>
             <a:endParaRPr lang="en-US"/>
           </a:p>
@@ -2696,7 +2702,7 @@
           <a:p>
             <a:fld id="{0A79397F-A367-4054-BC40-40E6C6C1DCBD}" type="datetimeFigureOut">
               <a:rPr lang="en-US" smtClean="0"/>
-              <a:t>1/25/2024</a:t>
+              <a:t>1/30/2024</a:t>
             </a:fld>
             <a:endParaRPr lang="en-US"/>
           </a:p>
@@ -2937,7 +2943,7 @@
           <a:p>
             <a:fld id="{0A79397F-A367-4054-BC40-40E6C6C1DCBD}" type="datetimeFigureOut">
               <a:rPr lang="en-US" smtClean="0"/>
-              <a:t>1/25/2024</a:t>
+              <a:t>1/30/2024</a:t>
             </a:fld>
             <a:endParaRPr lang="en-US"/>
           </a:p>
@@ -3543,7 +3549,7 @@
                         </a:solidFill>
                         <a:latin typeface="Cambria Math" panose="02040503050406030204" pitchFamily="18" charset="0"/>
                       </a:rPr>
-                      <m:t>𝑌</m:t>
+                      <m:t>𝑋</m:t>
                     </m:r>
                   </m:oMath>
                 </a14:m>
@@ -3560,7 +3566,7 @@
                         </a:solidFill>
                         <a:latin typeface="Cambria Math" panose="02040503050406030204" pitchFamily="18" charset="0"/>
                       </a:rPr>
-                      <m:t>100</m:t>
+                      <m:t>1</m:t>
                     </m:r>
                   </m:oMath>
                 </a14:m>
@@ -3619,7 +3625,7 @@
                         </a:solidFill>
                         <a:latin typeface="Cambria Math" panose="02040503050406030204" pitchFamily="18" charset="0"/>
                       </a:rPr>
-                      <m:t>−100</m:t>
+                      <m:t>−1</m:t>
                     </m:r>
                   </m:oMath>
                 </a14:m>
@@ -3710,6 +3716,456 @@
                             </a:solidFill>
                             <a:latin typeface="Cambria Math" panose="02040503050406030204" pitchFamily="18" charset="0"/>
                           </a:rPr>
+                          <m:t>𝑋</m:t>
+                        </m:r>
+                      </m:e>
+                    </m:d>
+                  </m:oMath>
+                </a14:m>
+                <a:r>
+                  <a:rPr lang="en-US" dirty="0"/>
+                  <a:t>?</a:t>
+                </a:r>
+              </a:p>
+              <a:p>
+                <a:endParaRPr lang="en-US" dirty="0"/>
+              </a:p>
+              <a:p>
+                <a:r>
+                  <a:rPr lang="en-US" dirty="0"/>
+                  <a:t>What is </a:t>
+                </a:r>
+                <a14:m>
+                  <m:oMath xmlns:m="http://schemas.openxmlformats.org/officeDocument/2006/math">
+                    <m:r>
+                      <m:rPr>
+                        <m:sty m:val="p"/>
+                      </m:rPr>
+                      <a:rPr lang="en-US" sz="2800" b="0" i="0" dirty="0" smtClean="0">
+                        <a:solidFill>
+                          <a:srgbClr val="C00000"/>
+                        </a:solidFill>
+                        <a:latin typeface="Cambria Math" panose="02040503050406030204" pitchFamily="18" charset="0"/>
+                      </a:rPr>
+                      <m:t>Var</m:t>
+                    </m:r>
+                    <m:d>
+                      <m:dPr>
+                        <m:begChr m:val="["/>
+                        <m:endChr m:val="]"/>
+                        <m:ctrlPr>
+                          <a:rPr lang="en-US" sz="2800" b="0" i="1" dirty="0" smtClean="0">
+                            <a:solidFill>
+                              <a:srgbClr val="C00000"/>
+                            </a:solidFill>
+                            <a:latin typeface="Cambria Math" panose="02040503050406030204" pitchFamily="18" charset="0"/>
+                          </a:rPr>
+                        </m:ctrlPr>
+                      </m:dPr>
+                      <m:e>
+                        <m:r>
+                          <a:rPr lang="en-US" sz="2800" b="0" i="1" dirty="0" smtClean="0">
+                            <a:solidFill>
+                              <a:srgbClr val="C00000"/>
+                            </a:solidFill>
+                            <a:latin typeface="Cambria Math" panose="02040503050406030204" pitchFamily="18" charset="0"/>
+                          </a:rPr>
+                          <m:t>𝑋</m:t>
+                        </m:r>
+                      </m:e>
+                    </m:d>
+                  </m:oMath>
+                </a14:m>
+                <a:r>
+                  <a:rPr lang="en-US" dirty="0"/>
+                  <a:t>? What is </a:t>
+                </a:r>
+                <a14:m>
+                  <m:oMath xmlns:m="http://schemas.openxmlformats.org/officeDocument/2006/math">
+                    <m:r>
+                      <m:rPr>
+                        <m:sty m:val="p"/>
+                      </m:rPr>
+                      <a:rPr lang="en-US" dirty="0">
+                        <a:solidFill>
+                          <a:srgbClr val="C00000"/>
+                        </a:solidFill>
+                        <a:latin typeface="Cambria Math" panose="02040503050406030204" pitchFamily="18" charset="0"/>
+                      </a:rPr>
+                      <m:t>s</m:t>
+                    </m:r>
+                    <m:r>
+                      <m:rPr>
+                        <m:sty m:val="p"/>
+                      </m:rPr>
+                      <a:rPr lang="en-US" b="0" i="0" dirty="0" smtClean="0">
+                        <a:solidFill>
+                          <a:srgbClr val="C00000"/>
+                        </a:solidFill>
+                        <a:latin typeface="Cambria Math" panose="02040503050406030204" pitchFamily="18" charset="0"/>
+                      </a:rPr>
+                      <m:t>td</m:t>
+                    </m:r>
+                    <m:r>
+                      <a:rPr lang="en-US" b="0" i="1" dirty="0" smtClean="0">
+                        <a:solidFill>
+                          <a:srgbClr val="C00000"/>
+                        </a:solidFill>
+                        <a:latin typeface="Cambria Math" panose="02040503050406030204" pitchFamily="18" charset="0"/>
+                      </a:rPr>
+                      <m:t>(</m:t>
+                    </m:r>
+                    <m:r>
+                      <a:rPr lang="en-US" b="0" i="1" dirty="0" smtClean="0">
+                        <a:solidFill>
+                          <a:srgbClr val="C00000"/>
+                        </a:solidFill>
+                        <a:latin typeface="Cambria Math" panose="02040503050406030204" pitchFamily="18" charset="0"/>
+                      </a:rPr>
+                      <m:t>𝑋</m:t>
+                    </m:r>
+                    <m:r>
+                      <a:rPr lang="en-US" b="0" i="1" dirty="0" smtClean="0">
+                        <a:solidFill>
+                          <a:srgbClr val="C00000"/>
+                        </a:solidFill>
+                        <a:latin typeface="Cambria Math" panose="02040503050406030204" pitchFamily="18" charset="0"/>
+                      </a:rPr>
+                      <m:t>)</m:t>
+                    </m:r>
+                  </m:oMath>
+                </a14:m>
+                <a:r>
+                  <a:rPr lang="en-US" dirty="0"/>
+                  <a:t>?</a:t>
+                </a:r>
+              </a:p>
+              <a:p>
+                <a:pPr marL="0" indent="0">
+                  <a:buNone/>
+                </a:pPr>
+                <a:endParaRPr lang="en-US" dirty="0"/>
+              </a:p>
+            </p:txBody>
+          </p:sp>
+        </mc:Choice>
+        <mc:Fallback xmlns="">
+          <p:sp>
+            <p:nvSpPr>
+              <p:cNvPr id="3" name="Content Placeholder 2">
+                <a:extLst>
+                  <a:ext uri="{FF2B5EF4-FFF2-40B4-BE49-F238E27FC236}">
+                    <a16:creationId xmlns:a16="http://schemas.microsoft.com/office/drawing/2014/main" id="{6666941B-6AAA-DFD0-8896-ACB1B4FE2AC6}"/>
+                  </a:ext>
+                </a:extLst>
+              </p:cNvPr>
+              <p:cNvSpPr>
+                <a:spLocks noGrp="1" noRot="1" noChangeAspect="1" noMove="1" noResize="1" noEditPoints="1" noAdjustHandles="1" noChangeArrowheads="1" noChangeShapeType="1" noTextEdit="1"/>
+              </p:cNvSpPr>
+              <p:nvPr>
+                <p:ph idx="1"/>
+              </p:nvPr>
+            </p:nvSpPr>
+            <p:spPr>
+              <a:xfrm>
+                <a:off x="838200" y="1825625"/>
+                <a:ext cx="10515600" cy="4667250"/>
+              </a:xfrm>
+              <a:blipFill>
+                <a:blip r:embed="rId2"/>
+                <a:stretch>
+                  <a:fillRect l="-1043" t="-261"/>
+                </a:stretch>
+              </a:blipFill>
+            </p:spPr>
+            <p:txBody>
+              <a:bodyPr/>
+              <a:lstStyle/>
+              <a:p>
+                <a:r>
+                  <a:rPr lang="en-US">
+                    <a:noFill/>
+                  </a:rPr>
+                  <a:t> </a:t>
+                </a:r>
+              </a:p>
+            </p:txBody>
+          </p:sp>
+        </mc:Fallback>
+      </mc:AlternateContent>
+    </p:spTree>
+    <p:extLst>
+      <p:ext uri="{BB962C8B-B14F-4D97-AF65-F5344CB8AC3E}">
+        <p14:creationId xmlns:p14="http://schemas.microsoft.com/office/powerpoint/2010/main" val="1561111113"/>
+      </p:ext>
+    </p:extLst>
+  </p:cSld>
+  <p:clrMapOvr>
+    <a:masterClrMapping/>
+  </p:clrMapOvr>
+</p:sld>
+</file>
+
+<file path=ppt/slides/slide11.xml><?xml version="1.0" encoding="utf-8"?>
+<p:sld xmlns:a="http://schemas.openxmlformats.org/drawingml/2006/main" xmlns:r="http://schemas.openxmlformats.org/officeDocument/2006/relationships" xmlns:p="http://schemas.openxmlformats.org/presentationml/2006/main">
+  <p:cSld>
+    <p:spTree>
+      <p:nvGrpSpPr>
+        <p:cNvPr id="1" name=""/>
+        <p:cNvGrpSpPr/>
+        <p:nvPr/>
+      </p:nvGrpSpPr>
+      <p:grpSpPr>
+        <a:xfrm>
+          <a:off x="0" y="0"/>
+          <a:ext cx="0" cy="0"/>
+          <a:chOff x="0" y="0"/>
+          <a:chExt cx="0" cy="0"/>
+        </a:xfrm>
+      </p:grpSpPr>
+      <p:sp>
+        <p:nvSpPr>
+          <p:cNvPr id="2" name="Title 1">
+            <a:extLst>
+              <a:ext uri="{FF2B5EF4-FFF2-40B4-BE49-F238E27FC236}">
+                <a16:creationId xmlns:a16="http://schemas.microsoft.com/office/drawing/2014/main" id="{A49DDC00-2744-B7F9-8394-609BE1AEC413}"/>
+              </a:ext>
+            </a:extLst>
+          </p:cNvPr>
+          <p:cNvSpPr>
+            <a:spLocks noGrp="1"/>
+          </p:cNvSpPr>
+          <p:nvPr>
+            <p:ph type="title"/>
+          </p:nvPr>
+        </p:nvSpPr>
+        <p:spPr/>
+        <p:txBody>
+          <a:bodyPr/>
+          <a:lstStyle/>
+          <a:p>
+            <a:r>
+              <a:rPr lang="en-US" dirty="0">
+                <a:solidFill>
+                  <a:srgbClr val="C00000"/>
+                </a:solidFill>
+              </a:rPr>
+              <a:t>Variance</a:t>
+            </a:r>
+            <a:endParaRPr lang="en-US" dirty="0"/>
+          </a:p>
+        </p:txBody>
+      </p:sp>
+      <mc:AlternateContent xmlns:mc="http://schemas.openxmlformats.org/markup-compatibility/2006" xmlns:a14="http://schemas.microsoft.com/office/drawing/2010/main">
+        <mc:Choice Requires="a14">
+          <p:sp>
+            <p:nvSpPr>
+              <p:cNvPr id="3" name="Content Placeholder 2">
+                <a:extLst>
+                  <a:ext uri="{FF2B5EF4-FFF2-40B4-BE49-F238E27FC236}">
+                    <a16:creationId xmlns:a16="http://schemas.microsoft.com/office/drawing/2014/main" id="{6666941B-6AAA-DFD0-8896-ACB1B4FE2AC6}"/>
+                  </a:ext>
+                </a:extLst>
+              </p:cNvPr>
+              <p:cNvSpPr>
+                <a:spLocks noGrp="1"/>
+              </p:cNvSpPr>
+              <p:nvPr>
+                <p:ph idx="1"/>
+              </p:nvPr>
+            </p:nvSpPr>
+            <p:spPr>
+              <a:xfrm>
+                <a:off x="838200" y="1825625"/>
+                <a:ext cx="10515600" cy="4667250"/>
+              </a:xfrm>
+            </p:spPr>
+            <p:txBody>
+              <a:bodyPr>
+                <a:normAutofit/>
+              </a:bodyPr>
+              <a:lstStyle/>
+              <a:p>
+                <a:r>
+                  <a:rPr lang="en-US" dirty="0"/>
+                  <a:t>Suppose </a:t>
+                </a:r>
+                <a14:m>
+                  <m:oMath xmlns:m="http://schemas.openxmlformats.org/officeDocument/2006/math">
+                    <m:r>
+                      <a:rPr lang="en-US" b="0" i="1" dirty="0" smtClean="0">
+                        <a:solidFill>
+                          <a:srgbClr val="C00000"/>
+                        </a:solidFill>
+                        <a:latin typeface="Cambria Math" panose="02040503050406030204" pitchFamily="18" charset="0"/>
+                      </a:rPr>
+                      <m:t>𝑌</m:t>
+                    </m:r>
+                  </m:oMath>
+                </a14:m>
+                <a:r>
+                  <a:rPr lang="en-US" dirty="0"/>
+                  <a:t> takes the value </a:t>
+                </a:r>
+                <a14:m>
+                  <m:oMath xmlns:m="http://schemas.openxmlformats.org/officeDocument/2006/math">
+                    <m:r>
+                      <a:rPr lang="en-US" b="0" i="1" dirty="0" smtClean="0">
+                        <a:solidFill>
+                          <a:srgbClr val="C00000"/>
+                        </a:solidFill>
+                        <a:latin typeface="Cambria Math" panose="02040503050406030204" pitchFamily="18" charset="0"/>
+                      </a:rPr>
+                      <m:t>100</m:t>
+                    </m:r>
+                  </m:oMath>
+                </a14:m>
+                <a:r>
+                  <a:rPr lang="en-US" dirty="0"/>
+                  <a:t> with probability </a:t>
+                </a:r>
+                <a14:m>
+                  <m:oMath xmlns:m="http://schemas.openxmlformats.org/officeDocument/2006/math">
+                    <m:f>
+                      <m:fPr>
+                        <m:ctrlPr>
+                          <a:rPr lang="en-US" b="0" i="1" dirty="0" smtClean="0">
+                            <a:solidFill>
+                              <a:srgbClr val="C00000"/>
+                            </a:solidFill>
+                            <a:latin typeface="Cambria Math" panose="02040503050406030204" pitchFamily="18" charset="0"/>
+                          </a:rPr>
+                        </m:ctrlPr>
+                      </m:fPr>
+                      <m:num>
+                        <m:r>
+                          <a:rPr lang="en-US" b="0" i="1" dirty="0" smtClean="0">
+                            <a:solidFill>
+                              <a:srgbClr val="C00000"/>
+                            </a:solidFill>
+                            <a:latin typeface="Cambria Math" panose="02040503050406030204" pitchFamily="18" charset="0"/>
+                          </a:rPr>
+                          <m:t>1</m:t>
+                        </m:r>
+                      </m:num>
+                      <m:den>
+                        <m:r>
+                          <a:rPr lang="en-US" b="0" i="1" dirty="0" smtClean="0">
+                            <a:solidFill>
+                              <a:srgbClr val="C00000"/>
+                            </a:solidFill>
+                            <a:latin typeface="Cambria Math" panose="02040503050406030204" pitchFamily="18" charset="0"/>
+                          </a:rPr>
+                          <m:t>2</m:t>
+                        </m:r>
+                      </m:den>
+                    </m:f>
+                  </m:oMath>
+                </a14:m>
+                <a:r>
+                  <a:rPr lang="en-US" dirty="0"/>
+                  <a:t> and takes the value </a:t>
+                </a:r>
+                <a14:m>
+                  <m:oMath xmlns:m="http://schemas.openxmlformats.org/officeDocument/2006/math">
+                    <m:r>
+                      <a:rPr lang="en-US" b="0" i="1" dirty="0" smtClean="0">
+                        <a:solidFill>
+                          <a:srgbClr val="C00000"/>
+                        </a:solidFill>
+                        <a:latin typeface="Cambria Math" panose="02040503050406030204" pitchFamily="18" charset="0"/>
+                      </a:rPr>
+                      <m:t>−100</m:t>
+                    </m:r>
+                  </m:oMath>
+                </a14:m>
+                <a:r>
+                  <a:rPr lang="en-US" dirty="0"/>
+                  <a:t> with probability </a:t>
+                </a:r>
+                <a14:m>
+                  <m:oMath xmlns:m="http://schemas.openxmlformats.org/officeDocument/2006/math">
+                    <m:f>
+                      <m:fPr>
+                        <m:ctrlPr>
+                          <a:rPr lang="en-US" b="0" i="1" dirty="0" smtClean="0">
+                            <a:solidFill>
+                              <a:srgbClr val="C00000"/>
+                            </a:solidFill>
+                            <a:latin typeface="Cambria Math" panose="02040503050406030204" pitchFamily="18" charset="0"/>
+                          </a:rPr>
+                        </m:ctrlPr>
+                      </m:fPr>
+                      <m:num>
+                        <m:r>
+                          <a:rPr lang="en-US" b="0" i="1" dirty="0" smtClean="0">
+                            <a:solidFill>
+                              <a:srgbClr val="C00000"/>
+                            </a:solidFill>
+                            <a:latin typeface="Cambria Math" panose="02040503050406030204" pitchFamily="18" charset="0"/>
+                          </a:rPr>
+                          <m:t>1</m:t>
+                        </m:r>
+                      </m:num>
+                      <m:den>
+                        <m:r>
+                          <a:rPr lang="en-US" b="0" i="1" dirty="0" smtClean="0">
+                            <a:solidFill>
+                              <a:srgbClr val="C00000"/>
+                            </a:solidFill>
+                            <a:latin typeface="Cambria Math" panose="02040503050406030204" pitchFamily="18" charset="0"/>
+                          </a:rPr>
+                          <m:t>2</m:t>
+                        </m:r>
+                      </m:den>
+                    </m:f>
+                  </m:oMath>
+                </a14:m>
+                <a:endParaRPr lang="en-US" dirty="0"/>
+              </a:p>
+              <a:p>
+                <a:endParaRPr lang="en-US" dirty="0"/>
+              </a:p>
+              <a:p>
+                <a:r>
+                  <a:rPr lang="en-US" dirty="0"/>
+                  <a:t>What is </a:t>
+                </a:r>
+                <a14:m>
+                  <m:oMath xmlns:m="http://schemas.openxmlformats.org/officeDocument/2006/math">
+                    <m:r>
+                      <m:rPr>
+                        <m:sty m:val="p"/>
+                      </m:rPr>
+                      <a:rPr lang="en-US" sz="2800" b="0" i="0" dirty="0" smtClean="0">
+                        <a:solidFill>
+                          <a:srgbClr val="C00000"/>
+                        </a:solidFill>
+                        <a:latin typeface="Cambria Math" panose="02040503050406030204" pitchFamily="18" charset="0"/>
+                      </a:rPr>
+                      <m:t>E</m:t>
+                    </m:r>
+                    <m:d>
+                      <m:dPr>
+                        <m:begChr m:val="["/>
+                        <m:endChr m:val="]"/>
+                        <m:ctrlPr>
+                          <a:rPr lang="en-US" sz="2800" b="0" i="1" dirty="0" smtClean="0">
+                            <a:solidFill>
+                              <a:srgbClr val="C00000"/>
+                            </a:solidFill>
+                            <a:latin typeface="Cambria Math" panose="02040503050406030204" pitchFamily="18" charset="0"/>
+                          </a:rPr>
+                        </m:ctrlPr>
+                      </m:dPr>
+                      <m:e>
+                        <m:r>
+                          <a:rPr lang="en-US" sz="2800" b="0" i="1" dirty="0" smtClean="0">
+                            <a:solidFill>
+                              <a:srgbClr val="C00000"/>
+                            </a:solidFill>
+                            <a:latin typeface="Cambria Math" panose="02040503050406030204" pitchFamily="18" charset="0"/>
+                          </a:rPr>
                           <m:t>𝑌</m:t>
                         </m:r>
                       </m:e>
@@ -3888,7 +4344,7 @@
 </p:sld>
 </file>
 
-<file path=ppt/slides/slide11.xml><?xml version="1.0" encoding="utf-8"?>
+<file path=ppt/slides/slide12.xml><?xml version="1.0" encoding="utf-8"?>
 <p:sld xmlns:a="http://schemas.openxmlformats.org/drawingml/2006/main" xmlns:r="http://schemas.openxmlformats.org/officeDocument/2006/relationships" xmlns:p="http://schemas.openxmlformats.org/presentationml/2006/main">
   <p:cSld>
     <p:spTree>
@@ -4481,7 +4937,7 @@
 </p:sld>
 </file>
 
-<file path=ppt/slides/slide12.xml><?xml version="1.0" encoding="utf-8"?>
+<file path=ppt/slides/slide13.xml><?xml version="1.0" encoding="utf-8"?>
 <p:sld xmlns:a="http://schemas.openxmlformats.org/drawingml/2006/main" xmlns:r="http://schemas.openxmlformats.org/officeDocument/2006/relationships" xmlns:p="http://schemas.openxmlformats.org/presentationml/2006/main">
   <p:cSld>
     <p:spTree>
@@ -5273,7 +5729,7 @@
 </p:sld>
 </file>
 
-<file path=ppt/slides/slide13.xml><?xml version="1.0" encoding="utf-8"?>
+<file path=ppt/slides/slide14.xml><?xml version="1.0" encoding="utf-8"?>
 <p:sld xmlns:a="http://schemas.openxmlformats.org/drawingml/2006/main" xmlns:r="http://schemas.openxmlformats.org/officeDocument/2006/relationships" xmlns:p="http://schemas.openxmlformats.org/presentationml/2006/main">
   <p:cSld>
     <p:spTree>
@@ -6502,7 +6958,7 @@
 </p:sld>
 </file>
 
-<file path=ppt/slides/slide14.xml><?xml version="1.0" encoding="utf-8"?>
+<file path=ppt/slides/slide15.xml><?xml version="1.0" encoding="utf-8"?>
 <p:sld xmlns:a="http://schemas.openxmlformats.org/drawingml/2006/main" xmlns:r="http://schemas.openxmlformats.org/officeDocument/2006/relationships" xmlns:p="http://schemas.openxmlformats.org/presentationml/2006/main">
   <p:cSld>
     <p:spTree>
@@ -6961,7 +7417,7 @@
 </p:sld>
 </file>
 
-<file path=ppt/slides/slide15.xml><?xml version="1.0" encoding="utf-8"?>
+<file path=ppt/slides/slide16.xml><?xml version="1.0" encoding="utf-8"?>
 <p:sld xmlns:a="http://schemas.openxmlformats.org/drawingml/2006/main" xmlns:r="http://schemas.openxmlformats.org/officeDocument/2006/relationships" xmlns:p="http://schemas.openxmlformats.org/presentationml/2006/main">
   <p:cSld>
     <p:spTree>
@@ -8081,7 +8537,7 @@
 </p:sld>
 </file>
 
-<file path=ppt/slides/slide16.xml><?xml version="1.0" encoding="utf-8"?>
+<file path=ppt/slides/slide17.xml><?xml version="1.0" encoding="utf-8"?>
 <p:sld xmlns:a="http://schemas.openxmlformats.org/drawingml/2006/main" xmlns:r="http://schemas.openxmlformats.org/officeDocument/2006/relationships" xmlns:p="http://schemas.openxmlformats.org/presentationml/2006/main">
   <p:cSld>
     <p:spTree>
@@ -9136,7 +9592,7 @@
 </p:sld>
 </file>
 
-<file path=ppt/slides/slide17.xml><?xml version="1.0" encoding="utf-8"?>
+<file path=ppt/slides/slide18.xml><?xml version="1.0" encoding="utf-8"?>
 <p:sld xmlns:a="http://schemas.openxmlformats.org/drawingml/2006/main" xmlns:r="http://schemas.openxmlformats.org/officeDocument/2006/relationships" xmlns:p="http://schemas.openxmlformats.org/presentationml/2006/main">
   <p:cSld>
     <p:spTree>
@@ -9792,7 +10248,7 @@
 </p:sld>
 </file>
 
-<file path=ppt/slides/slide18.xml><?xml version="1.0" encoding="utf-8"?>
+<file path=ppt/slides/slide19.xml><?xml version="1.0" encoding="utf-8"?>
 <p:sld xmlns:a="http://schemas.openxmlformats.org/drawingml/2006/main" xmlns:r="http://schemas.openxmlformats.org/officeDocument/2006/relationships" xmlns:p="http://schemas.openxmlformats.org/presentationml/2006/main">
   <p:cSld>
     <p:spTree>
@@ -10679,928 +11135,6 @@
     <p:extLst>
       <p:ext uri="{BB962C8B-B14F-4D97-AF65-F5344CB8AC3E}">
         <p14:creationId xmlns:p14="http://schemas.microsoft.com/office/powerpoint/2010/main" val="3148005930"/>
-      </p:ext>
-    </p:extLst>
-  </p:cSld>
-  <p:clrMapOvr>
-    <a:masterClrMapping/>
-  </p:clrMapOvr>
-</p:sld>
-</file>
-
-<file path=ppt/slides/slide19.xml><?xml version="1.0" encoding="utf-8"?>
-<p:sld xmlns:a="http://schemas.openxmlformats.org/drawingml/2006/main" xmlns:r="http://schemas.openxmlformats.org/officeDocument/2006/relationships" xmlns:p="http://schemas.openxmlformats.org/presentationml/2006/main">
-  <p:cSld>
-    <p:spTree>
-      <p:nvGrpSpPr>
-        <p:cNvPr id="1" name=""/>
-        <p:cNvGrpSpPr/>
-        <p:nvPr/>
-      </p:nvGrpSpPr>
-      <p:grpSpPr>
-        <a:xfrm>
-          <a:off x="0" y="0"/>
-          <a:ext cx="0" cy="0"/>
-          <a:chOff x="0" y="0"/>
-          <a:chExt cx="0" cy="0"/>
-        </a:xfrm>
-      </p:grpSpPr>
-      <p:sp>
-        <p:nvSpPr>
-          <p:cNvPr id="2" name="Title 1">
-            <a:extLst>
-              <a:ext uri="{FF2B5EF4-FFF2-40B4-BE49-F238E27FC236}">
-                <a16:creationId xmlns:a16="http://schemas.microsoft.com/office/drawing/2014/main" id="{A49DDC00-2744-B7F9-8394-609BE1AEC413}"/>
-              </a:ext>
-            </a:extLst>
-          </p:cNvPr>
-          <p:cNvSpPr>
-            <a:spLocks noGrp="1"/>
-          </p:cNvSpPr>
-          <p:nvPr>
-            <p:ph type="title"/>
-          </p:nvPr>
-        </p:nvSpPr>
-        <p:spPr/>
-        <p:txBody>
-          <a:bodyPr/>
-          <a:lstStyle/>
-          <a:p>
-            <a:r>
-              <a:rPr lang="en-US" dirty="0">
-                <a:solidFill>
-                  <a:srgbClr val="C00000"/>
-                </a:solidFill>
-              </a:rPr>
-              <a:t>Law of Large Numbers</a:t>
-            </a:r>
-            <a:endParaRPr lang="en-US" dirty="0"/>
-          </a:p>
-        </p:txBody>
-      </p:sp>
-      <mc:AlternateContent xmlns:mc="http://schemas.openxmlformats.org/markup-compatibility/2006" xmlns:a14="http://schemas.microsoft.com/office/drawing/2010/main">
-        <mc:Choice Requires="a14">
-          <p:sp>
-            <p:nvSpPr>
-              <p:cNvPr id="3" name="Content Placeholder 2">
-                <a:extLst>
-                  <a:ext uri="{FF2B5EF4-FFF2-40B4-BE49-F238E27FC236}">
-                    <a16:creationId xmlns:a16="http://schemas.microsoft.com/office/drawing/2014/main" id="{6666941B-6AAA-DFD0-8896-ACB1B4FE2AC6}"/>
-                  </a:ext>
-                </a:extLst>
-              </p:cNvPr>
-              <p:cNvSpPr>
-                <a:spLocks noGrp="1"/>
-              </p:cNvSpPr>
-              <p:nvPr>
-                <p:ph idx="1"/>
-              </p:nvPr>
-            </p:nvSpPr>
-            <p:spPr>
-              <a:xfrm>
-                <a:off x="838200" y="1825625"/>
-                <a:ext cx="10515600" cy="4667250"/>
-              </a:xfrm>
-            </p:spPr>
-            <p:txBody>
-              <a:bodyPr>
-                <a:normAutofit/>
-              </a:bodyPr>
-              <a:lstStyle/>
-              <a:p>
-                <a:r>
-                  <a:rPr lang="en-US" dirty="0"/>
-                  <a:t>Let </a:t>
-                </a:r>
-                <a14:m>
-                  <m:oMath xmlns:m="http://schemas.openxmlformats.org/officeDocument/2006/math">
-                    <m:sSub>
-                      <m:sSubPr>
-                        <m:ctrlPr>
-                          <a:rPr lang="en-US" sz="2800" b="0" i="1" dirty="0" smtClean="0">
-                            <a:solidFill>
-                              <a:srgbClr val="C00000"/>
-                            </a:solidFill>
-                            <a:latin typeface="Cambria Math" panose="02040503050406030204" pitchFamily="18" charset="0"/>
-                          </a:rPr>
-                        </m:ctrlPr>
-                      </m:sSubPr>
-                      <m:e>
-                        <m:r>
-                          <a:rPr lang="en-US" sz="2800" b="0" i="1" dirty="0" smtClean="0">
-                            <a:solidFill>
-                              <a:srgbClr val="C00000"/>
-                            </a:solidFill>
-                            <a:latin typeface="Cambria Math" panose="02040503050406030204" pitchFamily="18" charset="0"/>
-                          </a:rPr>
-                          <m:t>𝑋</m:t>
-                        </m:r>
-                      </m:e>
-                      <m:sub>
-                        <m:r>
-                          <a:rPr lang="en-US" sz="2800" b="0" i="1" dirty="0" smtClean="0">
-                            <a:solidFill>
-                              <a:srgbClr val="C00000"/>
-                            </a:solidFill>
-                            <a:latin typeface="Cambria Math" panose="02040503050406030204" pitchFamily="18" charset="0"/>
-                          </a:rPr>
-                          <m:t>1</m:t>
-                        </m:r>
-                      </m:sub>
-                    </m:sSub>
-                    <m:r>
-                      <a:rPr lang="en-US" sz="2800" b="0" i="1" dirty="0" smtClean="0">
-                        <a:solidFill>
-                          <a:srgbClr val="C00000"/>
-                        </a:solidFill>
-                        <a:latin typeface="Cambria Math" panose="02040503050406030204" pitchFamily="18" charset="0"/>
-                      </a:rPr>
-                      <m:t>,…,</m:t>
-                    </m:r>
-                    <m:sSub>
-                      <m:sSubPr>
-                        <m:ctrlPr>
-                          <a:rPr lang="en-US" sz="2800" b="0" i="1" dirty="0" smtClean="0">
-                            <a:solidFill>
-                              <a:srgbClr val="C00000"/>
-                            </a:solidFill>
-                            <a:latin typeface="Cambria Math" panose="02040503050406030204" pitchFamily="18" charset="0"/>
-                          </a:rPr>
-                        </m:ctrlPr>
-                      </m:sSubPr>
-                      <m:e>
-                        <m:r>
-                          <a:rPr lang="en-US" sz="2800" b="0" i="1" dirty="0" smtClean="0">
-                            <a:solidFill>
-                              <a:srgbClr val="C00000"/>
-                            </a:solidFill>
-                            <a:latin typeface="Cambria Math" panose="02040503050406030204" pitchFamily="18" charset="0"/>
-                          </a:rPr>
-                          <m:t>𝑋</m:t>
-                        </m:r>
-                      </m:e>
-                      <m:sub>
-                        <m:r>
-                          <a:rPr lang="en-US" sz="2800" b="0" i="1" dirty="0" smtClean="0">
-                            <a:solidFill>
-                              <a:srgbClr val="C00000"/>
-                            </a:solidFill>
-                            <a:latin typeface="Cambria Math" panose="02040503050406030204" pitchFamily="18" charset="0"/>
-                          </a:rPr>
-                          <m:t>𝑛</m:t>
-                        </m:r>
-                      </m:sub>
-                    </m:sSub>
-                  </m:oMath>
-                </a14:m>
-                <a:r>
-                  <a:rPr lang="en-US" dirty="0"/>
-                  <a:t> be random variables that are independent identically distributed (</a:t>
-                </a:r>
-                <a:r>
-                  <a:rPr lang="en-US" dirty="0" err="1"/>
-                  <a:t>i.i.d.</a:t>
-                </a:r>
-                <a:r>
-                  <a:rPr lang="en-US" dirty="0"/>
-                  <a:t>) with mean </a:t>
-                </a:r>
-                <a14:m>
-                  <m:oMath xmlns:m="http://schemas.openxmlformats.org/officeDocument/2006/math">
-                    <m:r>
-                      <a:rPr lang="en-US" b="0" i="1" dirty="0" smtClean="0">
-                        <a:solidFill>
-                          <a:srgbClr val="C00000"/>
-                        </a:solidFill>
-                        <a:latin typeface="Cambria Math" panose="02040503050406030204" pitchFamily="18" charset="0"/>
-                      </a:rPr>
-                      <m:t>𝜇</m:t>
-                    </m:r>
-                  </m:oMath>
-                </a14:m>
-                <a:r>
-                  <a:rPr lang="en-US" dirty="0"/>
-                  <a:t> and variance </a:t>
-                </a:r>
-                <a14:m>
-                  <m:oMath xmlns:m="http://schemas.openxmlformats.org/officeDocument/2006/math">
-                    <m:sSup>
-                      <m:sSupPr>
-                        <m:ctrlPr>
-                          <a:rPr lang="en-US" b="0" i="1" dirty="0" smtClean="0">
-                            <a:solidFill>
-                              <a:srgbClr val="C00000"/>
-                            </a:solidFill>
-                            <a:latin typeface="Cambria Math" panose="02040503050406030204" pitchFamily="18" charset="0"/>
-                          </a:rPr>
-                        </m:ctrlPr>
-                      </m:sSupPr>
-                      <m:e>
-                        <m:r>
-                          <a:rPr lang="en-US" b="0" i="1" dirty="0" smtClean="0">
-                            <a:solidFill>
-                              <a:srgbClr val="C00000"/>
-                            </a:solidFill>
-                            <a:latin typeface="Cambria Math" panose="02040503050406030204" pitchFamily="18" charset="0"/>
-                          </a:rPr>
-                          <m:t>𝜎</m:t>
-                        </m:r>
-                      </m:e>
-                      <m:sup>
-                        <m:r>
-                          <a:rPr lang="en-US" b="0" i="1" dirty="0" smtClean="0">
-                            <a:solidFill>
-                              <a:srgbClr val="C00000"/>
-                            </a:solidFill>
-                            <a:latin typeface="Cambria Math" panose="02040503050406030204" pitchFamily="18" charset="0"/>
-                          </a:rPr>
-                          <m:t>2</m:t>
-                        </m:r>
-                      </m:sup>
-                    </m:sSup>
-                  </m:oMath>
-                </a14:m>
-                <a:endParaRPr lang="en-US" dirty="0"/>
-              </a:p>
-              <a:p>
-                <a:endParaRPr lang="en-US" dirty="0"/>
-              </a:p>
-              <a:p>
-                <a:r>
-                  <a:rPr lang="en-US" dirty="0"/>
-                  <a:t>Consider the sample average </a:t>
-                </a:r>
-                <a14:m>
-                  <m:oMath xmlns:m="http://schemas.openxmlformats.org/officeDocument/2006/math">
-                    <m:r>
-                      <a:rPr lang="en-US" sz="2800" b="0" i="1" dirty="0" smtClean="0">
-                        <a:solidFill>
-                          <a:srgbClr val="C00000"/>
-                        </a:solidFill>
-                        <a:latin typeface="Cambria Math" panose="02040503050406030204" pitchFamily="18" charset="0"/>
-                      </a:rPr>
-                      <m:t>𝑋</m:t>
-                    </m:r>
-                    <m:r>
-                      <a:rPr lang="en-US" sz="2800" b="0" i="1" dirty="0" smtClean="0">
-                        <a:solidFill>
-                          <a:srgbClr val="C00000"/>
-                        </a:solidFill>
-                        <a:latin typeface="Cambria Math" panose="02040503050406030204" pitchFamily="18" charset="0"/>
-                      </a:rPr>
-                      <m:t>=</m:t>
-                    </m:r>
-                    <m:f>
-                      <m:fPr>
-                        <m:ctrlPr>
-                          <a:rPr lang="en-US" sz="2800" b="0" i="1" dirty="0" smtClean="0">
-                            <a:solidFill>
-                              <a:srgbClr val="C00000"/>
-                            </a:solidFill>
-                            <a:latin typeface="Cambria Math" panose="02040503050406030204" pitchFamily="18" charset="0"/>
-                          </a:rPr>
-                        </m:ctrlPr>
-                      </m:fPr>
-                      <m:num>
-                        <m:r>
-                          <a:rPr lang="en-US" sz="2800" b="0" i="1" dirty="0" smtClean="0">
-                            <a:solidFill>
-                              <a:srgbClr val="C00000"/>
-                            </a:solidFill>
-                            <a:latin typeface="Cambria Math" panose="02040503050406030204" pitchFamily="18" charset="0"/>
-                          </a:rPr>
-                          <m:t>1</m:t>
-                        </m:r>
-                      </m:num>
-                      <m:den>
-                        <m:r>
-                          <a:rPr lang="en-US" sz="2800" b="0" i="1" dirty="0" smtClean="0">
-                            <a:solidFill>
-                              <a:srgbClr val="C00000"/>
-                            </a:solidFill>
-                            <a:latin typeface="Cambria Math" panose="02040503050406030204" pitchFamily="18" charset="0"/>
-                          </a:rPr>
-                          <m:t>𝑛</m:t>
-                        </m:r>
-                      </m:den>
-                    </m:f>
-                    <m:nary>
-                      <m:naryPr>
-                        <m:chr m:val="∑"/>
-                        <m:supHide m:val="on"/>
-                        <m:ctrlPr>
-                          <a:rPr lang="en-US" sz="2800" b="0" i="1" dirty="0" smtClean="0">
-                            <a:solidFill>
-                              <a:srgbClr val="C00000"/>
-                            </a:solidFill>
-                            <a:latin typeface="Cambria Math" panose="02040503050406030204" pitchFamily="18" charset="0"/>
-                          </a:rPr>
-                        </m:ctrlPr>
-                      </m:naryPr>
-                      <m:sub>
-                        <m:r>
-                          <a:rPr lang="en-US" sz="2800" b="0" i="1" dirty="0" smtClean="0">
-                            <a:solidFill>
-                              <a:srgbClr val="C00000"/>
-                            </a:solidFill>
-                            <a:latin typeface="Cambria Math" panose="02040503050406030204" pitchFamily="18" charset="0"/>
-                          </a:rPr>
-                          <m:t>𝑖</m:t>
-                        </m:r>
-                      </m:sub>
-                      <m:sup/>
-                      <m:e>
-                        <m:sSub>
-                          <m:sSubPr>
-                            <m:ctrlPr>
-                              <a:rPr lang="en-US" sz="2800" b="0" i="1" dirty="0" smtClean="0">
-                                <a:solidFill>
-                                  <a:srgbClr val="C00000"/>
-                                </a:solidFill>
-                                <a:latin typeface="Cambria Math" panose="02040503050406030204" pitchFamily="18" charset="0"/>
-                              </a:rPr>
-                            </m:ctrlPr>
-                          </m:sSubPr>
-                          <m:e>
-                            <m:r>
-                              <a:rPr lang="en-US" sz="2800" b="0" i="1" dirty="0" smtClean="0">
-                                <a:solidFill>
-                                  <a:srgbClr val="C00000"/>
-                                </a:solidFill>
-                                <a:latin typeface="Cambria Math" panose="02040503050406030204" pitchFamily="18" charset="0"/>
-                              </a:rPr>
-                              <m:t>𝑋</m:t>
-                            </m:r>
-                          </m:e>
-                          <m:sub>
-                            <m:r>
-                              <a:rPr lang="en-US" sz="2800" b="0" i="1" dirty="0" smtClean="0">
-                                <a:solidFill>
-                                  <a:srgbClr val="C00000"/>
-                                </a:solidFill>
-                                <a:latin typeface="Cambria Math" panose="02040503050406030204" pitchFamily="18" charset="0"/>
-                              </a:rPr>
-                              <m:t>𝑖</m:t>
-                            </m:r>
-                          </m:sub>
-                        </m:sSub>
-                      </m:e>
-                    </m:nary>
-                  </m:oMath>
-                </a14:m>
-                <a:r>
-                  <a:rPr lang="en-US" dirty="0"/>
-                  <a:t>. How does it compare to </a:t>
-                </a:r>
-                <a14:m>
-                  <m:oMath xmlns:m="http://schemas.openxmlformats.org/officeDocument/2006/math">
-                    <m:r>
-                      <a:rPr lang="en-US" i="1" dirty="0">
-                        <a:solidFill>
-                          <a:srgbClr val="C00000"/>
-                        </a:solidFill>
-                        <a:latin typeface="Cambria Math" panose="02040503050406030204" pitchFamily="18" charset="0"/>
-                      </a:rPr>
-                      <m:t>𝜇</m:t>
-                    </m:r>
-                  </m:oMath>
-                </a14:m>
-                <a:r>
-                  <a:rPr lang="en-US" dirty="0"/>
-                  <a:t>?</a:t>
-                </a:r>
-              </a:p>
-              <a:p>
-                <a:endParaRPr lang="en-US" dirty="0"/>
-              </a:p>
-              <a:p>
-                <a:pPr>
-                  <a:buClr>
-                    <a:schemeClr val="tx1"/>
-                  </a:buClr>
-                </a:pPr>
-                <a14:m>
-                  <m:oMath xmlns:m="http://schemas.openxmlformats.org/officeDocument/2006/math">
-                    <m:r>
-                      <m:rPr>
-                        <m:sty m:val="p"/>
-                      </m:rPr>
-                      <a:rPr lang="en-US" dirty="0" smtClean="0">
-                        <a:solidFill>
-                          <a:srgbClr val="C00000"/>
-                        </a:solidFill>
-                        <a:latin typeface="Cambria Math" panose="02040503050406030204" pitchFamily="18" charset="0"/>
-                      </a:rPr>
-                      <m:t>V</m:t>
-                    </m:r>
-                    <m:r>
-                      <m:rPr>
-                        <m:sty m:val="p"/>
-                      </m:rPr>
-                      <a:rPr lang="en-US" b="0" i="0" dirty="0" smtClean="0">
-                        <a:solidFill>
-                          <a:srgbClr val="C00000"/>
-                        </a:solidFill>
-                        <a:latin typeface="Cambria Math" panose="02040503050406030204" pitchFamily="18" charset="0"/>
-                      </a:rPr>
-                      <m:t>ar</m:t>
-                    </m:r>
-                    <m:d>
-                      <m:dPr>
-                        <m:begChr m:val="["/>
-                        <m:endChr m:val="]"/>
-                        <m:ctrlPr>
-                          <a:rPr lang="en-US" i="1" dirty="0">
-                            <a:solidFill>
-                              <a:srgbClr val="C00000"/>
-                            </a:solidFill>
-                            <a:latin typeface="Cambria Math" panose="02040503050406030204" pitchFamily="18" charset="0"/>
-                          </a:rPr>
-                        </m:ctrlPr>
-                      </m:dPr>
-                      <m:e>
-                        <m:r>
-                          <a:rPr lang="en-US" i="1" dirty="0">
-                            <a:solidFill>
-                              <a:srgbClr val="C00000"/>
-                            </a:solidFill>
-                            <a:latin typeface="Cambria Math" panose="02040503050406030204" pitchFamily="18" charset="0"/>
-                          </a:rPr>
-                          <m:t>𝑋</m:t>
-                        </m:r>
-                      </m:e>
-                    </m:d>
-                    <m:r>
-                      <a:rPr lang="en-US" i="1" dirty="0" smtClean="0">
-                        <a:solidFill>
-                          <a:schemeClr val="tx1"/>
-                        </a:solidFill>
-                        <a:latin typeface="Cambria Math" panose="02040503050406030204" pitchFamily="18" charset="0"/>
-                      </a:rPr>
-                      <m:t>=</m:t>
-                    </m:r>
-                    <m:f>
-                      <m:fPr>
-                        <m:ctrlPr>
-                          <a:rPr lang="en-US" b="0" i="1" dirty="0" smtClean="0">
-                            <a:solidFill>
-                              <a:srgbClr val="C00000"/>
-                            </a:solidFill>
-                            <a:latin typeface="Cambria Math" panose="02040503050406030204" pitchFamily="18" charset="0"/>
-                          </a:rPr>
-                        </m:ctrlPr>
-                      </m:fPr>
-                      <m:num>
-                        <m:r>
-                          <a:rPr lang="en-US" b="0" i="0" dirty="0" smtClean="0">
-                            <a:solidFill>
-                              <a:srgbClr val="C00000"/>
-                            </a:solidFill>
-                            <a:latin typeface="Cambria Math" panose="02040503050406030204" pitchFamily="18" charset="0"/>
-                          </a:rPr>
-                          <m:t>1</m:t>
-                        </m:r>
-                      </m:num>
-                      <m:den>
-                        <m:sSup>
-                          <m:sSupPr>
-                            <m:ctrlPr>
-                              <a:rPr lang="en-US" b="0" i="1" dirty="0" smtClean="0">
-                                <a:solidFill>
-                                  <a:srgbClr val="C00000"/>
-                                </a:solidFill>
-                                <a:latin typeface="Cambria Math" panose="02040503050406030204" pitchFamily="18" charset="0"/>
-                              </a:rPr>
-                            </m:ctrlPr>
-                          </m:sSupPr>
-                          <m:e>
-                            <m:r>
-                              <a:rPr lang="en-US" b="0" i="1" dirty="0" smtClean="0">
-                                <a:solidFill>
-                                  <a:srgbClr val="C00000"/>
-                                </a:solidFill>
-                                <a:latin typeface="Cambria Math" panose="02040503050406030204" pitchFamily="18" charset="0"/>
-                              </a:rPr>
-                              <m:t>𝑛</m:t>
-                            </m:r>
-                          </m:e>
-                          <m:sup>
-                            <m:r>
-                              <a:rPr lang="en-US" b="0" i="1" dirty="0" smtClean="0">
-                                <a:solidFill>
-                                  <a:srgbClr val="C00000"/>
-                                </a:solidFill>
-                                <a:latin typeface="Cambria Math" panose="02040503050406030204" pitchFamily="18" charset="0"/>
-                              </a:rPr>
-                              <m:t>2</m:t>
-                            </m:r>
-                          </m:sup>
-                        </m:sSup>
-                      </m:den>
-                    </m:f>
-                    <m:nary>
-                      <m:naryPr>
-                        <m:chr m:val="∑"/>
-                        <m:supHide m:val="on"/>
-                        <m:ctrlPr>
-                          <a:rPr lang="en-US" b="0" i="1" dirty="0" smtClean="0">
-                            <a:solidFill>
-                              <a:srgbClr val="C00000"/>
-                            </a:solidFill>
-                            <a:latin typeface="Cambria Math" panose="02040503050406030204" pitchFamily="18" charset="0"/>
-                          </a:rPr>
-                        </m:ctrlPr>
-                      </m:naryPr>
-                      <m:sub>
-                        <m:r>
-                          <a:rPr lang="en-US" b="0" i="1" dirty="0" smtClean="0">
-                            <a:solidFill>
-                              <a:srgbClr val="C00000"/>
-                            </a:solidFill>
-                            <a:latin typeface="Cambria Math" panose="02040503050406030204" pitchFamily="18" charset="0"/>
-                          </a:rPr>
-                          <m:t>𝑖</m:t>
-                        </m:r>
-                      </m:sub>
-                      <m:sup/>
-                      <m:e>
-                        <m:r>
-                          <m:rPr>
-                            <m:sty m:val="p"/>
-                          </m:rPr>
-                          <a:rPr lang="en-US" b="0" i="0" dirty="0" smtClean="0">
-                            <a:solidFill>
-                              <a:srgbClr val="C00000"/>
-                            </a:solidFill>
-                            <a:latin typeface="Cambria Math" panose="02040503050406030204" pitchFamily="18" charset="0"/>
-                          </a:rPr>
-                          <m:t>Var</m:t>
-                        </m:r>
-                        <m:d>
-                          <m:dPr>
-                            <m:begChr m:val="["/>
-                            <m:endChr m:val="]"/>
-                            <m:ctrlPr>
-                              <a:rPr lang="en-US" b="0" i="1" dirty="0" smtClean="0">
-                                <a:solidFill>
-                                  <a:srgbClr val="C00000"/>
-                                </a:solidFill>
-                                <a:latin typeface="Cambria Math" panose="02040503050406030204" pitchFamily="18" charset="0"/>
-                              </a:rPr>
-                            </m:ctrlPr>
-                          </m:dPr>
-                          <m:e>
-                            <m:sSub>
-                              <m:sSubPr>
-                                <m:ctrlPr>
-                                  <a:rPr lang="en-US" b="0" i="1" dirty="0" smtClean="0">
-                                    <a:solidFill>
-                                      <a:srgbClr val="C00000"/>
-                                    </a:solidFill>
-                                    <a:latin typeface="Cambria Math" panose="02040503050406030204" pitchFamily="18" charset="0"/>
-                                  </a:rPr>
-                                </m:ctrlPr>
-                              </m:sSubPr>
-                              <m:e>
-                                <m:r>
-                                  <a:rPr lang="en-US" b="0" i="1" dirty="0" smtClean="0">
-                                    <a:solidFill>
-                                      <a:srgbClr val="C00000"/>
-                                    </a:solidFill>
-                                    <a:latin typeface="Cambria Math" panose="02040503050406030204" pitchFamily="18" charset="0"/>
-                                  </a:rPr>
-                                  <m:t>𝑋</m:t>
-                                </m:r>
-                              </m:e>
-                              <m:sub>
-                                <m:r>
-                                  <a:rPr lang="en-US" b="0" i="1" dirty="0" smtClean="0">
-                                    <a:solidFill>
-                                      <a:srgbClr val="C00000"/>
-                                    </a:solidFill>
-                                    <a:latin typeface="Cambria Math" panose="02040503050406030204" pitchFamily="18" charset="0"/>
-                                  </a:rPr>
-                                  <m:t>𝑖</m:t>
-                                </m:r>
-                              </m:sub>
-                            </m:sSub>
-                          </m:e>
-                        </m:d>
-                      </m:e>
-                    </m:nary>
-                    <m:r>
-                      <a:rPr lang="en-US" b="0" i="1" dirty="0" smtClean="0">
-                        <a:solidFill>
-                          <a:schemeClr val="tx1"/>
-                        </a:solidFill>
-                        <a:latin typeface="Cambria Math" panose="02040503050406030204" pitchFamily="18" charset="0"/>
-                      </a:rPr>
-                      <m:t>=</m:t>
-                    </m:r>
-                    <m:f>
-                      <m:fPr>
-                        <m:ctrlPr>
-                          <a:rPr lang="en-US" b="0" i="1" dirty="0" smtClean="0">
-                            <a:solidFill>
-                              <a:srgbClr val="C00000"/>
-                            </a:solidFill>
-                            <a:latin typeface="Cambria Math" panose="02040503050406030204" pitchFamily="18" charset="0"/>
-                          </a:rPr>
-                        </m:ctrlPr>
-                      </m:fPr>
-                      <m:num>
-                        <m:sSup>
-                          <m:sSupPr>
-                            <m:ctrlPr>
-                              <a:rPr lang="en-US" b="0" i="1" dirty="0" smtClean="0">
-                                <a:solidFill>
-                                  <a:srgbClr val="C00000"/>
-                                </a:solidFill>
-                                <a:latin typeface="Cambria Math" panose="02040503050406030204" pitchFamily="18" charset="0"/>
-                              </a:rPr>
-                            </m:ctrlPr>
-                          </m:sSupPr>
-                          <m:e>
-                            <m:r>
-                              <a:rPr lang="en-US" b="0" i="1" dirty="0" smtClean="0">
-                                <a:solidFill>
-                                  <a:srgbClr val="C00000"/>
-                                </a:solidFill>
-                                <a:latin typeface="Cambria Math" panose="02040503050406030204" pitchFamily="18" charset="0"/>
-                              </a:rPr>
-                              <m:t>𝜎</m:t>
-                            </m:r>
-                          </m:e>
-                          <m:sup>
-                            <m:r>
-                              <a:rPr lang="en-US" b="0" i="1" dirty="0" smtClean="0">
-                                <a:solidFill>
-                                  <a:srgbClr val="C00000"/>
-                                </a:solidFill>
-                                <a:latin typeface="Cambria Math" panose="02040503050406030204" pitchFamily="18" charset="0"/>
-                              </a:rPr>
-                              <m:t>2</m:t>
-                            </m:r>
-                          </m:sup>
-                        </m:sSup>
-                      </m:num>
-                      <m:den>
-                        <m:r>
-                          <a:rPr lang="en-US" b="0" i="1" dirty="0" smtClean="0">
-                            <a:solidFill>
-                              <a:srgbClr val="C00000"/>
-                            </a:solidFill>
-                            <a:latin typeface="Cambria Math" panose="02040503050406030204" pitchFamily="18" charset="0"/>
-                          </a:rPr>
-                          <m:t>𝑛</m:t>
-                        </m:r>
-                      </m:den>
-                    </m:f>
-                    <m:r>
-                      <a:rPr lang="en-US" b="0" i="1" dirty="0" smtClean="0">
-                        <a:solidFill>
-                          <a:srgbClr val="C00000"/>
-                        </a:solidFill>
-                        <a:latin typeface="Cambria Math" panose="02040503050406030204" pitchFamily="18" charset="0"/>
-                      </a:rPr>
-                      <m:t> </m:t>
-                    </m:r>
-                  </m:oMath>
-                </a14:m>
-                <a:endParaRPr lang="en-US" dirty="0"/>
-              </a:p>
-              <a:p>
-                <a:pPr>
-                  <a:buClr>
-                    <a:schemeClr val="tx1"/>
-                  </a:buClr>
-                </a:pPr>
-                <a:endParaRPr lang="en-US" dirty="0"/>
-              </a:p>
-              <a:p>
-                <a:pPr>
-                  <a:buClr>
-                    <a:schemeClr val="tx1"/>
-                  </a:buClr>
-                </a:pPr>
-                <a:r>
-                  <a:rPr lang="en-US" dirty="0"/>
-                  <a:t>By Chebyshev’s inequality, </a:t>
-                </a:r>
-                <a14:m>
-                  <m:oMath xmlns:m="http://schemas.openxmlformats.org/officeDocument/2006/math">
-                    <m:r>
-                      <m:rPr>
-                        <m:sty m:val="p"/>
-                      </m:rPr>
-                      <a:rPr lang="en-US" sz="2800" b="0" i="0" dirty="0" smtClean="0">
-                        <a:solidFill>
-                          <a:srgbClr val="C00000"/>
-                        </a:solidFill>
-                        <a:latin typeface="Cambria Math" panose="02040503050406030204" pitchFamily="18" charset="0"/>
-                      </a:rPr>
-                      <m:t>Pr</m:t>
-                    </m:r>
-                    <m:d>
-                      <m:dPr>
-                        <m:begChr m:val="["/>
-                        <m:endChr m:val="]"/>
-                        <m:ctrlPr>
-                          <a:rPr lang="en-US" sz="2800" b="0" i="1" dirty="0" smtClean="0">
-                            <a:solidFill>
-                              <a:srgbClr val="C00000"/>
-                            </a:solidFill>
-                            <a:latin typeface="Cambria Math" panose="02040503050406030204" pitchFamily="18" charset="0"/>
-                          </a:rPr>
-                        </m:ctrlPr>
-                      </m:dPr>
-                      <m:e>
-                        <m:d>
-                          <m:dPr>
-                            <m:begChr m:val="|"/>
-                            <m:endChr m:val="|"/>
-                            <m:ctrlPr>
-                              <a:rPr lang="en-US" sz="2800" b="0" i="1" dirty="0" smtClean="0">
-                                <a:solidFill>
-                                  <a:srgbClr val="C00000"/>
-                                </a:solidFill>
-                                <a:latin typeface="Cambria Math" panose="02040503050406030204" pitchFamily="18" charset="0"/>
-                              </a:rPr>
-                            </m:ctrlPr>
-                          </m:dPr>
-                          <m:e>
-                            <m:r>
-                              <a:rPr lang="en-US" sz="2800" b="0" i="1" dirty="0" smtClean="0">
-                                <a:solidFill>
-                                  <a:srgbClr val="C00000"/>
-                                </a:solidFill>
-                                <a:latin typeface="Cambria Math" panose="02040503050406030204" pitchFamily="18" charset="0"/>
-                              </a:rPr>
-                              <m:t>𝑆</m:t>
-                            </m:r>
-                            <m:r>
-                              <a:rPr lang="en-US" sz="2800" b="0" i="1" dirty="0" smtClean="0">
-                                <a:solidFill>
-                                  <a:srgbClr val="C00000"/>
-                                </a:solidFill>
-                                <a:latin typeface="Cambria Math" panose="02040503050406030204" pitchFamily="18" charset="0"/>
-                              </a:rPr>
-                              <m:t>−</m:t>
-                            </m:r>
-                            <m:r>
-                              <a:rPr lang="en-US" sz="2800" b="0" i="1" dirty="0" smtClean="0">
-                                <a:solidFill>
-                                  <a:srgbClr val="C00000"/>
-                                </a:solidFill>
-                                <a:latin typeface="Cambria Math" panose="02040503050406030204" pitchFamily="18" charset="0"/>
-                              </a:rPr>
-                              <m:t>𝜇</m:t>
-                            </m:r>
-                          </m:e>
-                        </m:d>
-                        <m:r>
-                          <a:rPr lang="en-US" sz="2800" b="0" i="1" dirty="0" smtClean="0">
-                            <a:solidFill>
-                              <a:srgbClr val="C00000"/>
-                            </a:solidFill>
-                            <a:latin typeface="Cambria Math" panose="02040503050406030204" pitchFamily="18" charset="0"/>
-                          </a:rPr>
-                          <m:t>≥</m:t>
-                        </m:r>
-                        <m:r>
-                          <a:rPr lang="en-US" sz="2800" b="0" i="1" dirty="0" smtClean="0">
-                            <a:solidFill>
-                              <a:srgbClr val="C00000"/>
-                            </a:solidFill>
-                            <a:latin typeface="Cambria Math" panose="02040503050406030204" pitchFamily="18" charset="0"/>
-                          </a:rPr>
-                          <m:t>𝑡</m:t>
-                        </m:r>
-                      </m:e>
-                    </m:d>
-                    <m:r>
-                      <a:rPr lang="en-US" sz="2800" b="0" i="1" dirty="0" smtClean="0">
-                        <a:solidFill>
-                          <a:schemeClr val="tx1"/>
-                        </a:solidFill>
-                        <a:latin typeface="Cambria Math" panose="02040503050406030204" pitchFamily="18" charset="0"/>
-                      </a:rPr>
-                      <m:t>≤</m:t>
-                    </m:r>
-                    <m:f>
-                      <m:fPr>
-                        <m:ctrlPr>
-                          <a:rPr lang="en-US" sz="2800" b="0" i="1" dirty="0" smtClean="0">
-                            <a:solidFill>
-                              <a:srgbClr val="C00000"/>
-                            </a:solidFill>
-                            <a:latin typeface="Cambria Math" panose="02040503050406030204" pitchFamily="18" charset="0"/>
-                          </a:rPr>
-                        </m:ctrlPr>
-                      </m:fPr>
-                      <m:num>
-                        <m:sSup>
-                          <m:sSupPr>
-                            <m:ctrlPr>
-                              <a:rPr lang="en-US" sz="2800" b="0" i="1" dirty="0" smtClean="0">
-                                <a:solidFill>
-                                  <a:srgbClr val="C00000"/>
-                                </a:solidFill>
-                                <a:latin typeface="Cambria Math" panose="02040503050406030204" pitchFamily="18" charset="0"/>
-                              </a:rPr>
-                            </m:ctrlPr>
-                          </m:sSupPr>
-                          <m:e>
-                            <m:r>
-                              <a:rPr lang="en-US" sz="2800" b="0" i="1" dirty="0" smtClean="0">
-                                <a:solidFill>
-                                  <a:srgbClr val="C00000"/>
-                                </a:solidFill>
-                                <a:latin typeface="Cambria Math" panose="02040503050406030204" pitchFamily="18" charset="0"/>
-                              </a:rPr>
-                              <m:t>𝜎</m:t>
-                            </m:r>
-                          </m:e>
-                          <m:sup>
-                            <m:r>
-                              <a:rPr lang="en-US" sz="2800" b="0" i="1" dirty="0" smtClean="0">
-                                <a:solidFill>
-                                  <a:srgbClr val="C00000"/>
-                                </a:solidFill>
-                                <a:latin typeface="Cambria Math" panose="02040503050406030204" pitchFamily="18" charset="0"/>
-                              </a:rPr>
-                              <m:t>2</m:t>
-                            </m:r>
-                          </m:sup>
-                        </m:sSup>
-                      </m:num>
-                      <m:den>
-                        <m:r>
-                          <a:rPr lang="en-US" sz="2800" b="0" i="1" dirty="0" smtClean="0">
-                            <a:solidFill>
-                              <a:srgbClr val="C00000"/>
-                            </a:solidFill>
-                            <a:latin typeface="Cambria Math" panose="02040503050406030204" pitchFamily="18" charset="0"/>
-                          </a:rPr>
-                          <m:t>𝑛𝑡</m:t>
-                        </m:r>
-                      </m:den>
-                    </m:f>
-                  </m:oMath>
-                </a14:m>
-                <a:endParaRPr lang="en-US" dirty="0"/>
-              </a:p>
-            </p:txBody>
-          </p:sp>
-        </mc:Choice>
-        <mc:Fallback xmlns="">
-          <p:sp>
-            <p:nvSpPr>
-              <p:cNvPr id="3" name="Content Placeholder 2">
-                <a:extLst>
-                  <a:ext uri="{FF2B5EF4-FFF2-40B4-BE49-F238E27FC236}">
-                    <a16:creationId xmlns:a16="http://schemas.microsoft.com/office/drawing/2014/main" id="{6666941B-6AAA-DFD0-8896-ACB1B4FE2AC6}"/>
-                  </a:ext>
-                </a:extLst>
-              </p:cNvPr>
-              <p:cNvSpPr>
-                <a:spLocks noGrp="1" noRot="1" noChangeAspect="1" noMove="1" noResize="1" noEditPoints="1" noAdjustHandles="1" noChangeArrowheads="1" noChangeShapeType="1" noTextEdit="1"/>
-              </p:cNvSpPr>
-              <p:nvPr>
-                <p:ph idx="1"/>
-              </p:nvPr>
-            </p:nvSpPr>
-            <p:spPr>
-              <a:xfrm>
-                <a:off x="838200" y="1825625"/>
-                <a:ext cx="10515600" cy="4667250"/>
-              </a:xfrm>
-              <a:blipFill>
-                <a:blip r:embed="rId2"/>
-                <a:stretch>
-                  <a:fillRect l="-1043" t="-2089" r="-58"/>
-                </a:stretch>
-              </a:blipFill>
-            </p:spPr>
-            <p:txBody>
-              <a:bodyPr/>
-              <a:lstStyle/>
-              <a:p>
-                <a:r>
-                  <a:rPr lang="en-US">
-                    <a:noFill/>
-                  </a:rPr>
-                  <a:t> </a:t>
-                </a:r>
-              </a:p>
-            </p:txBody>
-          </p:sp>
-        </mc:Fallback>
-      </mc:AlternateContent>
-    </p:spTree>
-    <p:extLst>
-      <p:ext uri="{BB962C8B-B14F-4D97-AF65-F5344CB8AC3E}">
-        <p14:creationId xmlns:p14="http://schemas.microsoft.com/office/powerpoint/2010/main" val="2814313724"/>
       </p:ext>
     </p:extLst>
   </p:cSld>
@@ -12314,6 +11848,621 @@
               <a:p>
                 <a:r>
                   <a:rPr lang="en-US" dirty="0"/>
+                  <a:t>Let </a:t>
+                </a:r>
+                <a14:m>
+                  <m:oMath xmlns:m="http://schemas.openxmlformats.org/officeDocument/2006/math">
+                    <m:sSub>
+                      <m:sSubPr>
+                        <m:ctrlPr>
+                          <a:rPr lang="en-US" sz="2800" b="0" i="1" dirty="0" smtClean="0">
+                            <a:solidFill>
+                              <a:srgbClr val="C00000"/>
+                            </a:solidFill>
+                            <a:latin typeface="Cambria Math" panose="02040503050406030204" pitchFamily="18" charset="0"/>
+                          </a:rPr>
+                        </m:ctrlPr>
+                      </m:sSubPr>
+                      <m:e>
+                        <m:r>
+                          <a:rPr lang="en-US" sz="2800" b="0" i="1" dirty="0" smtClean="0">
+                            <a:solidFill>
+                              <a:srgbClr val="C00000"/>
+                            </a:solidFill>
+                            <a:latin typeface="Cambria Math" panose="02040503050406030204" pitchFamily="18" charset="0"/>
+                          </a:rPr>
+                          <m:t>𝑋</m:t>
+                        </m:r>
+                      </m:e>
+                      <m:sub>
+                        <m:r>
+                          <a:rPr lang="en-US" sz="2800" b="0" i="1" dirty="0" smtClean="0">
+                            <a:solidFill>
+                              <a:srgbClr val="C00000"/>
+                            </a:solidFill>
+                            <a:latin typeface="Cambria Math" panose="02040503050406030204" pitchFamily="18" charset="0"/>
+                          </a:rPr>
+                          <m:t>1</m:t>
+                        </m:r>
+                      </m:sub>
+                    </m:sSub>
+                    <m:r>
+                      <a:rPr lang="en-US" sz="2800" b="0" i="1" dirty="0" smtClean="0">
+                        <a:solidFill>
+                          <a:srgbClr val="C00000"/>
+                        </a:solidFill>
+                        <a:latin typeface="Cambria Math" panose="02040503050406030204" pitchFamily="18" charset="0"/>
+                      </a:rPr>
+                      <m:t>,…,</m:t>
+                    </m:r>
+                    <m:sSub>
+                      <m:sSubPr>
+                        <m:ctrlPr>
+                          <a:rPr lang="en-US" sz="2800" b="0" i="1" dirty="0" smtClean="0">
+                            <a:solidFill>
+                              <a:srgbClr val="C00000"/>
+                            </a:solidFill>
+                            <a:latin typeface="Cambria Math" panose="02040503050406030204" pitchFamily="18" charset="0"/>
+                          </a:rPr>
+                        </m:ctrlPr>
+                      </m:sSubPr>
+                      <m:e>
+                        <m:r>
+                          <a:rPr lang="en-US" sz="2800" b="0" i="1" dirty="0" smtClean="0">
+                            <a:solidFill>
+                              <a:srgbClr val="C00000"/>
+                            </a:solidFill>
+                            <a:latin typeface="Cambria Math" panose="02040503050406030204" pitchFamily="18" charset="0"/>
+                          </a:rPr>
+                          <m:t>𝑋</m:t>
+                        </m:r>
+                      </m:e>
+                      <m:sub>
+                        <m:r>
+                          <a:rPr lang="en-US" sz="2800" b="0" i="1" dirty="0" smtClean="0">
+                            <a:solidFill>
+                              <a:srgbClr val="C00000"/>
+                            </a:solidFill>
+                            <a:latin typeface="Cambria Math" panose="02040503050406030204" pitchFamily="18" charset="0"/>
+                          </a:rPr>
+                          <m:t>𝑛</m:t>
+                        </m:r>
+                      </m:sub>
+                    </m:sSub>
+                  </m:oMath>
+                </a14:m>
+                <a:r>
+                  <a:rPr lang="en-US" dirty="0"/>
+                  <a:t> be random variables that are independent identically distributed (</a:t>
+                </a:r>
+                <a:r>
+                  <a:rPr lang="en-US" dirty="0" err="1"/>
+                  <a:t>i.i.d.</a:t>
+                </a:r>
+                <a:r>
+                  <a:rPr lang="en-US" dirty="0"/>
+                  <a:t>) with mean </a:t>
+                </a:r>
+                <a14:m>
+                  <m:oMath xmlns:m="http://schemas.openxmlformats.org/officeDocument/2006/math">
+                    <m:r>
+                      <a:rPr lang="en-US" b="0" i="1" dirty="0" smtClean="0">
+                        <a:solidFill>
+                          <a:srgbClr val="C00000"/>
+                        </a:solidFill>
+                        <a:latin typeface="Cambria Math" panose="02040503050406030204" pitchFamily="18" charset="0"/>
+                      </a:rPr>
+                      <m:t>𝜇</m:t>
+                    </m:r>
+                  </m:oMath>
+                </a14:m>
+                <a:r>
+                  <a:rPr lang="en-US" dirty="0"/>
+                  <a:t> and variance </a:t>
+                </a:r>
+                <a14:m>
+                  <m:oMath xmlns:m="http://schemas.openxmlformats.org/officeDocument/2006/math">
+                    <m:sSup>
+                      <m:sSupPr>
+                        <m:ctrlPr>
+                          <a:rPr lang="en-US" b="0" i="1" dirty="0" smtClean="0">
+                            <a:solidFill>
+                              <a:srgbClr val="C00000"/>
+                            </a:solidFill>
+                            <a:latin typeface="Cambria Math" panose="02040503050406030204" pitchFamily="18" charset="0"/>
+                          </a:rPr>
+                        </m:ctrlPr>
+                      </m:sSupPr>
+                      <m:e>
+                        <m:r>
+                          <a:rPr lang="en-US" b="0" i="1" dirty="0" smtClean="0">
+                            <a:solidFill>
+                              <a:srgbClr val="C00000"/>
+                            </a:solidFill>
+                            <a:latin typeface="Cambria Math" panose="02040503050406030204" pitchFamily="18" charset="0"/>
+                          </a:rPr>
+                          <m:t>𝜎</m:t>
+                        </m:r>
+                      </m:e>
+                      <m:sup>
+                        <m:r>
+                          <a:rPr lang="en-US" b="0" i="1" dirty="0" smtClean="0">
+                            <a:solidFill>
+                              <a:srgbClr val="C00000"/>
+                            </a:solidFill>
+                            <a:latin typeface="Cambria Math" panose="02040503050406030204" pitchFamily="18" charset="0"/>
+                          </a:rPr>
+                          <m:t>2</m:t>
+                        </m:r>
+                      </m:sup>
+                    </m:sSup>
+                  </m:oMath>
+                </a14:m>
+                <a:endParaRPr lang="en-US" dirty="0"/>
+              </a:p>
+              <a:p>
+                <a:endParaRPr lang="en-US" dirty="0"/>
+              </a:p>
+              <a:p>
+                <a:r>
+                  <a:rPr lang="en-US" dirty="0"/>
+                  <a:t>Consider the sample average </a:t>
+                </a:r>
+                <a14:m>
+                  <m:oMath xmlns:m="http://schemas.openxmlformats.org/officeDocument/2006/math">
+                    <m:r>
+                      <a:rPr lang="en-US" sz="2800" b="0" i="1" dirty="0" smtClean="0">
+                        <a:solidFill>
+                          <a:srgbClr val="C00000"/>
+                        </a:solidFill>
+                        <a:latin typeface="Cambria Math" panose="02040503050406030204" pitchFamily="18" charset="0"/>
+                      </a:rPr>
+                      <m:t>𝑋</m:t>
+                    </m:r>
+                    <m:r>
+                      <a:rPr lang="en-US" sz="2800" b="0" i="1" dirty="0" smtClean="0">
+                        <a:solidFill>
+                          <a:srgbClr val="C00000"/>
+                        </a:solidFill>
+                        <a:latin typeface="Cambria Math" panose="02040503050406030204" pitchFamily="18" charset="0"/>
+                      </a:rPr>
+                      <m:t>=</m:t>
+                    </m:r>
+                    <m:f>
+                      <m:fPr>
+                        <m:ctrlPr>
+                          <a:rPr lang="en-US" sz="2800" b="0" i="1" dirty="0" smtClean="0">
+                            <a:solidFill>
+                              <a:srgbClr val="C00000"/>
+                            </a:solidFill>
+                            <a:latin typeface="Cambria Math" panose="02040503050406030204" pitchFamily="18" charset="0"/>
+                          </a:rPr>
+                        </m:ctrlPr>
+                      </m:fPr>
+                      <m:num>
+                        <m:r>
+                          <a:rPr lang="en-US" sz="2800" b="0" i="1" dirty="0" smtClean="0">
+                            <a:solidFill>
+                              <a:srgbClr val="C00000"/>
+                            </a:solidFill>
+                            <a:latin typeface="Cambria Math" panose="02040503050406030204" pitchFamily="18" charset="0"/>
+                          </a:rPr>
+                          <m:t>1</m:t>
+                        </m:r>
+                      </m:num>
+                      <m:den>
+                        <m:r>
+                          <a:rPr lang="en-US" sz="2800" b="0" i="1" dirty="0" smtClean="0">
+                            <a:solidFill>
+                              <a:srgbClr val="C00000"/>
+                            </a:solidFill>
+                            <a:latin typeface="Cambria Math" panose="02040503050406030204" pitchFamily="18" charset="0"/>
+                          </a:rPr>
+                          <m:t>𝑛</m:t>
+                        </m:r>
+                      </m:den>
+                    </m:f>
+                    <m:nary>
+                      <m:naryPr>
+                        <m:chr m:val="∑"/>
+                        <m:supHide m:val="on"/>
+                        <m:ctrlPr>
+                          <a:rPr lang="en-US" sz="2800" b="0" i="1" dirty="0" smtClean="0">
+                            <a:solidFill>
+                              <a:srgbClr val="C00000"/>
+                            </a:solidFill>
+                            <a:latin typeface="Cambria Math" panose="02040503050406030204" pitchFamily="18" charset="0"/>
+                          </a:rPr>
+                        </m:ctrlPr>
+                      </m:naryPr>
+                      <m:sub>
+                        <m:r>
+                          <a:rPr lang="en-US" sz="2800" b="0" i="1" dirty="0" smtClean="0">
+                            <a:solidFill>
+                              <a:srgbClr val="C00000"/>
+                            </a:solidFill>
+                            <a:latin typeface="Cambria Math" panose="02040503050406030204" pitchFamily="18" charset="0"/>
+                          </a:rPr>
+                          <m:t>𝑖</m:t>
+                        </m:r>
+                      </m:sub>
+                      <m:sup/>
+                      <m:e>
+                        <m:sSub>
+                          <m:sSubPr>
+                            <m:ctrlPr>
+                              <a:rPr lang="en-US" sz="2800" b="0" i="1" dirty="0" smtClean="0">
+                                <a:solidFill>
+                                  <a:srgbClr val="C00000"/>
+                                </a:solidFill>
+                                <a:latin typeface="Cambria Math" panose="02040503050406030204" pitchFamily="18" charset="0"/>
+                              </a:rPr>
+                            </m:ctrlPr>
+                          </m:sSubPr>
+                          <m:e>
+                            <m:r>
+                              <a:rPr lang="en-US" sz="2800" b="0" i="1" dirty="0" smtClean="0">
+                                <a:solidFill>
+                                  <a:srgbClr val="C00000"/>
+                                </a:solidFill>
+                                <a:latin typeface="Cambria Math" panose="02040503050406030204" pitchFamily="18" charset="0"/>
+                              </a:rPr>
+                              <m:t>𝑋</m:t>
+                            </m:r>
+                          </m:e>
+                          <m:sub>
+                            <m:r>
+                              <a:rPr lang="en-US" sz="2800" b="0" i="1" dirty="0" smtClean="0">
+                                <a:solidFill>
+                                  <a:srgbClr val="C00000"/>
+                                </a:solidFill>
+                                <a:latin typeface="Cambria Math" panose="02040503050406030204" pitchFamily="18" charset="0"/>
+                              </a:rPr>
+                              <m:t>𝑖</m:t>
+                            </m:r>
+                          </m:sub>
+                        </m:sSub>
+                      </m:e>
+                    </m:nary>
+                  </m:oMath>
+                </a14:m>
+                <a:r>
+                  <a:rPr lang="en-US" dirty="0"/>
+                  <a:t>. How does it compare to </a:t>
+                </a:r>
+                <a14:m>
+                  <m:oMath xmlns:m="http://schemas.openxmlformats.org/officeDocument/2006/math">
+                    <m:r>
+                      <a:rPr lang="en-US" i="1" dirty="0">
+                        <a:solidFill>
+                          <a:srgbClr val="C00000"/>
+                        </a:solidFill>
+                        <a:latin typeface="Cambria Math" panose="02040503050406030204" pitchFamily="18" charset="0"/>
+                      </a:rPr>
+                      <m:t>𝜇</m:t>
+                    </m:r>
+                  </m:oMath>
+                </a14:m>
+                <a:r>
+                  <a:rPr lang="en-US" dirty="0"/>
+                  <a:t>?</a:t>
+                </a:r>
+              </a:p>
+              <a:p>
+                <a:endParaRPr lang="en-US" dirty="0"/>
+              </a:p>
+              <a:p>
+                <a:pPr>
+                  <a:buClr>
+                    <a:schemeClr val="tx1"/>
+                  </a:buClr>
+                </a:pPr>
+                <a14:m>
+                  <m:oMath xmlns:m="http://schemas.openxmlformats.org/officeDocument/2006/math">
+                    <m:r>
+                      <m:rPr>
+                        <m:sty m:val="p"/>
+                      </m:rPr>
+                      <a:rPr lang="en-US" dirty="0" smtClean="0">
+                        <a:solidFill>
+                          <a:srgbClr val="C00000"/>
+                        </a:solidFill>
+                        <a:latin typeface="Cambria Math" panose="02040503050406030204" pitchFamily="18" charset="0"/>
+                      </a:rPr>
+                      <m:t>V</m:t>
+                    </m:r>
+                    <m:r>
+                      <m:rPr>
+                        <m:sty m:val="p"/>
+                      </m:rPr>
+                      <a:rPr lang="en-US" b="0" i="0" dirty="0" smtClean="0">
+                        <a:solidFill>
+                          <a:srgbClr val="C00000"/>
+                        </a:solidFill>
+                        <a:latin typeface="Cambria Math" panose="02040503050406030204" pitchFamily="18" charset="0"/>
+                      </a:rPr>
+                      <m:t>ar</m:t>
+                    </m:r>
+                    <m:d>
+                      <m:dPr>
+                        <m:begChr m:val="["/>
+                        <m:endChr m:val="]"/>
+                        <m:ctrlPr>
+                          <a:rPr lang="en-US" i="1" dirty="0">
+                            <a:solidFill>
+                              <a:srgbClr val="C00000"/>
+                            </a:solidFill>
+                            <a:latin typeface="Cambria Math" panose="02040503050406030204" pitchFamily="18" charset="0"/>
+                          </a:rPr>
+                        </m:ctrlPr>
+                      </m:dPr>
+                      <m:e>
+                        <m:r>
+                          <a:rPr lang="en-US" i="1" dirty="0">
+                            <a:solidFill>
+                              <a:srgbClr val="C00000"/>
+                            </a:solidFill>
+                            <a:latin typeface="Cambria Math" panose="02040503050406030204" pitchFamily="18" charset="0"/>
+                          </a:rPr>
+                          <m:t>𝑋</m:t>
+                        </m:r>
+                      </m:e>
+                    </m:d>
+                    <m:r>
+                      <a:rPr lang="en-US" i="1" dirty="0" smtClean="0">
+                        <a:solidFill>
+                          <a:schemeClr val="tx1"/>
+                        </a:solidFill>
+                        <a:latin typeface="Cambria Math" panose="02040503050406030204" pitchFamily="18" charset="0"/>
+                      </a:rPr>
+                      <m:t>=</m:t>
+                    </m:r>
+                    <m:f>
+                      <m:fPr>
+                        <m:ctrlPr>
+                          <a:rPr lang="en-US" b="0" i="1" dirty="0" smtClean="0">
+                            <a:solidFill>
+                              <a:srgbClr val="C00000"/>
+                            </a:solidFill>
+                            <a:latin typeface="Cambria Math" panose="02040503050406030204" pitchFamily="18" charset="0"/>
+                          </a:rPr>
+                        </m:ctrlPr>
+                      </m:fPr>
+                      <m:num>
+                        <m:r>
+                          <a:rPr lang="en-US" b="0" i="0" dirty="0" smtClean="0">
+                            <a:solidFill>
+                              <a:srgbClr val="C00000"/>
+                            </a:solidFill>
+                            <a:latin typeface="Cambria Math" panose="02040503050406030204" pitchFamily="18" charset="0"/>
+                          </a:rPr>
+                          <m:t>1</m:t>
+                        </m:r>
+                      </m:num>
+                      <m:den>
+                        <m:sSup>
+                          <m:sSupPr>
+                            <m:ctrlPr>
+                              <a:rPr lang="en-US" b="0" i="1" dirty="0" smtClean="0">
+                                <a:solidFill>
+                                  <a:srgbClr val="C00000"/>
+                                </a:solidFill>
+                                <a:latin typeface="Cambria Math" panose="02040503050406030204" pitchFamily="18" charset="0"/>
+                              </a:rPr>
+                            </m:ctrlPr>
+                          </m:sSupPr>
+                          <m:e>
+                            <m:r>
+                              <a:rPr lang="en-US" b="0" i="1" dirty="0" smtClean="0">
+                                <a:solidFill>
+                                  <a:srgbClr val="C00000"/>
+                                </a:solidFill>
+                                <a:latin typeface="Cambria Math" panose="02040503050406030204" pitchFamily="18" charset="0"/>
+                              </a:rPr>
+                              <m:t>𝑛</m:t>
+                            </m:r>
+                          </m:e>
+                          <m:sup>
+                            <m:r>
+                              <a:rPr lang="en-US" b="0" i="1" dirty="0" smtClean="0">
+                                <a:solidFill>
+                                  <a:srgbClr val="C00000"/>
+                                </a:solidFill>
+                                <a:latin typeface="Cambria Math" panose="02040503050406030204" pitchFamily="18" charset="0"/>
+                              </a:rPr>
+                              <m:t>2</m:t>
+                            </m:r>
+                          </m:sup>
+                        </m:sSup>
+                      </m:den>
+                    </m:f>
+                    <m:nary>
+                      <m:naryPr>
+                        <m:chr m:val="∑"/>
+                        <m:supHide m:val="on"/>
+                        <m:ctrlPr>
+                          <a:rPr lang="en-US" b="0" i="1" dirty="0" smtClean="0">
+                            <a:solidFill>
+                              <a:srgbClr val="C00000"/>
+                            </a:solidFill>
+                            <a:latin typeface="Cambria Math" panose="02040503050406030204" pitchFamily="18" charset="0"/>
+                          </a:rPr>
+                        </m:ctrlPr>
+                      </m:naryPr>
+                      <m:sub>
+                        <m:r>
+                          <a:rPr lang="en-US" b="0" i="1" dirty="0" smtClean="0">
+                            <a:solidFill>
+                              <a:srgbClr val="C00000"/>
+                            </a:solidFill>
+                            <a:latin typeface="Cambria Math" panose="02040503050406030204" pitchFamily="18" charset="0"/>
+                          </a:rPr>
+                          <m:t>𝑖</m:t>
+                        </m:r>
+                      </m:sub>
+                      <m:sup/>
+                      <m:e>
+                        <m:r>
+                          <m:rPr>
+                            <m:sty m:val="p"/>
+                          </m:rPr>
+                          <a:rPr lang="en-US" b="0" i="0" dirty="0" smtClean="0">
+                            <a:solidFill>
+                              <a:srgbClr val="C00000"/>
+                            </a:solidFill>
+                            <a:latin typeface="Cambria Math" panose="02040503050406030204" pitchFamily="18" charset="0"/>
+                          </a:rPr>
+                          <m:t>Var</m:t>
+                        </m:r>
+                        <m:d>
+                          <m:dPr>
+                            <m:begChr m:val="["/>
+                            <m:endChr m:val="]"/>
+                            <m:ctrlPr>
+                              <a:rPr lang="en-US" b="0" i="1" dirty="0" smtClean="0">
+                                <a:solidFill>
+                                  <a:srgbClr val="C00000"/>
+                                </a:solidFill>
+                                <a:latin typeface="Cambria Math" panose="02040503050406030204" pitchFamily="18" charset="0"/>
+                              </a:rPr>
+                            </m:ctrlPr>
+                          </m:dPr>
+                          <m:e>
+                            <m:sSub>
+                              <m:sSubPr>
+                                <m:ctrlPr>
+                                  <a:rPr lang="en-US" b="0" i="1" dirty="0" smtClean="0">
+                                    <a:solidFill>
+                                      <a:srgbClr val="C00000"/>
+                                    </a:solidFill>
+                                    <a:latin typeface="Cambria Math" panose="02040503050406030204" pitchFamily="18" charset="0"/>
+                                  </a:rPr>
+                                </m:ctrlPr>
+                              </m:sSubPr>
+                              <m:e>
+                                <m:r>
+                                  <a:rPr lang="en-US" b="0" i="1" dirty="0" smtClean="0">
+                                    <a:solidFill>
+                                      <a:srgbClr val="C00000"/>
+                                    </a:solidFill>
+                                    <a:latin typeface="Cambria Math" panose="02040503050406030204" pitchFamily="18" charset="0"/>
+                                  </a:rPr>
+                                  <m:t>𝑋</m:t>
+                                </m:r>
+                              </m:e>
+                              <m:sub>
+                                <m:r>
+                                  <a:rPr lang="en-US" b="0" i="1" dirty="0" smtClean="0">
+                                    <a:solidFill>
+                                      <a:srgbClr val="C00000"/>
+                                    </a:solidFill>
+                                    <a:latin typeface="Cambria Math" panose="02040503050406030204" pitchFamily="18" charset="0"/>
+                                  </a:rPr>
+                                  <m:t>𝑖</m:t>
+                                </m:r>
+                              </m:sub>
+                            </m:sSub>
+                          </m:e>
+                        </m:d>
+                      </m:e>
+                    </m:nary>
+                    <m:r>
+                      <a:rPr lang="en-US" b="0" i="1" dirty="0" smtClean="0">
+                        <a:solidFill>
+                          <a:schemeClr val="tx1"/>
+                        </a:solidFill>
+                        <a:latin typeface="Cambria Math" panose="02040503050406030204" pitchFamily="18" charset="0"/>
+                      </a:rPr>
+                      <m:t>=</m:t>
+                    </m:r>
+                    <m:f>
+                      <m:fPr>
+                        <m:ctrlPr>
+                          <a:rPr lang="en-US" b="0" i="1" dirty="0" smtClean="0">
+                            <a:solidFill>
+                              <a:srgbClr val="C00000"/>
+                            </a:solidFill>
+                            <a:latin typeface="Cambria Math" panose="02040503050406030204" pitchFamily="18" charset="0"/>
+                          </a:rPr>
+                        </m:ctrlPr>
+                      </m:fPr>
+                      <m:num>
+                        <m:sSup>
+                          <m:sSupPr>
+                            <m:ctrlPr>
+                              <a:rPr lang="en-US" b="0" i="1" dirty="0" smtClean="0">
+                                <a:solidFill>
+                                  <a:srgbClr val="C00000"/>
+                                </a:solidFill>
+                                <a:latin typeface="Cambria Math" panose="02040503050406030204" pitchFamily="18" charset="0"/>
+                              </a:rPr>
+                            </m:ctrlPr>
+                          </m:sSupPr>
+                          <m:e>
+                            <m:r>
+                              <a:rPr lang="en-US" b="0" i="1" dirty="0" smtClean="0">
+                                <a:solidFill>
+                                  <a:srgbClr val="C00000"/>
+                                </a:solidFill>
+                                <a:latin typeface="Cambria Math" panose="02040503050406030204" pitchFamily="18" charset="0"/>
+                              </a:rPr>
+                              <m:t>𝜎</m:t>
+                            </m:r>
+                          </m:e>
+                          <m:sup>
+                            <m:r>
+                              <a:rPr lang="en-US" b="0" i="1" dirty="0" smtClean="0">
+                                <a:solidFill>
+                                  <a:srgbClr val="C00000"/>
+                                </a:solidFill>
+                                <a:latin typeface="Cambria Math" panose="02040503050406030204" pitchFamily="18" charset="0"/>
+                              </a:rPr>
+                              <m:t>2</m:t>
+                            </m:r>
+                          </m:sup>
+                        </m:sSup>
+                      </m:num>
+                      <m:den>
+                        <m:r>
+                          <a:rPr lang="en-US" b="0" i="1" dirty="0" smtClean="0">
+                            <a:solidFill>
+                              <a:srgbClr val="C00000"/>
+                            </a:solidFill>
+                            <a:latin typeface="Cambria Math" panose="02040503050406030204" pitchFamily="18" charset="0"/>
+                          </a:rPr>
+                          <m:t>𝑛</m:t>
+                        </m:r>
+                      </m:den>
+                    </m:f>
+                    <m:r>
+                      <a:rPr lang="en-US" b="0" i="1" dirty="0" smtClean="0">
+                        <a:solidFill>
+                          <a:srgbClr val="C00000"/>
+                        </a:solidFill>
+                        <a:latin typeface="Cambria Math" panose="02040503050406030204" pitchFamily="18" charset="0"/>
+                      </a:rPr>
+                      <m:t> </m:t>
+                    </m:r>
+                  </m:oMath>
+                </a14:m>
+                <a:endParaRPr lang="en-US" dirty="0"/>
+              </a:p>
+              <a:p>
+                <a:pPr>
+                  <a:buClr>
+                    <a:schemeClr val="tx1"/>
+                  </a:buClr>
+                </a:pPr>
+                <a:endParaRPr lang="en-US" dirty="0"/>
+              </a:p>
+              <a:p>
+                <a:pPr>
+                  <a:buClr>
+                    <a:schemeClr val="tx1"/>
+                  </a:buClr>
+                </a:pPr>
+                <a:r>
+                  <a:rPr lang="en-US" dirty="0"/>
                   <a:t>By Chebyshev’s inequality, </a:t>
                 </a:r>
                 <a14:m>
@@ -12479,6 +12628,313 @@
                 </a14:m>
                 <a:endParaRPr lang="en-US" dirty="0"/>
               </a:p>
+            </p:txBody>
+          </p:sp>
+        </mc:Choice>
+        <mc:Fallback xmlns="">
+          <p:sp>
+            <p:nvSpPr>
+              <p:cNvPr id="3" name="Content Placeholder 2">
+                <a:extLst>
+                  <a:ext uri="{FF2B5EF4-FFF2-40B4-BE49-F238E27FC236}">
+                    <a16:creationId xmlns:a16="http://schemas.microsoft.com/office/drawing/2014/main" id="{6666941B-6AAA-DFD0-8896-ACB1B4FE2AC6}"/>
+                  </a:ext>
+                </a:extLst>
+              </p:cNvPr>
+              <p:cNvSpPr>
+                <a:spLocks noGrp="1" noRot="1" noChangeAspect="1" noMove="1" noResize="1" noEditPoints="1" noAdjustHandles="1" noChangeArrowheads="1" noChangeShapeType="1" noTextEdit="1"/>
+              </p:cNvSpPr>
+              <p:nvPr>
+                <p:ph idx="1"/>
+              </p:nvPr>
+            </p:nvSpPr>
+            <p:spPr>
+              <a:xfrm>
+                <a:off x="838200" y="1825625"/>
+                <a:ext cx="10515600" cy="4667250"/>
+              </a:xfrm>
+              <a:blipFill>
+                <a:blip r:embed="rId2"/>
+                <a:stretch>
+                  <a:fillRect l="-1043" t="-2089" r="-58"/>
+                </a:stretch>
+              </a:blipFill>
+            </p:spPr>
+            <p:txBody>
+              <a:bodyPr/>
+              <a:lstStyle/>
+              <a:p>
+                <a:r>
+                  <a:rPr lang="en-US">
+                    <a:noFill/>
+                  </a:rPr>
+                  <a:t> </a:t>
+                </a:r>
+              </a:p>
+            </p:txBody>
+          </p:sp>
+        </mc:Fallback>
+      </mc:AlternateContent>
+    </p:spTree>
+    <p:extLst>
+      <p:ext uri="{BB962C8B-B14F-4D97-AF65-F5344CB8AC3E}">
+        <p14:creationId xmlns:p14="http://schemas.microsoft.com/office/powerpoint/2010/main" val="2814313724"/>
+      </p:ext>
+    </p:extLst>
+  </p:cSld>
+  <p:clrMapOvr>
+    <a:masterClrMapping/>
+  </p:clrMapOvr>
+</p:sld>
+</file>
+
+<file path=ppt/slides/slide21.xml><?xml version="1.0" encoding="utf-8"?>
+<p:sld xmlns:a="http://schemas.openxmlformats.org/drawingml/2006/main" xmlns:r="http://schemas.openxmlformats.org/officeDocument/2006/relationships" xmlns:p="http://schemas.openxmlformats.org/presentationml/2006/main">
+  <p:cSld>
+    <p:spTree>
+      <p:nvGrpSpPr>
+        <p:cNvPr id="1" name=""/>
+        <p:cNvGrpSpPr/>
+        <p:nvPr/>
+      </p:nvGrpSpPr>
+      <p:grpSpPr>
+        <a:xfrm>
+          <a:off x="0" y="0"/>
+          <a:ext cx="0" cy="0"/>
+          <a:chOff x="0" y="0"/>
+          <a:chExt cx="0" cy="0"/>
+        </a:xfrm>
+      </p:grpSpPr>
+      <p:sp>
+        <p:nvSpPr>
+          <p:cNvPr id="2" name="Title 1">
+            <a:extLst>
+              <a:ext uri="{FF2B5EF4-FFF2-40B4-BE49-F238E27FC236}">
+                <a16:creationId xmlns:a16="http://schemas.microsoft.com/office/drawing/2014/main" id="{A49DDC00-2744-B7F9-8394-609BE1AEC413}"/>
+              </a:ext>
+            </a:extLst>
+          </p:cNvPr>
+          <p:cNvSpPr>
+            <a:spLocks noGrp="1"/>
+          </p:cNvSpPr>
+          <p:nvPr>
+            <p:ph type="title"/>
+          </p:nvPr>
+        </p:nvSpPr>
+        <p:spPr/>
+        <p:txBody>
+          <a:bodyPr/>
+          <a:lstStyle/>
+          <a:p>
+            <a:r>
+              <a:rPr lang="en-US" dirty="0">
+                <a:solidFill>
+                  <a:srgbClr val="C00000"/>
+                </a:solidFill>
+              </a:rPr>
+              <a:t>Law of Large Numbers</a:t>
+            </a:r>
+            <a:endParaRPr lang="en-US" dirty="0"/>
+          </a:p>
+        </p:txBody>
+      </p:sp>
+      <mc:AlternateContent xmlns:mc="http://schemas.openxmlformats.org/markup-compatibility/2006" xmlns:a14="http://schemas.microsoft.com/office/drawing/2010/main">
+        <mc:Choice Requires="a14">
+          <p:sp>
+            <p:nvSpPr>
+              <p:cNvPr id="3" name="Content Placeholder 2">
+                <a:extLst>
+                  <a:ext uri="{FF2B5EF4-FFF2-40B4-BE49-F238E27FC236}">
+                    <a16:creationId xmlns:a16="http://schemas.microsoft.com/office/drawing/2014/main" id="{6666941B-6AAA-DFD0-8896-ACB1B4FE2AC6}"/>
+                  </a:ext>
+                </a:extLst>
+              </p:cNvPr>
+              <p:cNvSpPr>
+                <a:spLocks noGrp="1"/>
+              </p:cNvSpPr>
+              <p:nvPr>
+                <p:ph idx="1"/>
+              </p:nvPr>
+            </p:nvSpPr>
+            <p:spPr>
+              <a:xfrm>
+                <a:off x="838200" y="1825625"/>
+                <a:ext cx="10515600" cy="4667250"/>
+              </a:xfrm>
+            </p:spPr>
+            <p:txBody>
+              <a:bodyPr>
+                <a:normAutofit/>
+              </a:bodyPr>
+              <a:lstStyle/>
+              <a:p>
+                <a:r>
+                  <a:rPr lang="en-US" dirty="0"/>
+                  <a:t>By Chebyshev’s inequality, </a:t>
+                </a:r>
+                <a14:m>
+                  <m:oMath xmlns:m="http://schemas.openxmlformats.org/officeDocument/2006/math">
+                    <m:r>
+                      <m:rPr>
+                        <m:sty m:val="p"/>
+                      </m:rPr>
+                      <a:rPr lang="en-US" sz="2800" b="0" i="0" dirty="0" smtClean="0">
+                        <a:solidFill>
+                          <a:srgbClr val="C00000"/>
+                        </a:solidFill>
+                        <a:latin typeface="Cambria Math" panose="02040503050406030204" pitchFamily="18" charset="0"/>
+                      </a:rPr>
+                      <m:t>Pr</m:t>
+                    </m:r>
+                    <m:d>
+                      <m:dPr>
+                        <m:begChr m:val="["/>
+                        <m:endChr m:val="]"/>
+                        <m:ctrlPr>
+                          <a:rPr lang="en-US" sz="2800" b="0" i="1" dirty="0" smtClean="0">
+                            <a:solidFill>
+                              <a:srgbClr val="C00000"/>
+                            </a:solidFill>
+                            <a:latin typeface="Cambria Math" panose="02040503050406030204" pitchFamily="18" charset="0"/>
+                          </a:rPr>
+                        </m:ctrlPr>
+                      </m:dPr>
+                      <m:e>
+                        <m:d>
+                          <m:dPr>
+                            <m:begChr m:val="|"/>
+                            <m:endChr m:val="|"/>
+                            <m:ctrlPr>
+                              <a:rPr lang="en-US" sz="2800" b="0" i="1" dirty="0" smtClean="0">
+                                <a:solidFill>
+                                  <a:srgbClr val="C00000"/>
+                                </a:solidFill>
+                                <a:latin typeface="Cambria Math" panose="02040503050406030204" pitchFamily="18" charset="0"/>
+                              </a:rPr>
+                            </m:ctrlPr>
+                          </m:dPr>
+                          <m:e>
+                            <m:r>
+                              <a:rPr lang="en-US" sz="2800" b="0" i="1" dirty="0" smtClean="0">
+                                <a:solidFill>
+                                  <a:srgbClr val="C00000"/>
+                                </a:solidFill>
+                                <a:latin typeface="Cambria Math" panose="02040503050406030204" pitchFamily="18" charset="0"/>
+                              </a:rPr>
+                              <m:t>𝑆</m:t>
+                            </m:r>
+                            <m:r>
+                              <a:rPr lang="en-US" sz="2800" b="0" i="1" dirty="0" smtClean="0">
+                                <a:solidFill>
+                                  <a:srgbClr val="C00000"/>
+                                </a:solidFill>
+                                <a:latin typeface="Cambria Math" panose="02040503050406030204" pitchFamily="18" charset="0"/>
+                              </a:rPr>
+                              <m:t>−</m:t>
+                            </m:r>
+                            <m:r>
+                              <a:rPr lang="en-US" sz="2800" b="0" i="1" dirty="0" smtClean="0">
+                                <a:solidFill>
+                                  <a:srgbClr val="C00000"/>
+                                </a:solidFill>
+                                <a:latin typeface="Cambria Math" panose="02040503050406030204" pitchFamily="18" charset="0"/>
+                              </a:rPr>
+                              <m:t>𝜇</m:t>
+                            </m:r>
+                          </m:e>
+                        </m:d>
+                        <m:r>
+                          <a:rPr lang="en-US" sz="2800" b="0" i="1" dirty="0" smtClean="0">
+                            <a:solidFill>
+                              <a:srgbClr val="C00000"/>
+                            </a:solidFill>
+                            <a:latin typeface="Cambria Math" panose="02040503050406030204" pitchFamily="18" charset="0"/>
+                          </a:rPr>
+                          <m:t>≥</m:t>
+                        </m:r>
+                        <m:r>
+                          <a:rPr lang="en-US" sz="2800" b="0" i="1" dirty="0" smtClean="0">
+                            <a:solidFill>
+                              <a:srgbClr val="C00000"/>
+                            </a:solidFill>
+                            <a:latin typeface="Cambria Math" panose="02040503050406030204" pitchFamily="18" charset="0"/>
+                          </a:rPr>
+                          <m:t>𝑡</m:t>
+                        </m:r>
+                      </m:e>
+                    </m:d>
+                    <m:r>
+                      <a:rPr lang="en-US" sz="2800" b="0" i="1" dirty="0" smtClean="0">
+                        <a:solidFill>
+                          <a:schemeClr val="tx1"/>
+                        </a:solidFill>
+                        <a:latin typeface="Cambria Math" panose="02040503050406030204" pitchFamily="18" charset="0"/>
+                      </a:rPr>
+                      <m:t>≤</m:t>
+                    </m:r>
+                    <m:f>
+                      <m:fPr>
+                        <m:ctrlPr>
+                          <a:rPr lang="en-US" sz="2800" b="0" i="1" dirty="0" smtClean="0">
+                            <a:solidFill>
+                              <a:srgbClr val="C00000"/>
+                            </a:solidFill>
+                            <a:latin typeface="Cambria Math" panose="02040503050406030204" pitchFamily="18" charset="0"/>
+                          </a:rPr>
+                        </m:ctrlPr>
+                      </m:fPr>
+                      <m:num>
+                        <m:sSup>
+                          <m:sSupPr>
+                            <m:ctrlPr>
+                              <a:rPr lang="en-US" sz="2800" b="0" i="1" dirty="0" smtClean="0">
+                                <a:solidFill>
+                                  <a:srgbClr val="C00000"/>
+                                </a:solidFill>
+                                <a:latin typeface="Cambria Math" panose="02040503050406030204" pitchFamily="18" charset="0"/>
+                              </a:rPr>
+                            </m:ctrlPr>
+                          </m:sSupPr>
+                          <m:e>
+                            <m:r>
+                              <a:rPr lang="en-US" sz="2800" b="0" i="1" dirty="0" smtClean="0">
+                                <a:solidFill>
+                                  <a:srgbClr val="C00000"/>
+                                </a:solidFill>
+                                <a:latin typeface="Cambria Math" panose="02040503050406030204" pitchFamily="18" charset="0"/>
+                              </a:rPr>
+                              <m:t>𝜎</m:t>
+                            </m:r>
+                          </m:e>
+                          <m:sup>
+                            <m:r>
+                              <a:rPr lang="en-US" sz="2800" b="0" i="1" dirty="0" smtClean="0">
+                                <a:solidFill>
+                                  <a:srgbClr val="C00000"/>
+                                </a:solidFill>
+                                <a:latin typeface="Cambria Math" panose="02040503050406030204" pitchFamily="18" charset="0"/>
+                              </a:rPr>
+                              <m:t>2</m:t>
+                            </m:r>
+                          </m:sup>
+                        </m:sSup>
+                      </m:num>
+                      <m:den>
+                        <m:r>
+                          <a:rPr lang="en-US" sz="2800" b="0" i="1" dirty="0" smtClean="0">
+                            <a:solidFill>
+                              <a:srgbClr val="C00000"/>
+                            </a:solidFill>
+                            <a:latin typeface="Cambria Math" panose="02040503050406030204" pitchFamily="18" charset="0"/>
+                          </a:rPr>
+                          <m:t>𝑛𝑡</m:t>
+                        </m:r>
+                      </m:den>
+                    </m:f>
+                  </m:oMath>
+                </a14:m>
+                <a:endParaRPr lang="en-US" dirty="0"/>
+              </a:p>
               <a:p>
                 <a:endParaRPr lang="en-US" dirty="0"/>
               </a:p>
@@ -12564,7 +13020,7 @@
 </p:sld>
 </file>
 
-<file path=ppt/slides/slide21.xml><?xml version="1.0" encoding="utf-8"?>
+<file path=ppt/slides/slide22.xml><?xml version="1.0" encoding="utf-8"?>
 <p:sld xmlns:a="http://schemas.openxmlformats.org/drawingml/2006/main" xmlns:r="http://schemas.openxmlformats.org/officeDocument/2006/relationships" xmlns:p="http://schemas.openxmlformats.org/presentationml/2006/main">
   <p:cSld>
     <p:spTree>
@@ -13317,7 +13773,7 @@
 </p:sld>
 </file>
 
-<file path=ppt/slides/slide22.xml><?xml version="1.0" encoding="utf-8"?>
+<file path=ppt/slides/slide23.xml><?xml version="1.0" encoding="utf-8"?>
 <p:sld xmlns:a="http://schemas.openxmlformats.org/drawingml/2006/main" xmlns:r="http://schemas.openxmlformats.org/officeDocument/2006/relationships" xmlns:p="http://schemas.openxmlformats.org/presentationml/2006/main">
   <p:cSld>
     <p:spTree>
@@ -13502,7 +13958,7 @@
 </p:sld>
 </file>
 
-<file path=ppt/slides/slide23.xml><?xml version="1.0" encoding="utf-8"?>
+<file path=ppt/slides/slide24.xml><?xml version="1.0" encoding="utf-8"?>
 <p:sld xmlns:a="http://schemas.openxmlformats.org/drawingml/2006/main" xmlns:r="http://schemas.openxmlformats.org/officeDocument/2006/relationships" xmlns:p="http://schemas.openxmlformats.org/presentationml/2006/main">
   <p:cSld>
     <p:spTree>
@@ -14453,7 +14909,7 @@
 </p:sld>
 </file>
 
-<file path=ppt/slides/slide24.xml><?xml version="1.0" encoding="utf-8"?>
+<file path=ppt/slides/slide25.xml><?xml version="1.0" encoding="utf-8"?>
 <p:sld xmlns:a="http://schemas.openxmlformats.org/drawingml/2006/main" xmlns:r="http://schemas.openxmlformats.org/officeDocument/2006/relationships" xmlns:p="http://schemas.openxmlformats.org/presentationml/2006/main">
   <p:cSld>
     <p:spTree>
@@ -14583,7 +15039,7 @@
 </p:sld>
 </file>
 
-<file path=ppt/slides/slide25.xml><?xml version="1.0" encoding="utf-8"?>
+<file path=ppt/slides/slide26.xml><?xml version="1.0" encoding="utf-8"?>
 <p:sld xmlns:a="http://schemas.openxmlformats.org/drawingml/2006/main" xmlns:r="http://schemas.openxmlformats.org/officeDocument/2006/relationships" xmlns:p="http://schemas.openxmlformats.org/presentationml/2006/main">
   <p:cSld>
     <p:spTree>
@@ -15125,7 +15581,7 @@
 </p:sld>
 </file>
 
-<file path=ppt/slides/slide26.xml><?xml version="1.0" encoding="utf-8"?>
+<file path=ppt/slides/slide27.xml><?xml version="1.0" encoding="utf-8"?>
 <p:sld xmlns:a="http://schemas.openxmlformats.org/drawingml/2006/main" xmlns:r="http://schemas.openxmlformats.org/officeDocument/2006/relationships" xmlns:p="http://schemas.openxmlformats.org/presentationml/2006/main">
   <p:cSld>
     <p:spTree>
@@ -16142,7 +16598,7 @@
 </p:sld>
 </file>
 
-<file path=ppt/slides/slide27.xml><?xml version="1.0" encoding="utf-8"?>
+<file path=ppt/slides/slide28.xml><?xml version="1.0" encoding="utf-8"?>
 <p:sld xmlns:a="http://schemas.openxmlformats.org/drawingml/2006/main" xmlns:r="http://schemas.openxmlformats.org/officeDocument/2006/relationships" xmlns:p="http://schemas.openxmlformats.org/presentationml/2006/main">
   <p:cSld>
     <p:spTree>
@@ -16703,7 +17159,7 @@
 </p:sld>
 </file>
 
-<file path=ppt/slides/slide28.xml><?xml version="1.0" encoding="utf-8"?>
+<file path=ppt/slides/slide29.xml><?xml version="1.0" encoding="utf-8"?>
 <p:sld xmlns:a="http://schemas.openxmlformats.org/drawingml/2006/main" xmlns:r="http://schemas.openxmlformats.org/officeDocument/2006/relationships" xmlns:p="http://schemas.openxmlformats.org/presentationml/2006/main">
   <p:cSld>
     <p:spTree>
@@ -16934,7 +17390,612 @@
 </p:sld>
 </file>
 
-<file path=ppt/slides/slide29.xml><?xml version="1.0" encoding="utf-8"?>
+<file path=ppt/slides/slide3.xml><?xml version="1.0" encoding="utf-8"?>
+<p:sld xmlns:a="http://schemas.openxmlformats.org/drawingml/2006/main" xmlns:r="http://schemas.openxmlformats.org/officeDocument/2006/relationships" xmlns:p="http://schemas.openxmlformats.org/presentationml/2006/main">
+  <p:cSld>
+    <p:spTree>
+      <p:nvGrpSpPr>
+        <p:cNvPr id="1" name=""/>
+        <p:cNvGrpSpPr/>
+        <p:nvPr/>
+      </p:nvGrpSpPr>
+      <p:grpSpPr>
+        <a:xfrm>
+          <a:off x="0" y="0"/>
+          <a:ext cx="0" cy="0"/>
+          <a:chOff x="0" y="0"/>
+          <a:chExt cx="0" cy="0"/>
+        </a:xfrm>
+      </p:grpSpPr>
+      <p:sp>
+        <p:nvSpPr>
+          <p:cNvPr id="2" name="Title 1">
+            <a:extLst>
+              <a:ext uri="{FF2B5EF4-FFF2-40B4-BE49-F238E27FC236}">
+                <a16:creationId xmlns:a16="http://schemas.microsoft.com/office/drawing/2014/main" id="{A49DDC00-2744-B7F9-8394-609BE1AEC413}"/>
+              </a:ext>
+            </a:extLst>
+          </p:cNvPr>
+          <p:cNvSpPr>
+            <a:spLocks noGrp="1"/>
+          </p:cNvSpPr>
+          <p:nvPr>
+            <p:ph type="title"/>
+          </p:nvPr>
+        </p:nvSpPr>
+        <p:spPr/>
+        <p:txBody>
+          <a:bodyPr/>
+          <a:lstStyle/>
+          <a:p>
+            <a:r>
+              <a:rPr lang="en-US" dirty="0">
+                <a:solidFill>
+                  <a:srgbClr val="C00000"/>
+                </a:solidFill>
+              </a:rPr>
+              <a:t>Last Time: Markov’s Inequality</a:t>
+            </a:r>
+            <a:endParaRPr lang="en-US" dirty="0"/>
+          </a:p>
+        </p:txBody>
+      </p:sp>
+      <mc:AlternateContent xmlns:mc="http://schemas.openxmlformats.org/markup-compatibility/2006" xmlns:a14="http://schemas.microsoft.com/office/drawing/2010/main">
+        <mc:Choice Requires="a14">
+          <p:sp>
+            <p:nvSpPr>
+              <p:cNvPr id="3" name="Content Placeholder 2">
+                <a:extLst>
+                  <a:ext uri="{FF2B5EF4-FFF2-40B4-BE49-F238E27FC236}">
+                    <a16:creationId xmlns:a16="http://schemas.microsoft.com/office/drawing/2014/main" id="{6666941B-6AAA-DFD0-8896-ACB1B4FE2AC6}"/>
+                  </a:ext>
+                </a:extLst>
+              </p:cNvPr>
+              <p:cNvSpPr>
+                <a:spLocks noGrp="1"/>
+              </p:cNvSpPr>
+              <p:nvPr>
+                <p:ph idx="1"/>
+              </p:nvPr>
+            </p:nvSpPr>
+            <p:spPr>
+              <a:xfrm>
+                <a:off x="838200" y="1825625"/>
+                <a:ext cx="10515600" cy="4667250"/>
+              </a:xfrm>
+            </p:spPr>
+            <p:txBody>
+              <a:bodyPr>
+                <a:normAutofit/>
+              </a:bodyPr>
+              <a:lstStyle/>
+              <a:p>
+                <a:r>
+                  <a:rPr lang="en-US" sz="2800" b="0" dirty="0"/>
+                  <a:t>Let </a:t>
+                </a:r>
+                <a14:m>
+                  <m:oMath xmlns:m="http://schemas.openxmlformats.org/officeDocument/2006/math">
+                    <m:r>
+                      <a:rPr lang="en-US" i="1" dirty="0">
+                        <a:solidFill>
+                          <a:srgbClr val="C00000"/>
+                        </a:solidFill>
+                        <a:latin typeface="Cambria Math" panose="02040503050406030204" pitchFamily="18" charset="0"/>
+                      </a:rPr>
+                      <m:t>𝑋</m:t>
+                    </m:r>
+                    <m:r>
+                      <a:rPr lang="en-US" i="1" dirty="0">
+                        <a:solidFill>
+                          <a:srgbClr val="C00000"/>
+                        </a:solidFill>
+                        <a:latin typeface="Cambria Math" panose="02040503050406030204" pitchFamily="18" charset="0"/>
+                      </a:rPr>
+                      <m:t>≥0 </m:t>
+                    </m:r>
+                  </m:oMath>
+                </a14:m>
+                <a:r>
+                  <a:rPr lang="en-US" sz="2800" b="0" dirty="0"/>
+                  <a:t>be a non-negative random variable. Then for any </a:t>
+                </a:r>
+                <a14:m>
+                  <m:oMath xmlns:m="http://schemas.openxmlformats.org/officeDocument/2006/math">
+                    <m:r>
+                      <a:rPr lang="en-US" i="1" dirty="0">
+                        <a:solidFill>
+                          <a:srgbClr val="C00000"/>
+                        </a:solidFill>
+                        <a:latin typeface="Cambria Math" panose="02040503050406030204" pitchFamily="18" charset="0"/>
+                      </a:rPr>
+                      <m:t>𝑡</m:t>
+                    </m:r>
+                    <m:r>
+                      <a:rPr lang="en-US" b="0" i="1" dirty="0" smtClean="0">
+                        <a:solidFill>
+                          <a:srgbClr val="C00000"/>
+                        </a:solidFill>
+                        <a:latin typeface="Cambria Math" panose="02040503050406030204" pitchFamily="18" charset="0"/>
+                      </a:rPr>
+                      <m:t>&gt;0</m:t>
+                    </m:r>
+                  </m:oMath>
+                </a14:m>
+                <a:r>
+                  <a:rPr lang="en-US" dirty="0"/>
+                  <a:t>:</a:t>
+                </a:r>
+              </a:p>
+              <a:p>
+                <a:endParaRPr lang="en-US" dirty="0"/>
+              </a:p>
+              <a:p>
+                <a:endParaRPr lang="en-US" dirty="0"/>
+              </a:p>
+              <a:p>
+                <a:endParaRPr lang="en-US" dirty="0"/>
+              </a:p>
+              <a:p>
+                <a:endParaRPr lang="en-US" dirty="0"/>
+              </a:p>
+              <a:p>
+                <a:r>
+                  <a:rPr lang="en-US" dirty="0"/>
+                  <a:t>Can rewrite as </a:t>
+                </a:r>
+                <a14:m>
+                  <m:oMath xmlns:m="http://schemas.openxmlformats.org/officeDocument/2006/math">
+                    <m:r>
+                      <m:rPr>
+                        <m:sty m:val="p"/>
+                      </m:rPr>
+                      <a:rPr lang="en-US" sz="2800" b="0" i="0" dirty="0" smtClean="0">
+                        <a:solidFill>
+                          <a:srgbClr val="C00000"/>
+                        </a:solidFill>
+                        <a:latin typeface="Cambria Math" panose="02040503050406030204" pitchFamily="18" charset="0"/>
+                      </a:rPr>
+                      <m:t>Pr</m:t>
+                    </m:r>
+                    <m:d>
+                      <m:dPr>
+                        <m:begChr m:val="["/>
+                        <m:endChr m:val="]"/>
+                        <m:ctrlPr>
+                          <a:rPr lang="en-US" sz="2800" b="0" i="1" dirty="0" smtClean="0">
+                            <a:solidFill>
+                              <a:srgbClr val="C00000"/>
+                            </a:solidFill>
+                            <a:latin typeface="Cambria Math" panose="02040503050406030204" pitchFamily="18" charset="0"/>
+                          </a:rPr>
+                        </m:ctrlPr>
+                      </m:dPr>
+                      <m:e>
+                        <m:r>
+                          <a:rPr lang="en-US" sz="2800" i="1" dirty="0">
+                            <a:solidFill>
+                              <a:srgbClr val="C00000"/>
+                            </a:solidFill>
+                            <a:latin typeface="Cambria Math" panose="02040503050406030204" pitchFamily="18" charset="0"/>
+                          </a:rPr>
+                          <m:t>𝑋</m:t>
+                        </m:r>
+                        <m:r>
+                          <a:rPr lang="en-US" sz="2800" i="1" dirty="0">
+                            <a:solidFill>
+                              <a:srgbClr val="C00000"/>
+                            </a:solidFill>
+                            <a:latin typeface="Cambria Math" panose="02040503050406030204" pitchFamily="18" charset="0"/>
+                          </a:rPr>
+                          <m:t>≥</m:t>
+                        </m:r>
+                        <m:r>
+                          <a:rPr lang="en-US" sz="2800" i="1" dirty="0" smtClean="0">
+                            <a:solidFill>
+                              <a:srgbClr val="0070C0"/>
+                            </a:solidFill>
+                            <a:latin typeface="Cambria Math" panose="02040503050406030204" pitchFamily="18" charset="0"/>
+                          </a:rPr>
+                          <m:t>𝑡</m:t>
+                        </m:r>
+                      </m:e>
+                    </m:d>
+                    <m:r>
+                      <a:rPr lang="en-US" sz="2800" b="0" i="1" dirty="0" smtClean="0">
+                        <a:solidFill>
+                          <a:schemeClr val="tx1"/>
+                        </a:solidFill>
+                        <a:latin typeface="Cambria Math" panose="02040503050406030204" pitchFamily="18" charset="0"/>
+                      </a:rPr>
+                      <m:t>≤</m:t>
+                    </m:r>
+                    <m:f>
+                      <m:fPr>
+                        <m:ctrlPr>
+                          <a:rPr lang="en-US" sz="2800" b="0" i="1" dirty="0" smtClean="0">
+                            <a:solidFill>
+                              <a:srgbClr val="0070C0"/>
+                            </a:solidFill>
+                            <a:latin typeface="Cambria Math" panose="02040503050406030204" pitchFamily="18" charset="0"/>
+                          </a:rPr>
+                        </m:ctrlPr>
+                      </m:fPr>
+                      <m:num>
+                        <m:r>
+                          <m:rPr>
+                            <m:sty m:val="p"/>
+                          </m:rPr>
+                          <a:rPr lang="en-US" i="0" dirty="0">
+                            <a:solidFill>
+                              <a:srgbClr val="0070C0"/>
+                            </a:solidFill>
+                            <a:latin typeface="Cambria Math" panose="02040503050406030204" pitchFamily="18" charset="0"/>
+                          </a:rPr>
+                          <m:t>E</m:t>
+                        </m:r>
+                        <m:r>
+                          <a:rPr lang="en-US" i="1" dirty="0">
+                            <a:solidFill>
+                              <a:srgbClr val="0070C0"/>
+                            </a:solidFill>
+                            <a:latin typeface="Cambria Math" panose="02040503050406030204" pitchFamily="18" charset="0"/>
+                          </a:rPr>
+                          <m:t>[</m:t>
+                        </m:r>
+                        <m:r>
+                          <a:rPr lang="en-US" i="1" dirty="0">
+                            <a:solidFill>
+                              <a:srgbClr val="0070C0"/>
+                            </a:solidFill>
+                            <a:latin typeface="Cambria Math" panose="02040503050406030204" pitchFamily="18" charset="0"/>
+                          </a:rPr>
+                          <m:t>𝑋</m:t>
+                        </m:r>
+                        <m:r>
+                          <a:rPr lang="en-US" i="1" dirty="0">
+                            <a:solidFill>
+                              <a:srgbClr val="0070C0"/>
+                            </a:solidFill>
+                            <a:latin typeface="Cambria Math" panose="02040503050406030204" pitchFamily="18" charset="0"/>
+                          </a:rPr>
+                          <m:t>]</m:t>
+                        </m:r>
+                      </m:num>
+                      <m:den>
+                        <m:r>
+                          <a:rPr lang="en-US" sz="2800" b="0" i="1" dirty="0" smtClean="0">
+                            <a:solidFill>
+                              <a:srgbClr val="0070C0"/>
+                            </a:solidFill>
+                            <a:latin typeface="Cambria Math" panose="02040503050406030204" pitchFamily="18" charset="0"/>
+                          </a:rPr>
+                          <m:t>𝑡</m:t>
+                        </m:r>
+                      </m:den>
+                    </m:f>
+                  </m:oMath>
+                </a14:m>
+                <a:endParaRPr lang="en-US" sz="2800" dirty="0"/>
+              </a:p>
+              <a:p>
+                <a:endParaRPr lang="en-US" dirty="0"/>
+              </a:p>
+              <a:p>
+                <a:r>
+                  <a:rPr lang="en-US" dirty="0"/>
+                  <a:t>“Bounding the deviation of a random variable in terms of its average”</a:t>
+                </a:r>
+              </a:p>
+              <a:p>
+                <a:endParaRPr lang="en-US" dirty="0"/>
+              </a:p>
+              <a:p>
+                <a:endParaRPr lang="en-US" dirty="0"/>
+              </a:p>
+              <a:p>
+                <a:pPr marL="0" indent="0">
+                  <a:buNone/>
+                </a:pPr>
+                <a:endParaRPr lang="en-US" dirty="0"/>
+              </a:p>
+            </p:txBody>
+          </p:sp>
+        </mc:Choice>
+        <mc:Fallback xmlns="">
+          <p:sp>
+            <p:nvSpPr>
+              <p:cNvPr id="3" name="Content Placeholder 2">
+                <a:extLst>
+                  <a:ext uri="{FF2B5EF4-FFF2-40B4-BE49-F238E27FC236}">
+                    <a16:creationId xmlns:a16="http://schemas.microsoft.com/office/drawing/2014/main" id="{6666941B-6AAA-DFD0-8896-ACB1B4FE2AC6}"/>
+                  </a:ext>
+                </a:extLst>
+              </p:cNvPr>
+              <p:cNvSpPr>
+                <a:spLocks noGrp="1" noRot="1" noChangeAspect="1" noMove="1" noResize="1" noEditPoints="1" noAdjustHandles="1" noChangeArrowheads="1" noChangeShapeType="1" noTextEdit="1"/>
+              </p:cNvSpPr>
+              <p:nvPr>
+                <p:ph idx="1"/>
+              </p:nvPr>
+            </p:nvSpPr>
+            <p:spPr>
+              <a:xfrm>
+                <a:off x="838200" y="1825625"/>
+                <a:ext cx="10515600" cy="4667250"/>
+              </a:xfrm>
+              <a:blipFill>
+                <a:blip r:embed="rId2"/>
+                <a:stretch>
+                  <a:fillRect l="-1043" t="-2089" r="-174"/>
+                </a:stretch>
+              </a:blipFill>
+            </p:spPr>
+            <p:txBody>
+              <a:bodyPr/>
+              <a:lstStyle/>
+              <a:p>
+                <a:r>
+                  <a:rPr lang="en-US">
+                    <a:noFill/>
+                  </a:rPr>
+                  <a:t> </a:t>
+                </a:r>
+              </a:p>
+            </p:txBody>
+          </p:sp>
+        </mc:Fallback>
+      </mc:AlternateContent>
+      <mc:AlternateContent xmlns:mc="http://schemas.openxmlformats.org/markup-compatibility/2006" xmlns:a14="http://schemas.microsoft.com/office/drawing/2010/main">
+        <mc:Choice Requires="a14">
+          <p:sp>
+            <p:nvSpPr>
+              <p:cNvPr id="5" name="TextBox 4">
+                <a:extLst>
+                  <a:ext uri="{FF2B5EF4-FFF2-40B4-BE49-F238E27FC236}">
+                    <a16:creationId xmlns:a16="http://schemas.microsoft.com/office/drawing/2014/main" id="{5603ADB6-2CB9-1FEC-5099-15C09279A7AB}"/>
+                  </a:ext>
+                </a:extLst>
+              </p:cNvPr>
+              <p:cNvSpPr txBox="1"/>
+              <p:nvPr/>
+            </p:nvSpPr>
+            <p:spPr>
+              <a:xfrm>
+                <a:off x="3191436" y="2411477"/>
+                <a:ext cx="6096000" cy="1017523"/>
+              </a:xfrm>
+              <a:prstGeom prst="rect">
+                <a:avLst/>
+              </a:prstGeom>
+              <a:noFill/>
+            </p:spPr>
+            <p:txBody>
+              <a:bodyPr wrap="square">
+                <a:spAutoFit/>
+              </a:bodyPr>
+              <a:lstStyle/>
+              <a:p>
+                <a:pPr/>
+                <a14:m>
+                  <m:oMathPara xmlns:m="http://schemas.openxmlformats.org/officeDocument/2006/math">
+                    <m:oMathParaPr>
+                      <m:jc m:val="centerGroup"/>
+                    </m:oMathParaPr>
+                    <m:oMath xmlns:m="http://schemas.openxmlformats.org/officeDocument/2006/math">
+                      <m:r>
+                        <m:rPr>
+                          <m:sty m:val="p"/>
+                        </m:rPr>
+                        <a:rPr lang="en-US" sz="3200" b="0" i="0" dirty="0" smtClean="0">
+                          <a:solidFill>
+                            <a:srgbClr val="C00000"/>
+                          </a:solidFill>
+                          <a:latin typeface="Cambria Math" panose="02040503050406030204" pitchFamily="18" charset="0"/>
+                        </a:rPr>
+                        <m:t>Pr</m:t>
+                      </m:r>
+                      <m:d>
+                        <m:dPr>
+                          <m:begChr m:val="["/>
+                          <m:endChr m:val="]"/>
+                          <m:ctrlPr>
+                            <a:rPr lang="en-US" sz="3200" b="0" i="1" dirty="0" smtClean="0">
+                              <a:solidFill>
+                                <a:srgbClr val="C00000"/>
+                              </a:solidFill>
+                              <a:latin typeface="Cambria Math" panose="02040503050406030204" pitchFamily="18" charset="0"/>
+                            </a:rPr>
+                          </m:ctrlPr>
+                        </m:dPr>
+                        <m:e>
+                          <m:r>
+                            <a:rPr lang="en-US" sz="3200" i="1" dirty="0">
+                              <a:solidFill>
+                                <a:srgbClr val="C00000"/>
+                              </a:solidFill>
+                              <a:latin typeface="Cambria Math" panose="02040503050406030204" pitchFamily="18" charset="0"/>
+                            </a:rPr>
+                            <m:t>𝑋</m:t>
+                          </m:r>
+                          <m:r>
+                            <a:rPr lang="en-US" sz="3200" i="1" dirty="0">
+                              <a:solidFill>
+                                <a:srgbClr val="C00000"/>
+                              </a:solidFill>
+                              <a:latin typeface="Cambria Math" panose="02040503050406030204" pitchFamily="18" charset="0"/>
+                            </a:rPr>
+                            <m:t>≥</m:t>
+                          </m:r>
+                          <m:r>
+                            <a:rPr lang="en-US" sz="3200" i="1" dirty="0" smtClean="0">
+                              <a:solidFill>
+                                <a:srgbClr val="0070C0"/>
+                              </a:solidFill>
+                              <a:latin typeface="Cambria Math" panose="02040503050406030204" pitchFamily="18" charset="0"/>
+                            </a:rPr>
+                            <m:t>𝑡</m:t>
+                          </m:r>
+                          <m:r>
+                            <a:rPr lang="en-US" sz="3200" i="1" dirty="0" smtClean="0">
+                              <a:solidFill>
+                                <a:srgbClr val="0070C0"/>
+                              </a:solidFill>
+                              <a:latin typeface="Cambria Math" panose="02040503050406030204" pitchFamily="18" charset="0"/>
+                            </a:rPr>
+                            <m:t>⋅</m:t>
+                          </m:r>
+                          <m:r>
+                            <m:rPr>
+                              <m:sty m:val="p"/>
+                            </m:rPr>
+                            <a:rPr lang="en-US" sz="3200" i="0" dirty="0" smtClean="0">
+                              <a:solidFill>
+                                <a:srgbClr val="0070C0"/>
+                              </a:solidFill>
+                              <a:latin typeface="Cambria Math" panose="02040503050406030204" pitchFamily="18" charset="0"/>
+                            </a:rPr>
+                            <m:t>E</m:t>
+                          </m:r>
+                          <m:r>
+                            <a:rPr lang="en-US" sz="3200" i="1" dirty="0" smtClean="0">
+                              <a:solidFill>
+                                <a:srgbClr val="0070C0"/>
+                              </a:solidFill>
+                              <a:latin typeface="Cambria Math" panose="02040503050406030204" pitchFamily="18" charset="0"/>
+                            </a:rPr>
+                            <m:t>[</m:t>
+                          </m:r>
+                          <m:r>
+                            <a:rPr lang="en-US" sz="3200" i="1" dirty="0" smtClean="0">
+                              <a:solidFill>
+                                <a:srgbClr val="0070C0"/>
+                              </a:solidFill>
+                              <a:latin typeface="Cambria Math" panose="02040503050406030204" pitchFamily="18" charset="0"/>
+                            </a:rPr>
+                            <m:t>𝑋</m:t>
+                          </m:r>
+                          <m:r>
+                            <a:rPr lang="en-US" sz="3200" i="1" dirty="0" smtClean="0">
+                              <a:solidFill>
+                                <a:srgbClr val="0070C0"/>
+                              </a:solidFill>
+                              <a:latin typeface="Cambria Math" panose="02040503050406030204" pitchFamily="18" charset="0"/>
+                            </a:rPr>
+                            <m:t>]</m:t>
+                          </m:r>
+                        </m:e>
+                      </m:d>
+                      <m:r>
+                        <a:rPr lang="en-US" sz="3200" b="0" i="1" dirty="0" smtClean="0">
+                          <a:solidFill>
+                            <a:schemeClr val="tx1"/>
+                          </a:solidFill>
+                          <a:latin typeface="Cambria Math" panose="02040503050406030204" pitchFamily="18" charset="0"/>
+                        </a:rPr>
+                        <m:t>≤</m:t>
+                      </m:r>
+                      <m:f>
+                        <m:fPr>
+                          <m:ctrlPr>
+                            <a:rPr lang="en-US" sz="3200" b="0" i="1" dirty="0" smtClean="0">
+                              <a:solidFill>
+                                <a:srgbClr val="0070C0"/>
+                              </a:solidFill>
+                              <a:latin typeface="Cambria Math" panose="02040503050406030204" pitchFamily="18" charset="0"/>
+                            </a:rPr>
+                          </m:ctrlPr>
+                        </m:fPr>
+                        <m:num>
+                          <m:r>
+                            <a:rPr lang="en-US" sz="3200" b="0" i="1" dirty="0" smtClean="0">
+                              <a:solidFill>
+                                <a:srgbClr val="0070C0"/>
+                              </a:solidFill>
+                              <a:latin typeface="Cambria Math" panose="02040503050406030204" pitchFamily="18" charset="0"/>
+                            </a:rPr>
+                            <m:t>1</m:t>
+                          </m:r>
+                        </m:num>
+                        <m:den>
+                          <m:r>
+                            <a:rPr lang="en-US" sz="3200" b="0" i="1" dirty="0" smtClean="0">
+                              <a:solidFill>
+                                <a:srgbClr val="0070C0"/>
+                              </a:solidFill>
+                              <a:latin typeface="Cambria Math" panose="02040503050406030204" pitchFamily="18" charset="0"/>
+                            </a:rPr>
+                            <m:t>𝑡</m:t>
+                          </m:r>
+                        </m:den>
+                      </m:f>
+                    </m:oMath>
+                  </m:oMathPara>
+                </a14:m>
+                <a:endParaRPr lang="en-US" sz="3200" dirty="0"/>
+              </a:p>
+            </p:txBody>
+          </p:sp>
+        </mc:Choice>
+        <mc:Fallback xmlns="">
+          <p:sp>
+            <p:nvSpPr>
+              <p:cNvPr id="5" name="TextBox 4">
+                <a:extLst>
+                  <a:ext uri="{FF2B5EF4-FFF2-40B4-BE49-F238E27FC236}">
+                    <a16:creationId xmlns:a16="http://schemas.microsoft.com/office/drawing/2014/main" id="{5603ADB6-2CB9-1FEC-5099-15C09279A7AB}"/>
+                  </a:ext>
+                </a:extLst>
+              </p:cNvPr>
+              <p:cNvSpPr txBox="1">
+                <a:spLocks noRot="1" noChangeAspect="1" noMove="1" noResize="1" noEditPoints="1" noAdjustHandles="1" noChangeArrowheads="1" noChangeShapeType="1" noTextEdit="1"/>
+              </p:cNvSpPr>
+              <p:nvPr/>
+            </p:nvSpPr>
+            <p:spPr>
+              <a:xfrm>
+                <a:off x="3191436" y="2411477"/>
+                <a:ext cx="6096000" cy="1017523"/>
+              </a:xfrm>
+              <a:prstGeom prst="rect">
+                <a:avLst/>
+              </a:prstGeom>
+              <a:blipFill>
+                <a:blip r:embed="rId3"/>
+                <a:stretch>
+                  <a:fillRect/>
+                </a:stretch>
+              </a:blipFill>
+            </p:spPr>
+            <p:txBody>
+              <a:bodyPr/>
+              <a:lstStyle/>
+              <a:p>
+                <a:r>
+                  <a:rPr lang="en-US">
+                    <a:noFill/>
+                  </a:rPr>
+                  <a:t> </a:t>
+                </a:r>
+              </a:p>
+            </p:txBody>
+          </p:sp>
+        </mc:Fallback>
+      </mc:AlternateContent>
+    </p:spTree>
+    <p:extLst>
+      <p:ext uri="{BB962C8B-B14F-4D97-AF65-F5344CB8AC3E}">
+        <p14:creationId xmlns:p14="http://schemas.microsoft.com/office/powerpoint/2010/main" val="2325369683"/>
+      </p:ext>
+    </p:extLst>
+  </p:cSld>
+  <p:clrMapOvr>
+    <a:masterClrMapping/>
+  </p:clrMapOvr>
+</p:sld>
+</file>
+
+<file path=ppt/slides/slide30.xml><?xml version="1.0" encoding="utf-8"?>
 <p:sld xmlns:a="http://schemas.openxmlformats.org/drawingml/2006/main" xmlns:r="http://schemas.openxmlformats.org/officeDocument/2006/relationships" xmlns:p="http://schemas.openxmlformats.org/presentationml/2006/main">
   <p:cSld>
     <p:spTree>
@@ -17804,612 +18865,7 @@
 </p:sld>
 </file>
 
-<file path=ppt/slides/slide3.xml><?xml version="1.0" encoding="utf-8"?>
-<p:sld xmlns:a="http://schemas.openxmlformats.org/drawingml/2006/main" xmlns:r="http://schemas.openxmlformats.org/officeDocument/2006/relationships" xmlns:p="http://schemas.openxmlformats.org/presentationml/2006/main">
-  <p:cSld>
-    <p:spTree>
-      <p:nvGrpSpPr>
-        <p:cNvPr id="1" name=""/>
-        <p:cNvGrpSpPr/>
-        <p:nvPr/>
-      </p:nvGrpSpPr>
-      <p:grpSpPr>
-        <a:xfrm>
-          <a:off x="0" y="0"/>
-          <a:ext cx="0" cy="0"/>
-          <a:chOff x="0" y="0"/>
-          <a:chExt cx="0" cy="0"/>
-        </a:xfrm>
-      </p:grpSpPr>
-      <p:sp>
-        <p:nvSpPr>
-          <p:cNvPr id="2" name="Title 1">
-            <a:extLst>
-              <a:ext uri="{FF2B5EF4-FFF2-40B4-BE49-F238E27FC236}">
-                <a16:creationId xmlns:a16="http://schemas.microsoft.com/office/drawing/2014/main" id="{A49DDC00-2744-B7F9-8394-609BE1AEC413}"/>
-              </a:ext>
-            </a:extLst>
-          </p:cNvPr>
-          <p:cNvSpPr>
-            <a:spLocks noGrp="1"/>
-          </p:cNvSpPr>
-          <p:nvPr>
-            <p:ph type="title"/>
-          </p:nvPr>
-        </p:nvSpPr>
-        <p:spPr/>
-        <p:txBody>
-          <a:bodyPr/>
-          <a:lstStyle/>
-          <a:p>
-            <a:r>
-              <a:rPr lang="en-US" dirty="0">
-                <a:solidFill>
-                  <a:srgbClr val="C00000"/>
-                </a:solidFill>
-              </a:rPr>
-              <a:t>Last Time: Markov’s Inequality</a:t>
-            </a:r>
-            <a:endParaRPr lang="en-US" dirty="0"/>
-          </a:p>
-        </p:txBody>
-      </p:sp>
-      <mc:AlternateContent xmlns:mc="http://schemas.openxmlformats.org/markup-compatibility/2006" xmlns:a14="http://schemas.microsoft.com/office/drawing/2010/main">
-        <mc:Choice Requires="a14">
-          <p:sp>
-            <p:nvSpPr>
-              <p:cNvPr id="3" name="Content Placeholder 2">
-                <a:extLst>
-                  <a:ext uri="{FF2B5EF4-FFF2-40B4-BE49-F238E27FC236}">
-                    <a16:creationId xmlns:a16="http://schemas.microsoft.com/office/drawing/2014/main" id="{6666941B-6AAA-DFD0-8896-ACB1B4FE2AC6}"/>
-                  </a:ext>
-                </a:extLst>
-              </p:cNvPr>
-              <p:cNvSpPr>
-                <a:spLocks noGrp="1"/>
-              </p:cNvSpPr>
-              <p:nvPr>
-                <p:ph idx="1"/>
-              </p:nvPr>
-            </p:nvSpPr>
-            <p:spPr>
-              <a:xfrm>
-                <a:off x="838200" y="1825625"/>
-                <a:ext cx="10515600" cy="4667250"/>
-              </a:xfrm>
-            </p:spPr>
-            <p:txBody>
-              <a:bodyPr>
-                <a:normAutofit/>
-              </a:bodyPr>
-              <a:lstStyle/>
-              <a:p>
-                <a:r>
-                  <a:rPr lang="en-US" sz="2800" b="0" dirty="0"/>
-                  <a:t>Let </a:t>
-                </a:r>
-                <a14:m>
-                  <m:oMath xmlns:m="http://schemas.openxmlformats.org/officeDocument/2006/math">
-                    <m:r>
-                      <a:rPr lang="en-US" i="1" dirty="0">
-                        <a:solidFill>
-                          <a:srgbClr val="C00000"/>
-                        </a:solidFill>
-                        <a:latin typeface="Cambria Math" panose="02040503050406030204" pitchFamily="18" charset="0"/>
-                      </a:rPr>
-                      <m:t>𝑋</m:t>
-                    </m:r>
-                    <m:r>
-                      <a:rPr lang="en-US" i="1" dirty="0">
-                        <a:solidFill>
-                          <a:srgbClr val="C00000"/>
-                        </a:solidFill>
-                        <a:latin typeface="Cambria Math" panose="02040503050406030204" pitchFamily="18" charset="0"/>
-                      </a:rPr>
-                      <m:t>≥0 </m:t>
-                    </m:r>
-                  </m:oMath>
-                </a14:m>
-                <a:r>
-                  <a:rPr lang="en-US" sz="2800" b="0" dirty="0"/>
-                  <a:t>be a non-negative random variable. Then for any </a:t>
-                </a:r>
-                <a14:m>
-                  <m:oMath xmlns:m="http://schemas.openxmlformats.org/officeDocument/2006/math">
-                    <m:r>
-                      <a:rPr lang="en-US" i="1" dirty="0">
-                        <a:solidFill>
-                          <a:srgbClr val="C00000"/>
-                        </a:solidFill>
-                        <a:latin typeface="Cambria Math" panose="02040503050406030204" pitchFamily="18" charset="0"/>
-                      </a:rPr>
-                      <m:t>𝑡</m:t>
-                    </m:r>
-                    <m:r>
-                      <a:rPr lang="en-US" b="0" i="1" dirty="0" smtClean="0">
-                        <a:solidFill>
-                          <a:srgbClr val="C00000"/>
-                        </a:solidFill>
-                        <a:latin typeface="Cambria Math" panose="02040503050406030204" pitchFamily="18" charset="0"/>
-                      </a:rPr>
-                      <m:t>&gt;0</m:t>
-                    </m:r>
-                  </m:oMath>
-                </a14:m>
-                <a:r>
-                  <a:rPr lang="en-US" dirty="0"/>
-                  <a:t>:</a:t>
-                </a:r>
-              </a:p>
-              <a:p>
-                <a:endParaRPr lang="en-US" dirty="0"/>
-              </a:p>
-              <a:p>
-                <a:endParaRPr lang="en-US" dirty="0"/>
-              </a:p>
-              <a:p>
-                <a:endParaRPr lang="en-US" dirty="0"/>
-              </a:p>
-              <a:p>
-                <a:endParaRPr lang="en-US" dirty="0"/>
-              </a:p>
-              <a:p>
-                <a:r>
-                  <a:rPr lang="en-US" dirty="0"/>
-                  <a:t>Can rewrite as </a:t>
-                </a:r>
-                <a14:m>
-                  <m:oMath xmlns:m="http://schemas.openxmlformats.org/officeDocument/2006/math">
-                    <m:r>
-                      <m:rPr>
-                        <m:sty m:val="p"/>
-                      </m:rPr>
-                      <a:rPr lang="en-US" sz="2800" b="0" i="0" dirty="0" smtClean="0">
-                        <a:solidFill>
-                          <a:srgbClr val="C00000"/>
-                        </a:solidFill>
-                        <a:latin typeface="Cambria Math" panose="02040503050406030204" pitchFamily="18" charset="0"/>
-                      </a:rPr>
-                      <m:t>Pr</m:t>
-                    </m:r>
-                    <m:d>
-                      <m:dPr>
-                        <m:begChr m:val="["/>
-                        <m:endChr m:val="]"/>
-                        <m:ctrlPr>
-                          <a:rPr lang="en-US" sz="2800" b="0" i="1" dirty="0" smtClean="0">
-                            <a:solidFill>
-                              <a:srgbClr val="C00000"/>
-                            </a:solidFill>
-                            <a:latin typeface="Cambria Math" panose="02040503050406030204" pitchFamily="18" charset="0"/>
-                          </a:rPr>
-                        </m:ctrlPr>
-                      </m:dPr>
-                      <m:e>
-                        <m:r>
-                          <a:rPr lang="en-US" sz="2800" i="1" dirty="0">
-                            <a:solidFill>
-                              <a:srgbClr val="C00000"/>
-                            </a:solidFill>
-                            <a:latin typeface="Cambria Math" panose="02040503050406030204" pitchFamily="18" charset="0"/>
-                          </a:rPr>
-                          <m:t>𝑋</m:t>
-                        </m:r>
-                        <m:r>
-                          <a:rPr lang="en-US" sz="2800" i="1" dirty="0">
-                            <a:solidFill>
-                              <a:srgbClr val="C00000"/>
-                            </a:solidFill>
-                            <a:latin typeface="Cambria Math" panose="02040503050406030204" pitchFamily="18" charset="0"/>
-                          </a:rPr>
-                          <m:t>≥</m:t>
-                        </m:r>
-                        <m:r>
-                          <a:rPr lang="en-US" sz="2800" i="1" dirty="0" smtClean="0">
-                            <a:solidFill>
-                              <a:srgbClr val="0070C0"/>
-                            </a:solidFill>
-                            <a:latin typeface="Cambria Math" panose="02040503050406030204" pitchFamily="18" charset="0"/>
-                          </a:rPr>
-                          <m:t>𝑡</m:t>
-                        </m:r>
-                      </m:e>
-                    </m:d>
-                    <m:r>
-                      <a:rPr lang="en-US" sz="2800" b="0" i="1" dirty="0" smtClean="0">
-                        <a:solidFill>
-                          <a:schemeClr val="tx1"/>
-                        </a:solidFill>
-                        <a:latin typeface="Cambria Math" panose="02040503050406030204" pitchFamily="18" charset="0"/>
-                      </a:rPr>
-                      <m:t>≤</m:t>
-                    </m:r>
-                    <m:f>
-                      <m:fPr>
-                        <m:ctrlPr>
-                          <a:rPr lang="en-US" sz="2800" b="0" i="1" dirty="0" smtClean="0">
-                            <a:solidFill>
-                              <a:srgbClr val="0070C0"/>
-                            </a:solidFill>
-                            <a:latin typeface="Cambria Math" panose="02040503050406030204" pitchFamily="18" charset="0"/>
-                          </a:rPr>
-                        </m:ctrlPr>
-                      </m:fPr>
-                      <m:num>
-                        <m:r>
-                          <m:rPr>
-                            <m:sty m:val="p"/>
-                          </m:rPr>
-                          <a:rPr lang="en-US" i="0" dirty="0">
-                            <a:solidFill>
-                              <a:srgbClr val="0070C0"/>
-                            </a:solidFill>
-                            <a:latin typeface="Cambria Math" panose="02040503050406030204" pitchFamily="18" charset="0"/>
-                          </a:rPr>
-                          <m:t>E</m:t>
-                        </m:r>
-                        <m:r>
-                          <a:rPr lang="en-US" i="1" dirty="0">
-                            <a:solidFill>
-                              <a:srgbClr val="0070C0"/>
-                            </a:solidFill>
-                            <a:latin typeface="Cambria Math" panose="02040503050406030204" pitchFamily="18" charset="0"/>
-                          </a:rPr>
-                          <m:t>[</m:t>
-                        </m:r>
-                        <m:r>
-                          <a:rPr lang="en-US" i="1" dirty="0">
-                            <a:solidFill>
-                              <a:srgbClr val="0070C0"/>
-                            </a:solidFill>
-                            <a:latin typeface="Cambria Math" panose="02040503050406030204" pitchFamily="18" charset="0"/>
-                          </a:rPr>
-                          <m:t>𝑋</m:t>
-                        </m:r>
-                        <m:r>
-                          <a:rPr lang="en-US" i="1" dirty="0">
-                            <a:solidFill>
-                              <a:srgbClr val="0070C0"/>
-                            </a:solidFill>
-                            <a:latin typeface="Cambria Math" panose="02040503050406030204" pitchFamily="18" charset="0"/>
-                          </a:rPr>
-                          <m:t>]</m:t>
-                        </m:r>
-                      </m:num>
-                      <m:den>
-                        <m:r>
-                          <a:rPr lang="en-US" sz="2800" b="0" i="1" dirty="0" smtClean="0">
-                            <a:solidFill>
-                              <a:srgbClr val="0070C0"/>
-                            </a:solidFill>
-                            <a:latin typeface="Cambria Math" panose="02040503050406030204" pitchFamily="18" charset="0"/>
-                          </a:rPr>
-                          <m:t>𝑡</m:t>
-                        </m:r>
-                      </m:den>
-                    </m:f>
-                  </m:oMath>
-                </a14:m>
-                <a:endParaRPr lang="en-US" sz="2800" dirty="0"/>
-              </a:p>
-              <a:p>
-                <a:endParaRPr lang="en-US" dirty="0"/>
-              </a:p>
-              <a:p>
-                <a:r>
-                  <a:rPr lang="en-US" dirty="0"/>
-                  <a:t>“Bounding the deviation of a random variable in terms of its average”</a:t>
-                </a:r>
-              </a:p>
-              <a:p>
-                <a:endParaRPr lang="en-US" dirty="0"/>
-              </a:p>
-              <a:p>
-                <a:endParaRPr lang="en-US" dirty="0"/>
-              </a:p>
-              <a:p>
-                <a:pPr marL="0" indent="0">
-                  <a:buNone/>
-                </a:pPr>
-                <a:endParaRPr lang="en-US" dirty="0"/>
-              </a:p>
-            </p:txBody>
-          </p:sp>
-        </mc:Choice>
-        <mc:Fallback xmlns="">
-          <p:sp>
-            <p:nvSpPr>
-              <p:cNvPr id="3" name="Content Placeholder 2">
-                <a:extLst>
-                  <a:ext uri="{FF2B5EF4-FFF2-40B4-BE49-F238E27FC236}">
-                    <a16:creationId xmlns:a16="http://schemas.microsoft.com/office/drawing/2014/main" id="{6666941B-6AAA-DFD0-8896-ACB1B4FE2AC6}"/>
-                  </a:ext>
-                </a:extLst>
-              </p:cNvPr>
-              <p:cNvSpPr>
-                <a:spLocks noGrp="1" noRot="1" noChangeAspect="1" noMove="1" noResize="1" noEditPoints="1" noAdjustHandles="1" noChangeArrowheads="1" noChangeShapeType="1" noTextEdit="1"/>
-              </p:cNvSpPr>
-              <p:nvPr>
-                <p:ph idx="1"/>
-              </p:nvPr>
-            </p:nvSpPr>
-            <p:spPr>
-              <a:xfrm>
-                <a:off x="838200" y="1825625"/>
-                <a:ext cx="10515600" cy="4667250"/>
-              </a:xfrm>
-              <a:blipFill>
-                <a:blip r:embed="rId2"/>
-                <a:stretch>
-                  <a:fillRect l="-1043" t="-2089" r="-174"/>
-                </a:stretch>
-              </a:blipFill>
-            </p:spPr>
-            <p:txBody>
-              <a:bodyPr/>
-              <a:lstStyle/>
-              <a:p>
-                <a:r>
-                  <a:rPr lang="en-US">
-                    <a:noFill/>
-                  </a:rPr>
-                  <a:t> </a:t>
-                </a:r>
-              </a:p>
-            </p:txBody>
-          </p:sp>
-        </mc:Fallback>
-      </mc:AlternateContent>
-      <mc:AlternateContent xmlns:mc="http://schemas.openxmlformats.org/markup-compatibility/2006" xmlns:a14="http://schemas.microsoft.com/office/drawing/2010/main">
-        <mc:Choice Requires="a14">
-          <p:sp>
-            <p:nvSpPr>
-              <p:cNvPr id="5" name="TextBox 4">
-                <a:extLst>
-                  <a:ext uri="{FF2B5EF4-FFF2-40B4-BE49-F238E27FC236}">
-                    <a16:creationId xmlns:a16="http://schemas.microsoft.com/office/drawing/2014/main" id="{5603ADB6-2CB9-1FEC-5099-15C09279A7AB}"/>
-                  </a:ext>
-                </a:extLst>
-              </p:cNvPr>
-              <p:cNvSpPr txBox="1"/>
-              <p:nvPr/>
-            </p:nvSpPr>
-            <p:spPr>
-              <a:xfrm>
-                <a:off x="3191436" y="2411477"/>
-                <a:ext cx="6096000" cy="1017523"/>
-              </a:xfrm>
-              <a:prstGeom prst="rect">
-                <a:avLst/>
-              </a:prstGeom>
-              <a:noFill/>
-            </p:spPr>
-            <p:txBody>
-              <a:bodyPr wrap="square">
-                <a:spAutoFit/>
-              </a:bodyPr>
-              <a:lstStyle/>
-              <a:p>
-                <a:pPr/>
-                <a14:m>
-                  <m:oMathPara xmlns:m="http://schemas.openxmlformats.org/officeDocument/2006/math">
-                    <m:oMathParaPr>
-                      <m:jc m:val="centerGroup"/>
-                    </m:oMathParaPr>
-                    <m:oMath xmlns:m="http://schemas.openxmlformats.org/officeDocument/2006/math">
-                      <m:r>
-                        <m:rPr>
-                          <m:sty m:val="p"/>
-                        </m:rPr>
-                        <a:rPr lang="en-US" sz="3200" b="0" i="0" dirty="0" smtClean="0">
-                          <a:solidFill>
-                            <a:srgbClr val="C00000"/>
-                          </a:solidFill>
-                          <a:latin typeface="Cambria Math" panose="02040503050406030204" pitchFamily="18" charset="0"/>
-                        </a:rPr>
-                        <m:t>Pr</m:t>
-                      </m:r>
-                      <m:d>
-                        <m:dPr>
-                          <m:begChr m:val="["/>
-                          <m:endChr m:val="]"/>
-                          <m:ctrlPr>
-                            <a:rPr lang="en-US" sz="3200" b="0" i="1" dirty="0" smtClean="0">
-                              <a:solidFill>
-                                <a:srgbClr val="C00000"/>
-                              </a:solidFill>
-                              <a:latin typeface="Cambria Math" panose="02040503050406030204" pitchFamily="18" charset="0"/>
-                            </a:rPr>
-                          </m:ctrlPr>
-                        </m:dPr>
-                        <m:e>
-                          <m:r>
-                            <a:rPr lang="en-US" sz="3200" i="1" dirty="0">
-                              <a:solidFill>
-                                <a:srgbClr val="C00000"/>
-                              </a:solidFill>
-                              <a:latin typeface="Cambria Math" panose="02040503050406030204" pitchFamily="18" charset="0"/>
-                            </a:rPr>
-                            <m:t>𝑋</m:t>
-                          </m:r>
-                          <m:r>
-                            <a:rPr lang="en-US" sz="3200" i="1" dirty="0">
-                              <a:solidFill>
-                                <a:srgbClr val="C00000"/>
-                              </a:solidFill>
-                              <a:latin typeface="Cambria Math" panose="02040503050406030204" pitchFamily="18" charset="0"/>
-                            </a:rPr>
-                            <m:t>≥</m:t>
-                          </m:r>
-                          <m:r>
-                            <a:rPr lang="en-US" sz="3200" i="1" dirty="0" smtClean="0">
-                              <a:solidFill>
-                                <a:srgbClr val="0070C0"/>
-                              </a:solidFill>
-                              <a:latin typeface="Cambria Math" panose="02040503050406030204" pitchFamily="18" charset="0"/>
-                            </a:rPr>
-                            <m:t>𝑡</m:t>
-                          </m:r>
-                          <m:r>
-                            <a:rPr lang="en-US" sz="3200" i="1" dirty="0" smtClean="0">
-                              <a:solidFill>
-                                <a:srgbClr val="0070C0"/>
-                              </a:solidFill>
-                              <a:latin typeface="Cambria Math" panose="02040503050406030204" pitchFamily="18" charset="0"/>
-                            </a:rPr>
-                            <m:t>⋅</m:t>
-                          </m:r>
-                          <m:r>
-                            <m:rPr>
-                              <m:sty m:val="p"/>
-                            </m:rPr>
-                            <a:rPr lang="en-US" sz="3200" i="0" dirty="0" smtClean="0">
-                              <a:solidFill>
-                                <a:srgbClr val="0070C0"/>
-                              </a:solidFill>
-                              <a:latin typeface="Cambria Math" panose="02040503050406030204" pitchFamily="18" charset="0"/>
-                            </a:rPr>
-                            <m:t>E</m:t>
-                          </m:r>
-                          <m:r>
-                            <a:rPr lang="en-US" sz="3200" i="1" dirty="0" smtClean="0">
-                              <a:solidFill>
-                                <a:srgbClr val="0070C0"/>
-                              </a:solidFill>
-                              <a:latin typeface="Cambria Math" panose="02040503050406030204" pitchFamily="18" charset="0"/>
-                            </a:rPr>
-                            <m:t>[</m:t>
-                          </m:r>
-                          <m:r>
-                            <a:rPr lang="en-US" sz="3200" i="1" dirty="0" smtClean="0">
-                              <a:solidFill>
-                                <a:srgbClr val="0070C0"/>
-                              </a:solidFill>
-                              <a:latin typeface="Cambria Math" panose="02040503050406030204" pitchFamily="18" charset="0"/>
-                            </a:rPr>
-                            <m:t>𝑋</m:t>
-                          </m:r>
-                          <m:r>
-                            <a:rPr lang="en-US" sz="3200" i="1" dirty="0" smtClean="0">
-                              <a:solidFill>
-                                <a:srgbClr val="0070C0"/>
-                              </a:solidFill>
-                              <a:latin typeface="Cambria Math" panose="02040503050406030204" pitchFamily="18" charset="0"/>
-                            </a:rPr>
-                            <m:t>]</m:t>
-                          </m:r>
-                        </m:e>
-                      </m:d>
-                      <m:r>
-                        <a:rPr lang="en-US" sz="3200" b="0" i="1" dirty="0" smtClean="0">
-                          <a:solidFill>
-                            <a:schemeClr val="tx1"/>
-                          </a:solidFill>
-                          <a:latin typeface="Cambria Math" panose="02040503050406030204" pitchFamily="18" charset="0"/>
-                        </a:rPr>
-                        <m:t>≤</m:t>
-                      </m:r>
-                      <m:f>
-                        <m:fPr>
-                          <m:ctrlPr>
-                            <a:rPr lang="en-US" sz="3200" b="0" i="1" dirty="0" smtClean="0">
-                              <a:solidFill>
-                                <a:srgbClr val="0070C0"/>
-                              </a:solidFill>
-                              <a:latin typeface="Cambria Math" panose="02040503050406030204" pitchFamily="18" charset="0"/>
-                            </a:rPr>
-                          </m:ctrlPr>
-                        </m:fPr>
-                        <m:num>
-                          <m:r>
-                            <a:rPr lang="en-US" sz="3200" b="0" i="1" dirty="0" smtClean="0">
-                              <a:solidFill>
-                                <a:srgbClr val="0070C0"/>
-                              </a:solidFill>
-                              <a:latin typeface="Cambria Math" panose="02040503050406030204" pitchFamily="18" charset="0"/>
-                            </a:rPr>
-                            <m:t>1</m:t>
-                          </m:r>
-                        </m:num>
-                        <m:den>
-                          <m:r>
-                            <a:rPr lang="en-US" sz="3200" b="0" i="1" dirty="0" smtClean="0">
-                              <a:solidFill>
-                                <a:srgbClr val="0070C0"/>
-                              </a:solidFill>
-                              <a:latin typeface="Cambria Math" panose="02040503050406030204" pitchFamily="18" charset="0"/>
-                            </a:rPr>
-                            <m:t>𝑡</m:t>
-                          </m:r>
-                        </m:den>
-                      </m:f>
-                    </m:oMath>
-                  </m:oMathPara>
-                </a14:m>
-                <a:endParaRPr lang="en-US" sz="3200" dirty="0"/>
-              </a:p>
-            </p:txBody>
-          </p:sp>
-        </mc:Choice>
-        <mc:Fallback xmlns="">
-          <p:sp>
-            <p:nvSpPr>
-              <p:cNvPr id="5" name="TextBox 4">
-                <a:extLst>
-                  <a:ext uri="{FF2B5EF4-FFF2-40B4-BE49-F238E27FC236}">
-                    <a16:creationId xmlns:a16="http://schemas.microsoft.com/office/drawing/2014/main" id="{5603ADB6-2CB9-1FEC-5099-15C09279A7AB}"/>
-                  </a:ext>
-                </a:extLst>
-              </p:cNvPr>
-              <p:cNvSpPr txBox="1">
-                <a:spLocks noRot="1" noChangeAspect="1" noMove="1" noResize="1" noEditPoints="1" noAdjustHandles="1" noChangeArrowheads="1" noChangeShapeType="1" noTextEdit="1"/>
-              </p:cNvSpPr>
-              <p:nvPr/>
-            </p:nvSpPr>
-            <p:spPr>
-              <a:xfrm>
-                <a:off x="3191436" y="2411477"/>
-                <a:ext cx="6096000" cy="1017523"/>
-              </a:xfrm>
-              <a:prstGeom prst="rect">
-                <a:avLst/>
-              </a:prstGeom>
-              <a:blipFill>
-                <a:blip r:embed="rId3"/>
-                <a:stretch>
-                  <a:fillRect/>
-                </a:stretch>
-              </a:blipFill>
-            </p:spPr>
-            <p:txBody>
-              <a:bodyPr/>
-              <a:lstStyle/>
-              <a:p>
-                <a:r>
-                  <a:rPr lang="en-US">
-                    <a:noFill/>
-                  </a:rPr>
-                  <a:t> </a:t>
-                </a:r>
-              </a:p>
-            </p:txBody>
-          </p:sp>
-        </mc:Fallback>
-      </mc:AlternateContent>
-    </p:spTree>
-    <p:extLst>
-      <p:ext uri="{BB962C8B-B14F-4D97-AF65-F5344CB8AC3E}">
-        <p14:creationId xmlns:p14="http://schemas.microsoft.com/office/powerpoint/2010/main" val="2325369683"/>
-      </p:ext>
-    </p:extLst>
-  </p:cSld>
-  <p:clrMapOvr>
-    <a:masterClrMapping/>
-  </p:clrMapOvr>
-</p:sld>
-</file>
-
-<file path=ppt/slides/slide30.xml><?xml version="1.0" encoding="utf-8"?>
+<file path=ppt/slides/slide31.xml><?xml version="1.0" encoding="utf-8"?>
 <p:sld xmlns:a="http://schemas.openxmlformats.org/drawingml/2006/main" xmlns:r="http://schemas.openxmlformats.org/officeDocument/2006/relationships" xmlns:p="http://schemas.openxmlformats.org/presentationml/2006/main">
   <p:cSld>
     <p:spTree>
@@ -19700,7 +20156,7 @@
 </p:sld>
 </file>
 
-<file path=ppt/slides/slide31.xml><?xml version="1.0" encoding="utf-8"?>
+<file path=ppt/slides/slide32.xml><?xml version="1.0" encoding="utf-8"?>
 <p:sld xmlns:a="http://schemas.openxmlformats.org/drawingml/2006/main" xmlns:r="http://schemas.openxmlformats.org/officeDocument/2006/relationships" xmlns:p="http://schemas.openxmlformats.org/presentationml/2006/main">
   <p:cSld>
     <p:spTree>
@@ -20546,7 +21002,7 @@
 </p:sld>
 </file>
 
-<file path=ppt/slides/slide32.xml><?xml version="1.0" encoding="utf-8"?>
+<file path=ppt/slides/slide33.xml><?xml version="1.0" encoding="utf-8"?>
 <p:sld xmlns:a="http://schemas.openxmlformats.org/drawingml/2006/main" xmlns:r="http://schemas.openxmlformats.org/officeDocument/2006/relationships" xmlns:p="http://schemas.openxmlformats.org/presentationml/2006/main">
   <p:cSld>
     <p:spTree>
@@ -21156,7 +21612,7 @@
 </p:sld>
 </file>
 
-<file path=ppt/slides/slide33.xml><?xml version="1.0" encoding="utf-8"?>
+<file path=ppt/slides/slide34.xml><?xml version="1.0" encoding="utf-8"?>
 <p:sld xmlns:a="http://schemas.openxmlformats.org/drawingml/2006/main" xmlns:r="http://schemas.openxmlformats.org/officeDocument/2006/relationships" xmlns:p="http://schemas.openxmlformats.org/presentationml/2006/main">
   <p:cSld>
     <p:spTree>
@@ -22470,7 +22926,7 @@
 </p:sld>
 </file>
 
-<file path=ppt/slides/slide34.xml><?xml version="1.0" encoding="utf-8"?>
+<file path=ppt/slides/slide35.xml><?xml version="1.0" encoding="utf-8"?>
 <p:sld xmlns:a="http://schemas.openxmlformats.org/drawingml/2006/main" xmlns:r="http://schemas.openxmlformats.org/officeDocument/2006/relationships" xmlns:p="http://schemas.openxmlformats.org/presentationml/2006/main">
   <p:cSld>
     <p:spTree>
@@ -24031,8 +24487,8 @@
           </a:p>
         </p:txBody>
       </p:sp>
-      <mc:AlternateContent xmlns:mc="http://schemas.openxmlformats.org/markup-compatibility/2006" xmlns:a14="http://schemas.microsoft.com/office/drawing/2010/main">
-        <mc:Choice Requires="a14">
+      <mc:AlternateContent xmlns:mc="http://schemas.openxmlformats.org/markup-compatibility/2006">
+        <mc:Choice xmlns:a14="http://schemas.microsoft.com/office/drawing/2010/main" Requires="a14">
           <p:sp>
             <p:nvSpPr>
               <p:cNvPr id="3" name="Content Placeholder 2">
@@ -24112,6 +24568,760 @@
               <a:p>
                 <a:endParaRPr lang="en-US" dirty="0"/>
               </a:p>
+              <a:p>
+                <a:pPr>
+                  <a:buClr>
+                    <a:schemeClr val="tx1"/>
+                  </a:buClr>
+                </a:pPr>
+                <a:r>
+                  <a:rPr lang="en-US" dirty="0"/>
+                  <a:t>Can rewrite </a:t>
+                </a:r>
+                <a14:m>
+                  <m:oMath xmlns:m="http://schemas.openxmlformats.org/officeDocument/2006/math">
+                    <m:r>
+                      <m:rPr>
+                        <m:sty m:val="p"/>
+                      </m:rPr>
+                      <a:rPr lang="en-US" sz="2800" b="0" i="0" dirty="0" smtClean="0">
+                        <a:solidFill>
+                          <a:srgbClr val="C00000"/>
+                        </a:solidFill>
+                        <a:latin typeface="Cambria Math" panose="02040503050406030204" pitchFamily="18" charset="0"/>
+                      </a:rPr>
+                      <m:t>Var</m:t>
+                    </m:r>
+                    <m:d>
+                      <m:dPr>
+                        <m:begChr m:val="["/>
+                        <m:endChr m:val="]"/>
+                        <m:ctrlPr>
+                          <a:rPr lang="en-US" sz="2800" b="0" i="1" dirty="0" smtClean="0">
+                            <a:solidFill>
+                              <a:srgbClr val="C00000"/>
+                            </a:solidFill>
+                            <a:latin typeface="Cambria Math" panose="02040503050406030204" pitchFamily="18" charset="0"/>
+                          </a:rPr>
+                        </m:ctrlPr>
+                      </m:dPr>
+                      <m:e>
+                        <m:r>
+                          <a:rPr lang="en-US" sz="2800" b="0" i="1" dirty="0" smtClean="0">
+                            <a:solidFill>
+                              <a:srgbClr val="C00000"/>
+                            </a:solidFill>
+                            <a:latin typeface="Cambria Math" panose="02040503050406030204" pitchFamily="18" charset="0"/>
+                          </a:rPr>
+                          <m:t>𝑋</m:t>
+                        </m:r>
+                      </m:e>
+                    </m:d>
+                    <m:r>
+                      <a:rPr lang="en-US" sz="2800" b="0" i="1" dirty="0" smtClean="0">
+                        <a:solidFill>
+                          <a:srgbClr val="C00000"/>
+                        </a:solidFill>
+                        <a:latin typeface="Cambria Math" panose="02040503050406030204" pitchFamily="18" charset="0"/>
+                      </a:rPr>
+                      <m:t>=</m:t>
+                    </m:r>
+                    <m:r>
+                      <m:rPr>
+                        <m:sty m:val="p"/>
+                      </m:rPr>
+                      <a:rPr lang="en-US" dirty="0">
+                        <a:solidFill>
+                          <a:srgbClr val="C00000"/>
+                        </a:solidFill>
+                        <a:latin typeface="Cambria Math" panose="02040503050406030204" pitchFamily="18" charset="0"/>
+                      </a:rPr>
+                      <m:t>E</m:t>
+                    </m:r>
+                    <m:d>
+                      <m:dPr>
+                        <m:begChr m:val="["/>
+                        <m:endChr m:val="]"/>
+                        <m:ctrlPr>
+                          <a:rPr lang="en-US" i="1" dirty="0">
+                            <a:solidFill>
+                              <a:srgbClr val="C00000"/>
+                            </a:solidFill>
+                            <a:latin typeface="Cambria Math" panose="02040503050406030204" pitchFamily="18" charset="0"/>
+                          </a:rPr>
+                        </m:ctrlPr>
+                      </m:dPr>
+                      <m:e>
+                        <m:sSup>
+                          <m:sSupPr>
+                            <m:ctrlPr>
+                              <a:rPr lang="en-US" i="1" dirty="0">
+                                <a:solidFill>
+                                  <a:srgbClr val="C00000"/>
+                                </a:solidFill>
+                                <a:latin typeface="Cambria Math" panose="02040503050406030204" pitchFamily="18" charset="0"/>
+                              </a:rPr>
+                            </m:ctrlPr>
+                          </m:sSupPr>
+                          <m:e>
+                            <m:r>
+                              <a:rPr lang="en-US" i="1" dirty="0">
+                                <a:solidFill>
+                                  <a:srgbClr val="C00000"/>
+                                </a:solidFill>
+                                <a:latin typeface="Cambria Math" panose="02040503050406030204" pitchFamily="18" charset="0"/>
+                              </a:rPr>
+                              <m:t>𝑋</m:t>
+                            </m:r>
+                          </m:e>
+                          <m:sup>
+                            <m:r>
+                              <a:rPr lang="en-US" i="1" dirty="0">
+                                <a:solidFill>
+                                  <a:srgbClr val="C00000"/>
+                                </a:solidFill>
+                                <a:latin typeface="Cambria Math" panose="02040503050406030204" pitchFamily="18" charset="0"/>
+                              </a:rPr>
+                              <m:t>2</m:t>
+                            </m:r>
+                          </m:sup>
+                        </m:sSup>
+                      </m:e>
+                    </m:d>
+                    <m:r>
+                      <a:rPr lang="en-US" i="1" dirty="0">
+                        <a:solidFill>
+                          <a:srgbClr val="C00000"/>
+                        </a:solidFill>
+                        <a:latin typeface="Cambria Math" panose="02040503050406030204" pitchFamily="18" charset="0"/>
+                      </a:rPr>
+                      <m:t>−</m:t>
+                    </m:r>
+                    <m:sSup>
+                      <m:sSupPr>
+                        <m:ctrlPr>
+                          <a:rPr lang="en-US" i="1" dirty="0">
+                            <a:solidFill>
+                              <a:srgbClr val="C00000"/>
+                            </a:solidFill>
+                            <a:latin typeface="Cambria Math" panose="02040503050406030204" pitchFamily="18" charset="0"/>
+                          </a:rPr>
+                        </m:ctrlPr>
+                      </m:sSupPr>
+                      <m:e>
+                        <m:d>
+                          <m:dPr>
+                            <m:ctrlPr>
+                              <a:rPr lang="en-US" i="1" dirty="0">
+                                <a:solidFill>
+                                  <a:srgbClr val="C00000"/>
+                                </a:solidFill>
+                                <a:latin typeface="Cambria Math" panose="02040503050406030204" pitchFamily="18" charset="0"/>
+                              </a:rPr>
+                            </m:ctrlPr>
+                          </m:dPr>
+                          <m:e>
+                            <m:r>
+                              <m:rPr>
+                                <m:sty m:val="p"/>
+                              </m:rPr>
+                              <a:rPr lang="en-US" dirty="0">
+                                <a:solidFill>
+                                  <a:srgbClr val="C00000"/>
+                                </a:solidFill>
+                                <a:latin typeface="Cambria Math" panose="02040503050406030204" pitchFamily="18" charset="0"/>
+                              </a:rPr>
+                              <m:t>E</m:t>
+                            </m:r>
+                            <m:d>
+                              <m:dPr>
+                                <m:begChr m:val="["/>
+                                <m:endChr m:val="]"/>
+                                <m:ctrlPr>
+                                  <a:rPr lang="en-US" i="1" dirty="0">
+                                    <a:solidFill>
+                                      <a:srgbClr val="C00000"/>
+                                    </a:solidFill>
+                                    <a:latin typeface="Cambria Math" panose="02040503050406030204" pitchFamily="18" charset="0"/>
+                                  </a:rPr>
+                                </m:ctrlPr>
+                              </m:dPr>
+                              <m:e>
+                                <m:r>
+                                  <a:rPr lang="en-US" i="1" dirty="0">
+                                    <a:solidFill>
+                                      <a:srgbClr val="C00000"/>
+                                    </a:solidFill>
+                                    <a:latin typeface="Cambria Math" panose="02040503050406030204" pitchFamily="18" charset="0"/>
+                                  </a:rPr>
+                                  <m:t>𝑋</m:t>
+                                </m:r>
+                              </m:e>
+                            </m:d>
+                          </m:e>
+                        </m:d>
+                      </m:e>
+                      <m:sup>
+                        <m:r>
+                          <a:rPr lang="en-US" i="1" dirty="0">
+                            <a:solidFill>
+                              <a:srgbClr val="C00000"/>
+                            </a:solidFill>
+                            <a:latin typeface="Cambria Math" panose="02040503050406030204" pitchFamily="18" charset="0"/>
+                          </a:rPr>
+                          <m:t>2</m:t>
+                        </m:r>
+                      </m:sup>
+                    </m:sSup>
+                  </m:oMath>
+                </a14:m>
+                <a:r>
+                  <a:rPr lang="en-US" dirty="0"/>
+                  <a:t> since </a:t>
+                </a:r>
+                <a14:m>
+                  <m:oMath xmlns:m="http://schemas.openxmlformats.org/officeDocument/2006/math">
+                    <m:r>
+                      <m:rPr>
+                        <m:sty m:val="p"/>
+                      </m:rPr>
+                      <a:rPr lang="en-US" dirty="0">
+                        <a:solidFill>
+                          <a:srgbClr val="C00000"/>
+                        </a:solidFill>
+                        <a:latin typeface="Cambria Math" panose="02040503050406030204" pitchFamily="18" charset="0"/>
+                      </a:rPr>
+                      <m:t>E</m:t>
+                    </m:r>
+                    <m:d>
+                      <m:dPr>
+                        <m:begChr m:val="["/>
+                        <m:endChr m:val="]"/>
+                        <m:ctrlPr>
+                          <a:rPr lang="en-US" b="0" i="1" dirty="0" smtClean="0">
+                            <a:solidFill>
+                              <a:srgbClr val="C00000"/>
+                            </a:solidFill>
+                            <a:latin typeface="Cambria Math" panose="02040503050406030204" pitchFamily="18" charset="0"/>
+                          </a:rPr>
+                        </m:ctrlPr>
+                      </m:dPr>
+                      <m:e>
+                        <m:r>
+                          <m:rPr>
+                            <m:sty m:val="p"/>
+                          </m:rPr>
+                          <a:rPr lang="en-US" b="0" i="0" dirty="0" smtClean="0">
+                            <a:solidFill>
+                              <a:srgbClr val="C00000"/>
+                            </a:solidFill>
+                            <a:latin typeface="Cambria Math" panose="02040503050406030204" pitchFamily="18" charset="0"/>
+                          </a:rPr>
+                          <m:t>E</m:t>
+                        </m:r>
+                        <m:d>
+                          <m:dPr>
+                            <m:begChr m:val="["/>
+                            <m:endChr m:val="]"/>
+                            <m:ctrlPr>
+                              <a:rPr lang="en-US" b="0" i="1" dirty="0" smtClean="0">
+                                <a:solidFill>
+                                  <a:srgbClr val="C00000"/>
+                                </a:solidFill>
+                                <a:latin typeface="Cambria Math" panose="02040503050406030204" pitchFamily="18" charset="0"/>
+                              </a:rPr>
+                            </m:ctrlPr>
+                          </m:dPr>
+                          <m:e>
+                            <m:r>
+                              <a:rPr lang="en-US" b="0" i="1" dirty="0" smtClean="0">
+                                <a:solidFill>
+                                  <a:srgbClr val="C00000"/>
+                                </a:solidFill>
+                                <a:latin typeface="Cambria Math" panose="02040503050406030204" pitchFamily="18" charset="0"/>
+                              </a:rPr>
+                              <m:t>𝑋</m:t>
+                            </m:r>
+                          </m:e>
+                        </m:d>
+                      </m:e>
+                    </m:d>
+                    <m:r>
+                      <a:rPr lang="en-US" b="0" i="1" dirty="0" smtClean="0">
+                        <a:solidFill>
+                          <a:srgbClr val="C00000"/>
+                        </a:solidFill>
+                        <a:latin typeface="Cambria Math" panose="02040503050406030204" pitchFamily="18" charset="0"/>
+                      </a:rPr>
+                      <m:t>=</m:t>
+                    </m:r>
+                    <m:r>
+                      <m:rPr>
+                        <m:sty m:val="p"/>
+                      </m:rPr>
+                      <a:rPr lang="en-US" b="0" i="0" dirty="0" smtClean="0">
+                        <a:solidFill>
+                          <a:srgbClr val="C00000"/>
+                        </a:solidFill>
+                        <a:latin typeface="Cambria Math" panose="02040503050406030204" pitchFamily="18" charset="0"/>
+                      </a:rPr>
+                      <m:t>E</m:t>
+                    </m:r>
+                    <m:r>
+                      <a:rPr lang="en-US" b="0" i="0" dirty="0" smtClean="0">
+                        <a:solidFill>
+                          <a:srgbClr val="C00000"/>
+                        </a:solidFill>
+                        <a:latin typeface="Cambria Math" panose="02040503050406030204" pitchFamily="18" charset="0"/>
+                      </a:rPr>
+                      <m:t>[</m:t>
+                    </m:r>
+                    <m:r>
+                      <a:rPr lang="en-US" b="0" i="1" dirty="0" smtClean="0">
+                        <a:solidFill>
+                          <a:srgbClr val="C00000"/>
+                        </a:solidFill>
+                        <a:latin typeface="Cambria Math" panose="02040503050406030204" pitchFamily="18" charset="0"/>
+                      </a:rPr>
+                      <m:t>𝑋</m:t>
+                    </m:r>
+                    <m:r>
+                      <a:rPr lang="en-US" b="0" i="0" dirty="0" smtClean="0">
+                        <a:solidFill>
+                          <a:srgbClr val="C00000"/>
+                        </a:solidFill>
+                        <a:latin typeface="Cambria Math" panose="02040503050406030204" pitchFamily="18" charset="0"/>
+                      </a:rPr>
+                      <m:t>]</m:t>
+                    </m:r>
+                  </m:oMath>
+                </a14:m>
+                <a:endParaRPr lang="en-US" dirty="0"/>
+              </a:p>
+              <a:p>
+                <a:pPr>
+                  <a:buClr>
+                    <a:schemeClr val="tx1"/>
+                  </a:buClr>
+                </a:pPr>
+                <a:endParaRPr lang="en-US" dirty="0"/>
+              </a:p>
+              <a:p>
+                <a:pPr>
+                  <a:buClr>
+                    <a:schemeClr val="tx1"/>
+                  </a:buClr>
+                </a:pPr>
+                <a:endParaRPr lang="en-US" dirty="0"/>
+              </a:p>
+              <a:p>
+                <a:pPr>
+                  <a:buClr>
+                    <a:schemeClr val="tx1"/>
+                  </a:buClr>
+                </a:pPr>
+                <a:r>
+                  <a:rPr lang="en-US" dirty="0"/>
+                  <a:t>“On average, how far numbers are from the average”</a:t>
+                </a:r>
+              </a:p>
+            </p:txBody>
+          </p:sp>
+        </mc:Choice>
+        <mc:Fallback>
+          <p:sp>
+            <p:nvSpPr>
+              <p:cNvPr id="3" name="Content Placeholder 2">
+                <a:extLst>
+                  <a:ext uri="{FF2B5EF4-FFF2-40B4-BE49-F238E27FC236}">
+                    <a16:creationId xmlns:a16="http://schemas.microsoft.com/office/drawing/2014/main" id="{6666941B-6AAA-DFD0-8896-ACB1B4FE2AC6}"/>
+                  </a:ext>
+                </a:extLst>
+              </p:cNvPr>
+              <p:cNvSpPr>
+                <a:spLocks noGrp="1" noRot="1" noChangeAspect="1" noMove="1" noResize="1" noEditPoints="1" noAdjustHandles="1" noChangeArrowheads="1" noChangeShapeType="1" noTextEdit="1"/>
+              </p:cNvSpPr>
+              <p:nvPr>
+                <p:ph idx="1"/>
+              </p:nvPr>
+            </p:nvSpPr>
+            <p:spPr>
+              <a:xfrm>
+                <a:off x="838200" y="1825625"/>
+                <a:ext cx="10515600" cy="4667250"/>
+              </a:xfrm>
+              <a:blipFill>
+                <a:blip r:embed="rId2"/>
+                <a:stretch>
+                  <a:fillRect l="-1043" t="-2089"/>
+                </a:stretch>
+              </a:blipFill>
+            </p:spPr>
+            <p:txBody>
+              <a:bodyPr/>
+              <a:lstStyle/>
+              <a:p>
+                <a:r>
+                  <a:rPr lang="en-US">
+                    <a:noFill/>
+                  </a:rPr>
+                  <a:t> </a:t>
+                </a:r>
+              </a:p>
+            </p:txBody>
+          </p:sp>
+        </mc:Fallback>
+      </mc:AlternateContent>
+      <mc:AlternateContent xmlns:mc="http://schemas.openxmlformats.org/markup-compatibility/2006">
+        <mc:Choice xmlns:a14="http://schemas.microsoft.com/office/drawing/2010/main" Requires="a14">
+          <p:sp>
+            <p:nvSpPr>
+              <p:cNvPr id="5" name="TextBox 4">
+                <a:extLst>
+                  <a:ext uri="{FF2B5EF4-FFF2-40B4-BE49-F238E27FC236}">
+                    <a16:creationId xmlns:a16="http://schemas.microsoft.com/office/drawing/2014/main" id="{A2DE4CEA-73D7-CD0E-D451-149152B610B0}"/>
+                  </a:ext>
+                </a:extLst>
+              </p:cNvPr>
+              <p:cNvSpPr txBox="1"/>
+              <p:nvPr/>
+            </p:nvSpPr>
+            <p:spPr>
+              <a:xfrm>
+                <a:off x="2877670" y="2356828"/>
+                <a:ext cx="6096000" cy="523220"/>
+              </a:xfrm>
+              <a:prstGeom prst="rect">
+                <a:avLst/>
+              </a:prstGeom>
+              <a:noFill/>
+            </p:spPr>
+            <p:txBody>
+              <a:bodyPr wrap="square">
+                <a:spAutoFit/>
+              </a:bodyPr>
+              <a:lstStyle/>
+              <a:p>
+                <a:pPr/>
+                <a14:m>
+                  <m:oMathPara xmlns:m="http://schemas.openxmlformats.org/officeDocument/2006/math">
+                    <m:oMathParaPr>
+                      <m:jc m:val="centerGroup"/>
+                    </m:oMathParaPr>
+                    <m:oMath xmlns:m="http://schemas.openxmlformats.org/officeDocument/2006/math">
+                      <m:r>
+                        <m:rPr>
+                          <m:sty m:val="p"/>
+                        </m:rPr>
+                        <a:rPr lang="en-US" sz="2800" b="0" i="0" dirty="0" smtClean="0">
+                          <a:solidFill>
+                            <a:srgbClr val="C00000"/>
+                          </a:solidFill>
+                          <a:latin typeface="Cambria Math" panose="02040503050406030204" pitchFamily="18" charset="0"/>
+                        </a:rPr>
+                        <m:t>Var</m:t>
+                      </m:r>
+                      <m:d>
+                        <m:dPr>
+                          <m:begChr m:val="["/>
+                          <m:endChr m:val="]"/>
+                          <m:ctrlPr>
+                            <a:rPr lang="en-US" sz="2800" b="0" i="1" dirty="0" smtClean="0">
+                              <a:solidFill>
+                                <a:srgbClr val="C00000"/>
+                              </a:solidFill>
+                              <a:latin typeface="Cambria Math" panose="02040503050406030204" pitchFamily="18" charset="0"/>
+                            </a:rPr>
+                          </m:ctrlPr>
+                        </m:dPr>
+                        <m:e>
+                          <m:r>
+                            <a:rPr lang="en-US" sz="2800" b="0" i="1" dirty="0" smtClean="0">
+                              <a:solidFill>
+                                <a:srgbClr val="C00000"/>
+                              </a:solidFill>
+                              <a:latin typeface="Cambria Math" panose="02040503050406030204" pitchFamily="18" charset="0"/>
+                            </a:rPr>
+                            <m:t>𝑋</m:t>
+                          </m:r>
+                        </m:e>
+                      </m:d>
+                      <m:r>
+                        <a:rPr lang="en-US" sz="2800" b="0" i="1" dirty="0" smtClean="0">
+                          <a:solidFill>
+                            <a:srgbClr val="C00000"/>
+                          </a:solidFill>
+                          <a:latin typeface="Cambria Math" panose="02040503050406030204" pitchFamily="18" charset="0"/>
+                        </a:rPr>
+                        <m:t>=</m:t>
+                      </m:r>
+                      <m:r>
+                        <m:rPr>
+                          <m:sty m:val="p"/>
+                        </m:rPr>
+                        <a:rPr lang="en-US" sz="2800" dirty="0">
+                          <a:solidFill>
+                            <a:srgbClr val="C00000"/>
+                          </a:solidFill>
+                          <a:latin typeface="Cambria Math" panose="02040503050406030204" pitchFamily="18" charset="0"/>
+                        </a:rPr>
+                        <m:t>E</m:t>
+                      </m:r>
+                      <m:d>
+                        <m:dPr>
+                          <m:begChr m:val="["/>
+                          <m:endChr m:val="]"/>
+                          <m:ctrlPr>
+                            <a:rPr lang="en-US" sz="2800" i="1" dirty="0">
+                              <a:solidFill>
+                                <a:srgbClr val="C00000"/>
+                              </a:solidFill>
+                              <a:latin typeface="Cambria Math" panose="02040503050406030204" pitchFamily="18" charset="0"/>
+                            </a:rPr>
+                          </m:ctrlPr>
+                        </m:dPr>
+                        <m:e>
+                          <m:sSup>
+                            <m:sSupPr>
+                              <m:ctrlPr>
+                                <a:rPr lang="en-US" sz="2800" i="1" dirty="0">
+                                  <a:solidFill>
+                                    <a:srgbClr val="C00000"/>
+                                  </a:solidFill>
+                                  <a:latin typeface="Cambria Math" panose="02040503050406030204" pitchFamily="18" charset="0"/>
+                                </a:rPr>
+                              </m:ctrlPr>
+                            </m:sSupPr>
+                            <m:e>
+                              <m:d>
+                                <m:dPr>
+                                  <m:ctrlPr>
+                                    <a:rPr lang="en-US" sz="2800" i="1" dirty="0">
+                                      <a:solidFill>
+                                        <a:srgbClr val="C00000"/>
+                                      </a:solidFill>
+                                      <a:latin typeface="Cambria Math" panose="02040503050406030204" pitchFamily="18" charset="0"/>
+                                    </a:rPr>
+                                  </m:ctrlPr>
+                                </m:dPr>
+                                <m:e>
+                                  <m:r>
+                                    <a:rPr lang="en-US" sz="2800" i="1" dirty="0">
+                                      <a:solidFill>
+                                        <a:srgbClr val="C00000"/>
+                                      </a:solidFill>
+                                      <a:latin typeface="Cambria Math" panose="02040503050406030204" pitchFamily="18" charset="0"/>
+                                    </a:rPr>
+                                    <m:t>𝑋</m:t>
+                                  </m:r>
+                                  <m:r>
+                                    <a:rPr lang="en-US" sz="2800" i="1" dirty="0">
+                                      <a:solidFill>
+                                        <a:srgbClr val="C00000"/>
+                                      </a:solidFill>
+                                      <a:latin typeface="Cambria Math" panose="02040503050406030204" pitchFamily="18" charset="0"/>
+                                    </a:rPr>
+                                    <m:t>−</m:t>
+                                  </m:r>
+                                  <m:r>
+                                    <m:rPr>
+                                      <m:sty m:val="p"/>
+                                    </m:rPr>
+                                    <a:rPr lang="en-US" sz="2800" dirty="0">
+                                      <a:solidFill>
+                                        <a:srgbClr val="C00000"/>
+                                      </a:solidFill>
+                                      <a:latin typeface="Cambria Math" panose="02040503050406030204" pitchFamily="18" charset="0"/>
+                                    </a:rPr>
+                                    <m:t>E</m:t>
+                                  </m:r>
+                                  <m:d>
+                                    <m:dPr>
+                                      <m:begChr m:val="["/>
+                                      <m:endChr m:val="]"/>
+                                      <m:ctrlPr>
+                                        <a:rPr lang="en-US" sz="2800" i="1" dirty="0">
+                                          <a:solidFill>
+                                            <a:srgbClr val="C00000"/>
+                                          </a:solidFill>
+                                          <a:latin typeface="Cambria Math" panose="02040503050406030204" pitchFamily="18" charset="0"/>
+                                        </a:rPr>
+                                      </m:ctrlPr>
+                                    </m:dPr>
+                                    <m:e>
+                                      <m:r>
+                                        <a:rPr lang="en-US" sz="2800" i="1" dirty="0">
+                                          <a:solidFill>
+                                            <a:srgbClr val="C00000"/>
+                                          </a:solidFill>
+                                          <a:latin typeface="Cambria Math" panose="02040503050406030204" pitchFamily="18" charset="0"/>
+                                        </a:rPr>
+                                        <m:t>𝑋</m:t>
+                                      </m:r>
+                                    </m:e>
+                                  </m:d>
+                                </m:e>
+                              </m:d>
+                            </m:e>
+                            <m:sup>
+                              <m:r>
+                                <a:rPr lang="en-US" sz="2800" i="1" dirty="0">
+                                  <a:solidFill>
+                                    <a:srgbClr val="C00000"/>
+                                  </a:solidFill>
+                                  <a:latin typeface="Cambria Math" panose="02040503050406030204" pitchFamily="18" charset="0"/>
+                                </a:rPr>
+                                <m:t>2</m:t>
+                              </m:r>
+                            </m:sup>
+                          </m:sSup>
+                        </m:e>
+                      </m:d>
+                    </m:oMath>
+                  </m:oMathPara>
+                </a14:m>
+                <a:endParaRPr lang="en-US" sz="2800" dirty="0"/>
+              </a:p>
+            </p:txBody>
+          </p:sp>
+        </mc:Choice>
+        <mc:Fallback>
+          <p:sp>
+            <p:nvSpPr>
+              <p:cNvPr id="5" name="TextBox 4">
+                <a:extLst>
+                  <a:ext uri="{FF2B5EF4-FFF2-40B4-BE49-F238E27FC236}">
+                    <a16:creationId xmlns:a16="http://schemas.microsoft.com/office/drawing/2014/main" id="{A2DE4CEA-73D7-CD0E-D451-149152B610B0}"/>
+                  </a:ext>
+                </a:extLst>
+              </p:cNvPr>
+              <p:cNvSpPr txBox="1">
+                <a:spLocks noRot="1" noChangeAspect="1" noMove="1" noResize="1" noEditPoints="1" noAdjustHandles="1" noChangeArrowheads="1" noChangeShapeType="1" noTextEdit="1"/>
+              </p:cNvSpPr>
+              <p:nvPr/>
+            </p:nvSpPr>
+            <p:spPr>
+              <a:xfrm>
+                <a:off x="2877670" y="2356828"/>
+                <a:ext cx="6096000" cy="523220"/>
+              </a:xfrm>
+              <a:prstGeom prst="rect">
+                <a:avLst/>
+              </a:prstGeom>
+              <a:blipFill>
+                <a:blip r:embed="rId3"/>
+                <a:stretch>
+                  <a:fillRect/>
+                </a:stretch>
+              </a:blipFill>
+            </p:spPr>
+            <p:txBody>
+              <a:bodyPr/>
+              <a:lstStyle/>
+              <a:p>
+                <a:r>
+                  <a:rPr lang="en-US">
+                    <a:noFill/>
+                  </a:rPr>
+                  <a:t> </a:t>
+                </a:r>
+              </a:p>
+            </p:txBody>
+          </p:sp>
+        </mc:Fallback>
+      </mc:AlternateContent>
+    </p:spTree>
+    <p:extLst>
+      <p:ext uri="{BB962C8B-B14F-4D97-AF65-F5344CB8AC3E}">
+        <p14:creationId xmlns:p14="http://schemas.microsoft.com/office/powerpoint/2010/main" val="3259820846"/>
+      </p:ext>
+    </p:extLst>
+  </p:cSld>
+  <p:clrMapOvr>
+    <a:masterClrMapping/>
+  </p:clrMapOvr>
+</p:sld>
+</file>
+
+<file path=ppt/slides/slide7.xml><?xml version="1.0" encoding="utf-8"?>
+<p:sld xmlns:a="http://schemas.openxmlformats.org/drawingml/2006/main" xmlns:r="http://schemas.openxmlformats.org/officeDocument/2006/relationships" xmlns:p="http://schemas.openxmlformats.org/presentationml/2006/main">
+  <p:cSld>
+    <p:spTree>
+      <p:nvGrpSpPr>
+        <p:cNvPr id="1" name=""/>
+        <p:cNvGrpSpPr/>
+        <p:nvPr/>
+      </p:nvGrpSpPr>
+      <p:grpSpPr>
+        <a:xfrm>
+          <a:off x="0" y="0"/>
+          <a:ext cx="0" cy="0"/>
+          <a:chOff x="0" y="0"/>
+          <a:chExt cx="0" cy="0"/>
+        </a:xfrm>
+      </p:grpSpPr>
+      <p:sp>
+        <p:nvSpPr>
+          <p:cNvPr id="2" name="Title 1">
+            <a:extLst>
+              <a:ext uri="{FF2B5EF4-FFF2-40B4-BE49-F238E27FC236}">
+                <a16:creationId xmlns:a16="http://schemas.microsoft.com/office/drawing/2014/main" id="{A49DDC00-2744-B7F9-8394-609BE1AEC413}"/>
+              </a:ext>
+            </a:extLst>
+          </p:cNvPr>
+          <p:cNvSpPr>
+            <a:spLocks noGrp="1"/>
+          </p:cNvSpPr>
+          <p:nvPr>
+            <p:ph type="title"/>
+          </p:nvPr>
+        </p:nvSpPr>
+        <p:spPr/>
+        <p:txBody>
+          <a:bodyPr/>
+          <a:lstStyle/>
+          <a:p>
+            <a:r>
+              <a:rPr lang="en-US" dirty="0">
+                <a:solidFill>
+                  <a:srgbClr val="C00000"/>
+                </a:solidFill>
+              </a:rPr>
+              <a:t>Variance</a:t>
+            </a:r>
+            <a:endParaRPr lang="en-US" dirty="0"/>
+          </a:p>
+        </p:txBody>
+      </p:sp>
+      <mc:AlternateContent xmlns:mc="http://schemas.openxmlformats.org/markup-compatibility/2006">
+        <mc:Choice xmlns:a14="http://schemas.microsoft.com/office/drawing/2010/main" Requires="a14">
+          <p:sp>
+            <p:nvSpPr>
+              <p:cNvPr id="3" name="Content Placeholder 2">
+                <a:extLst>
+                  <a:ext uri="{FF2B5EF4-FFF2-40B4-BE49-F238E27FC236}">
+                    <a16:creationId xmlns:a16="http://schemas.microsoft.com/office/drawing/2014/main" id="{6666941B-6AAA-DFD0-8896-ACB1B4FE2AC6}"/>
+                  </a:ext>
+                </a:extLst>
+              </p:cNvPr>
+              <p:cNvSpPr>
+                <a:spLocks noGrp="1"/>
+              </p:cNvSpPr>
+              <p:nvPr>
+                <p:ph idx="1"/>
+              </p:nvPr>
+            </p:nvSpPr>
+            <p:spPr>
+              <a:xfrm>
+                <a:off x="838200" y="1825625"/>
+                <a:ext cx="10515600" cy="4667250"/>
+              </a:xfrm>
+            </p:spPr>
+            <p:txBody>
+              <a:bodyPr>
+                <a:normAutofit/>
+              </a:bodyPr>
+              <a:lstStyle/>
               <a:p>
                 <a:pPr>
                   <a:buClr>
@@ -24417,20 +25627,2005 @@
                 </a14:m>
                 <a:endParaRPr lang="en-US" dirty="0"/>
               </a:p>
+            </p:txBody>
+          </p:sp>
+        </mc:Choice>
+        <mc:Fallback>
+          <p:sp>
+            <p:nvSpPr>
+              <p:cNvPr id="3" name="Content Placeholder 2">
+                <a:extLst>
+                  <a:ext uri="{FF2B5EF4-FFF2-40B4-BE49-F238E27FC236}">
+                    <a16:creationId xmlns:a16="http://schemas.microsoft.com/office/drawing/2014/main" id="{6666941B-6AAA-DFD0-8896-ACB1B4FE2AC6}"/>
+                  </a:ext>
+                </a:extLst>
+              </p:cNvPr>
+              <p:cNvSpPr>
+                <a:spLocks noGrp="1" noRot="1" noChangeAspect="1" noMove="1" noResize="1" noEditPoints="1" noAdjustHandles="1" noChangeArrowheads="1" noChangeShapeType="1" noTextEdit="1"/>
+              </p:cNvSpPr>
+              <p:nvPr>
+                <p:ph idx="1"/>
+              </p:nvPr>
+            </p:nvSpPr>
+            <p:spPr>
+              <a:xfrm>
+                <a:off x="838200" y="1825625"/>
+                <a:ext cx="10515600" cy="4667250"/>
+              </a:xfrm>
+              <a:blipFill>
+                <a:blip r:embed="rId2"/>
+                <a:stretch>
+                  <a:fillRect l="-1043" t="-1436"/>
+                </a:stretch>
+              </a:blipFill>
+            </p:spPr>
+            <p:txBody>
+              <a:bodyPr/>
+              <a:lstStyle/>
+              <a:p>
+                <a:r>
+                  <a:rPr lang="en-US">
+                    <a:noFill/>
+                  </a:rPr>
+                  <a:t> </a:t>
+                </a:r>
+              </a:p>
+            </p:txBody>
+          </p:sp>
+        </mc:Fallback>
+      </mc:AlternateContent>
+      <mc:AlternateContent xmlns:mc="http://schemas.openxmlformats.org/markup-compatibility/2006">
+        <mc:Choice xmlns:a14="http://schemas.microsoft.com/office/drawing/2010/main" Requires="a14">
+          <p:sp>
+            <p:nvSpPr>
+              <p:cNvPr id="6" name="TextBox 5">
+                <a:extLst>
+                  <a:ext uri="{FF2B5EF4-FFF2-40B4-BE49-F238E27FC236}">
+                    <a16:creationId xmlns:a16="http://schemas.microsoft.com/office/drawing/2014/main" id="{3F9749F5-87C9-87CA-146E-DCAA857E50AD}"/>
+                  </a:ext>
+                </a:extLst>
+              </p:cNvPr>
+              <p:cNvSpPr txBox="1"/>
+              <p:nvPr/>
+            </p:nvSpPr>
+            <p:spPr>
+              <a:xfrm>
+                <a:off x="2070846" y="2455440"/>
+                <a:ext cx="8220635" cy="523220"/>
+              </a:xfrm>
+              <a:prstGeom prst="rect">
+                <a:avLst/>
+              </a:prstGeom>
+              <a:noFill/>
+            </p:spPr>
+            <p:txBody>
+              <a:bodyPr wrap="square">
+                <a:spAutoFit/>
+              </a:bodyPr>
+              <a:lstStyle/>
               <a:p>
                 <a:pPr>
                   <a:buClr>
                     <a:schemeClr val="tx1"/>
                   </a:buClr>
                 </a:pPr>
-                <a:endParaRPr lang="en-US" dirty="0"/>
-              </a:p>
+                <a14:m>
+                  <m:oMathPara xmlns:m="http://schemas.openxmlformats.org/officeDocument/2006/math">
+                    <m:oMathParaPr>
+                      <m:jc m:val="centerGroup"/>
+                    </m:oMathParaPr>
+                    <m:oMath xmlns:m="http://schemas.openxmlformats.org/officeDocument/2006/math">
+                      <m:r>
+                        <m:rPr>
+                          <m:sty m:val="p"/>
+                        </m:rPr>
+                        <a:rPr lang="en-US" sz="2800" dirty="0" smtClean="0">
+                          <a:solidFill>
+                            <a:srgbClr val="C00000"/>
+                          </a:solidFill>
+                          <a:latin typeface="Cambria Math" panose="02040503050406030204" pitchFamily="18" charset="0"/>
+                        </a:rPr>
+                        <m:t>E</m:t>
+                      </m:r>
+                      <m:d>
+                        <m:dPr>
+                          <m:begChr m:val="["/>
+                          <m:endChr m:val="]"/>
+                          <m:ctrlPr>
+                            <a:rPr lang="en-US" sz="2800" i="1" dirty="0">
+                              <a:solidFill>
+                                <a:srgbClr val="C00000"/>
+                              </a:solidFill>
+                              <a:latin typeface="Cambria Math" panose="02040503050406030204" pitchFamily="18" charset="0"/>
+                            </a:rPr>
+                          </m:ctrlPr>
+                        </m:dPr>
+                        <m:e>
+                          <m:sSup>
+                            <m:sSupPr>
+                              <m:ctrlPr>
+                                <a:rPr lang="en-US" sz="2800" i="1" dirty="0">
+                                  <a:solidFill>
+                                    <a:srgbClr val="C00000"/>
+                                  </a:solidFill>
+                                  <a:latin typeface="Cambria Math" panose="02040503050406030204" pitchFamily="18" charset="0"/>
+                                </a:rPr>
+                              </m:ctrlPr>
+                            </m:sSupPr>
+                            <m:e>
+                              <m:d>
+                                <m:dPr>
+                                  <m:ctrlPr>
+                                    <a:rPr lang="en-US" sz="2800" i="1" dirty="0">
+                                      <a:solidFill>
+                                        <a:srgbClr val="C00000"/>
+                                      </a:solidFill>
+                                      <a:latin typeface="Cambria Math" panose="02040503050406030204" pitchFamily="18" charset="0"/>
+                                    </a:rPr>
+                                  </m:ctrlPr>
+                                </m:dPr>
+                                <m:e>
+                                  <m:r>
+                                    <a:rPr lang="en-US" sz="2800" i="1" dirty="0">
+                                      <a:solidFill>
+                                        <a:srgbClr val="C00000"/>
+                                      </a:solidFill>
+                                      <a:latin typeface="Cambria Math" panose="02040503050406030204" pitchFamily="18" charset="0"/>
+                                    </a:rPr>
+                                    <m:t>𝑋</m:t>
+                                  </m:r>
+                                  <m:r>
+                                    <a:rPr lang="en-US" sz="2800" i="1" dirty="0">
+                                      <a:solidFill>
+                                        <a:srgbClr val="C00000"/>
+                                      </a:solidFill>
+                                      <a:latin typeface="Cambria Math" panose="02040503050406030204" pitchFamily="18" charset="0"/>
+                                    </a:rPr>
+                                    <m:t>−</m:t>
+                                  </m:r>
+                                  <m:r>
+                                    <m:rPr>
+                                      <m:sty m:val="p"/>
+                                    </m:rPr>
+                                    <a:rPr lang="en-US" sz="2800" dirty="0">
+                                      <a:solidFill>
+                                        <a:srgbClr val="C00000"/>
+                                      </a:solidFill>
+                                      <a:latin typeface="Cambria Math" panose="02040503050406030204" pitchFamily="18" charset="0"/>
+                                    </a:rPr>
+                                    <m:t>E</m:t>
+                                  </m:r>
+                                  <m:d>
+                                    <m:dPr>
+                                      <m:begChr m:val="["/>
+                                      <m:endChr m:val="]"/>
+                                      <m:ctrlPr>
+                                        <a:rPr lang="en-US" sz="2800" i="1" dirty="0">
+                                          <a:solidFill>
+                                            <a:srgbClr val="C00000"/>
+                                          </a:solidFill>
+                                          <a:latin typeface="Cambria Math" panose="02040503050406030204" pitchFamily="18" charset="0"/>
+                                        </a:rPr>
+                                      </m:ctrlPr>
+                                    </m:dPr>
+                                    <m:e>
+                                      <m:r>
+                                        <a:rPr lang="en-US" sz="2800" i="1" dirty="0">
+                                          <a:solidFill>
+                                            <a:srgbClr val="C00000"/>
+                                          </a:solidFill>
+                                          <a:latin typeface="Cambria Math" panose="02040503050406030204" pitchFamily="18" charset="0"/>
+                                        </a:rPr>
+                                        <m:t>𝑋</m:t>
+                                      </m:r>
+                                    </m:e>
+                                  </m:d>
+                                </m:e>
+                              </m:d>
+                            </m:e>
+                            <m:sup>
+                              <m:r>
+                                <a:rPr lang="en-US" sz="2800" i="1" dirty="0">
+                                  <a:solidFill>
+                                    <a:srgbClr val="C00000"/>
+                                  </a:solidFill>
+                                  <a:latin typeface="Cambria Math" panose="02040503050406030204" pitchFamily="18" charset="0"/>
+                                </a:rPr>
+                                <m:t>2</m:t>
+                              </m:r>
+                            </m:sup>
+                          </m:sSup>
+                        </m:e>
+                      </m:d>
+                      <m:r>
+                        <a:rPr lang="en-US" sz="2800" b="0" i="0" dirty="0" smtClean="0">
+                          <a:solidFill>
+                            <a:srgbClr val="C00000"/>
+                          </a:solidFill>
+                          <a:latin typeface="Cambria Math" panose="02040503050406030204" pitchFamily="18" charset="0"/>
+                        </a:rPr>
+                        <m:t>=</m:t>
+                      </m:r>
+                      <m:r>
+                        <m:rPr>
+                          <m:sty m:val="p"/>
+                        </m:rPr>
+                        <a:rPr lang="en-US" sz="2800" dirty="0">
+                          <a:solidFill>
+                            <a:srgbClr val="C00000"/>
+                          </a:solidFill>
+                          <a:latin typeface="Cambria Math" panose="02040503050406030204" pitchFamily="18" charset="0"/>
+                        </a:rPr>
+                        <m:t>E</m:t>
+                      </m:r>
+                      <m:d>
+                        <m:dPr>
+                          <m:begChr m:val="["/>
+                          <m:endChr m:val="]"/>
+                          <m:ctrlPr>
+                            <a:rPr lang="en-US" sz="2800" i="1" dirty="0">
+                              <a:solidFill>
+                                <a:srgbClr val="C00000"/>
+                              </a:solidFill>
+                              <a:latin typeface="Cambria Math" panose="02040503050406030204" pitchFamily="18" charset="0"/>
+                            </a:rPr>
+                          </m:ctrlPr>
+                        </m:dPr>
+                        <m:e>
+                          <m:sSup>
+                            <m:sSupPr>
+                              <m:ctrlPr>
+                                <a:rPr lang="en-US" sz="2800" b="0" i="1" dirty="0" smtClean="0">
+                                  <a:solidFill>
+                                    <a:srgbClr val="C00000"/>
+                                  </a:solidFill>
+                                  <a:latin typeface="Cambria Math" panose="02040503050406030204" pitchFamily="18" charset="0"/>
+                                </a:rPr>
+                              </m:ctrlPr>
+                            </m:sSupPr>
+                            <m:e>
+                              <m:r>
+                                <a:rPr lang="en-US" sz="2800" i="1" dirty="0">
+                                  <a:solidFill>
+                                    <a:srgbClr val="C00000"/>
+                                  </a:solidFill>
+                                  <a:latin typeface="Cambria Math" panose="02040503050406030204" pitchFamily="18" charset="0"/>
+                                </a:rPr>
+                                <m:t>𝑋</m:t>
+                              </m:r>
+                            </m:e>
+                            <m:sup>
+                              <m:r>
+                                <a:rPr lang="en-US" sz="2800" b="0" i="1" dirty="0" smtClean="0">
+                                  <a:solidFill>
+                                    <a:srgbClr val="C00000"/>
+                                  </a:solidFill>
+                                  <a:latin typeface="Cambria Math" panose="02040503050406030204" pitchFamily="18" charset="0"/>
+                                </a:rPr>
+                                <m:t>2</m:t>
+                              </m:r>
+                            </m:sup>
+                          </m:sSup>
+                          <m:r>
+                            <a:rPr lang="en-US" sz="2800" i="1" dirty="0">
+                              <a:solidFill>
+                                <a:srgbClr val="C00000"/>
+                              </a:solidFill>
+                              <a:latin typeface="Cambria Math" panose="02040503050406030204" pitchFamily="18" charset="0"/>
+                            </a:rPr>
+                            <m:t>−</m:t>
+                          </m:r>
+                          <m:r>
+                            <a:rPr lang="en-US" sz="2800" b="0" i="0" dirty="0" smtClean="0">
+                              <a:solidFill>
+                                <a:srgbClr val="C00000"/>
+                              </a:solidFill>
+                              <a:latin typeface="Cambria Math" panose="02040503050406030204" pitchFamily="18" charset="0"/>
+                            </a:rPr>
+                            <m:t>2</m:t>
+                          </m:r>
+                          <m:r>
+                            <a:rPr lang="en-US" sz="2800" b="0" i="1" dirty="0" smtClean="0">
+                              <a:solidFill>
+                                <a:srgbClr val="C00000"/>
+                              </a:solidFill>
+                              <a:latin typeface="Cambria Math" panose="02040503050406030204" pitchFamily="18" charset="0"/>
+                            </a:rPr>
+                            <m:t>𝑋</m:t>
+                          </m:r>
+                          <m:r>
+                            <a:rPr lang="en-US" sz="2800" b="0" i="1" dirty="0" smtClean="0">
+                              <a:solidFill>
+                                <a:srgbClr val="C00000"/>
+                              </a:solidFill>
+                              <a:latin typeface="Cambria Math" panose="02040503050406030204" pitchFamily="18" charset="0"/>
+                            </a:rPr>
+                            <m:t>⋅</m:t>
+                          </m:r>
+                          <m:r>
+                            <m:rPr>
+                              <m:sty m:val="p"/>
+                            </m:rPr>
+                            <a:rPr lang="en-US" sz="2800" dirty="0">
+                              <a:solidFill>
+                                <a:srgbClr val="C00000"/>
+                              </a:solidFill>
+                              <a:latin typeface="Cambria Math" panose="02040503050406030204" pitchFamily="18" charset="0"/>
+                            </a:rPr>
+                            <m:t>E</m:t>
+                          </m:r>
+                          <m:d>
+                            <m:dPr>
+                              <m:begChr m:val="["/>
+                              <m:endChr m:val="]"/>
+                              <m:ctrlPr>
+                                <a:rPr lang="en-US" sz="2800" i="1" dirty="0">
+                                  <a:solidFill>
+                                    <a:srgbClr val="C00000"/>
+                                  </a:solidFill>
+                                  <a:latin typeface="Cambria Math" panose="02040503050406030204" pitchFamily="18" charset="0"/>
+                                </a:rPr>
+                              </m:ctrlPr>
+                            </m:dPr>
+                            <m:e>
+                              <m:r>
+                                <a:rPr lang="en-US" sz="2800" i="1" dirty="0">
+                                  <a:solidFill>
+                                    <a:srgbClr val="C00000"/>
+                                  </a:solidFill>
+                                  <a:latin typeface="Cambria Math" panose="02040503050406030204" pitchFamily="18" charset="0"/>
+                                </a:rPr>
+                                <m:t>𝑋</m:t>
+                              </m:r>
+                            </m:e>
+                          </m:d>
+                          <m:r>
+                            <a:rPr lang="en-US" sz="2800" b="0" i="1" dirty="0" smtClean="0">
+                              <a:solidFill>
+                                <a:srgbClr val="C00000"/>
+                              </a:solidFill>
+                              <a:latin typeface="Cambria Math" panose="02040503050406030204" pitchFamily="18" charset="0"/>
+                            </a:rPr>
+                            <m:t>+</m:t>
+                          </m:r>
+                          <m:sSup>
+                            <m:sSupPr>
+                              <m:ctrlPr>
+                                <a:rPr lang="en-US" sz="2800" b="0" i="1" dirty="0" smtClean="0">
+                                  <a:solidFill>
+                                    <a:srgbClr val="C00000"/>
+                                  </a:solidFill>
+                                  <a:latin typeface="Cambria Math" panose="02040503050406030204" pitchFamily="18" charset="0"/>
+                                </a:rPr>
+                              </m:ctrlPr>
+                            </m:sSupPr>
+                            <m:e>
+                              <m:d>
+                                <m:dPr>
+                                  <m:ctrlPr>
+                                    <a:rPr lang="en-US" sz="2800" b="0" i="1" dirty="0" smtClean="0">
+                                      <a:solidFill>
+                                        <a:srgbClr val="C00000"/>
+                                      </a:solidFill>
+                                      <a:latin typeface="Cambria Math" panose="02040503050406030204" pitchFamily="18" charset="0"/>
+                                    </a:rPr>
+                                  </m:ctrlPr>
+                                </m:dPr>
+                                <m:e>
+                                  <m:r>
+                                    <m:rPr>
+                                      <m:sty m:val="p"/>
+                                    </m:rPr>
+                                    <a:rPr lang="en-US" sz="2800" b="0" i="0" dirty="0" smtClean="0">
+                                      <a:solidFill>
+                                        <a:srgbClr val="C00000"/>
+                                      </a:solidFill>
+                                      <a:latin typeface="Cambria Math" panose="02040503050406030204" pitchFamily="18" charset="0"/>
+                                    </a:rPr>
+                                    <m:t>E</m:t>
+                                  </m:r>
+                                  <m:r>
+                                    <a:rPr lang="en-US" sz="2800" b="0" i="1" dirty="0" smtClean="0">
+                                      <a:solidFill>
+                                        <a:srgbClr val="C00000"/>
+                                      </a:solidFill>
+                                      <a:latin typeface="Cambria Math" panose="02040503050406030204" pitchFamily="18" charset="0"/>
+                                    </a:rPr>
+                                    <m:t>[</m:t>
+                                  </m:r>
+                                  <m:r>
+                                    <a:rPr lang="en-US" sz="2800" b="0" i="1" dirty="0" smtClean="0">
+                                      <a:solidFill>
+                                        <a:srgbClr val="C00000"/>
+                                      </a:solidFill>
+                                      <a:latin typeface="Cambria Math" panose="02040503050406030204" pitchFamily="18" charset="0"/>
+                                    </a:rPr>
+                                    <m:t>𝑋</m:t>
+                                  </m:r>
+                                  <m:r>
+                                    <a:rPr lang="en-US" sz="2800" b="0" i="1" dirty="0" smtClean="0">
+                                      <a:solidFill>
+                                        <a:srgbClr val="C00000"/>
+                                      </a:solidFill>
+                                      <a:latin typeface="Cambria Math" panose="02040503050406030204" pitchFamily="18" charset="0"/>
+                                    </a:rPr>
+                                    <m:t>]</m:t>
+                                  </m:r>
+                                </m:e>
+                              </m:d>
+                            </m:e>
+                            <m:sup>
+                              <m:r>
+                                <a:rPr lang="en-US" sz="2800" b="0" i="1" dirty="0" smtClean="0">
+                                  <a:solidFill>
+                                    <a:srgbClr val="C00000"/>
+                                  </a:solidFill>
+                                  <a:latin typeface="Cambria Math" panose="02040503050406030204" pitchFamily="18" charset="0"/>
+                                </a:rPr>
+                                <m:t>2</m:t>
+                              </m:r>
+                            </m:sup>
+                          </m:sSup>
+                        </m:e>
+                      </m:d>
+                    </m:oMath>
+                  </m:oMathPara>
+                </a14:m>
+                <a:endParaRPr lang="en-US" sz="2800" i="0" dirty="0">
+                  <a:solidFill>
+                    <a:srgbClr val="C00000"/>
+                  </a:solidFill>
+                  <a:latin typeface="Cambria Math" panose="02040503050406030204" pitchFamily="18" charset="0"/>
+                </a:endParaRPr>
+              </a:p>
+            </p:txBody>
+          </p:sp>
+        </mc:Choice>
+        <mc:Fallback>
+          <p:sp>
+            <p:nvSpPr>
+              <p:cNvPr id="6" name="TextBox 5">
+                <a:extLst>
+                  <a:ext uri="{FF2B5EF4-FFF2-40B4-BE49-F238E27FC236}">
+                    <a16:creationId xmlns:a16="http://schemas.microsoft.com/office/drawing/2014/main" id="{3F9749F5-87C9-87CA-146E-DCAA857E50AD}"/>
+                  </a:ext>
+                </a:extLst>
+              </p:cNvPr>
+              <p:cNvSpPr txBox="1">
+                <a:spLocks noRot="1" noChangeAspect="1" noMove="1" noResize="1" noEditPoints="1" noAdjustHandles="1" noChangeArrowheads="1" noChangeShapeType="1" noTextEdit="1"/>
+              </p:cNvSpPr>
+              <p:nvPr/>
+            </p:nvSpPr>
+            <p:spPr>
+              <a:xfrm>
+                <a:off x="2070846" y="2455440"/>
+                <a:ext cx="8220635" cy="523220"/>
+              </a:xfrm>
+              <a:prstGeom prst="rect">
+                <a:avLst/>
+              </a:prstGeom>
+              <a:blipFill>
+                <a:blip r:embed="rId3"/>
+                <a:stretch>
+                  <a:fillRect/>
+                </a:stretch>
+              </a:blipFill>
+            </p:spPr>
+            <p:txBody>
+              <a:bodyPr/>
+              <a:lstStyle/>
+              <a:p>
+                <a:r>
+                  <a:rPr lang="en-US">
+                    <a:noFill/>
+                  </a:rPr>
+                  <a:t> </a:t>
+                </a:r>
+              </a:p>
+            </p:txBody>
+          </p:sp>
+        </mc:Fallback>
+      </mc:AlternateContent>
+      <mc:AlternateContent xmlns:mc="http://schemas.openxmlformats.org/markup-compatibility/2006">
+        <mc:Choice xmlns:a14="http://schemas.microsoft.com/office/drawing/2010/main" Requires="a14">
+          <p:sp>
+            <p:nvSpPr>
+              <p:cNvPr id="8" name="TextBox 7">
+                <a:extLst>
+                  <a:ext uri="{FF2B5EF4-FFF2-40B4-BE49-F238E27FC236}">
+                    <a16:creationId xmlns:a16="http://schemas.microsoft.com/office/drawing/2014/main" id="{B196A660-1E9D-1EED-A4F2-FD4B2B024394}"/>
+                  </a:ext>
+                </a:extLst>
+              </p:cNvPr>
+              <p:cNvSpPr txBox="1"/>
+              <p:nvPr/>
+            </p:nvSpPr>
+            <p:spPr>
+              <a:xfrm>
+                <a:off x="4805083" y="2945179"/>
+                <a:ext cx="6096000" cy="578685"/>
+              </a:xfrm>
+              <a:prstGeom prst="rect">
+                <a:avLst/>
+              </a:prstGeom>
+              <a:noFill/>
+            </p:spPr>
+            <p:txBody>
+              <a:bodyPr wrap="square">
+                <a:spAutoFit/>
+              </a:bodyPr>
+              <a:lstStyle/>
               <a:p>
                 <a:pPr>
                   <a:buClr>
                     <a:schemeClr val="tx1"/>
                   </a:buClr>
                 </a:pPr>
+                <a14:m>
+                  <m:oMathPara xmlns:m="http://schemas.openxmlformats.org/officeDocument/2006/math">
+                    <m:oMathParaPr>
+                      <m:jc m:val="centerGroup"/>
+                    </m:oMathParaPr>
+                    <m:oMath xmlns:m="http://schemas.openxmlformats.org/officeDocument/2006/math">
+                      <m:r>
+                        <a:rPr lang="en-US" sz="2800" b="0" i="0" dirty="0" smtClean="0">
+                          <a:solidFill>
+                            <a:srgbClr val="C00000"/>
+                          </a:solidFill>
+                          <a:latin typeface="Cambria Math" panose="02040503050406030204" pitchFamily="18" charset="0"/>
+                        </a:rPr>
+                        <m:t>=</m:t>
+                      </m:r>
+                      <m:r>
+                        <m:rPr>
+                          <m:sty m:val="p"/>
+                        </m:rPr>
+                        <a:rPr lang="en-US" sz="2800" dirty="0" smtClean="0">
+                          <a:solidFill>
+                            <a:srgbClr val="C00000"/>
+                          </a:solidFill>
+                          <a:latin typeface="Cambria Math" panose="02040503050406030204" pitchFamily="18" charset="0"/>
+                        </a:rPr>
+                        <m:t>E</m:t>
+                      </m:r>
+                      <m:d>
+                        <m:dPr>
+                          <m:begChr m:val="["/>
+                          <m:endChr m:val="]"/>
+                          <m:ctrlPr>
+                            <a:rPr lang="en-US" sz="2800" i="1" dirty="0">
+                              <a:solidFill>
+                                <a:srgbClr val="C00000"/>
+                              </a:solidFill>
+                              <a:latin typeface="Cambria Math" panose="02040503050406030204" pitchFamily="18" charset="0"/>
+                            </a:rPr>
+                          </m:ctrlPr>
+                        </m:dPr>
+                        <m:e>
+                          <m:sSup>
+                            <m:sSupPr>
+                              <m:ctrlPr>
+                                <a:rPr lang="en-US" sz="2800" b="0" i="1" dirty="0" smtClean="0">
+                                  <a:solidFill>
+                                    <a:srgbClr val="C00000"/>
+                                  </a:solidFill>
+                                  <a:latin typeface="Cambria Math" panose="02040503050406030204" pitchFamily="18" charset="0"/>
+                                </a:rPr>
+                              </m:ctrlPr>
+                            </m:sSupPr>
+                            <m:e>
+                              <m:r>
+                                <a:rPr lang="en-US" sz="2800" i="1" dirty="0">
+                                  <a:solidFill>
+                                    <a:srgbClr val="C00000"/>
+                                  </a:solidFill>
+                                  <a:latin typeface="Cambria Math" panose="02040503050406030204" pitchFamily="18" charset="0"/>
+                                </a:rPr>
+                                <m:t>𝑋</m:t>
+                              </m:r>
+                            </m:e>
+                            <m:sup>
+                              <m:r>
+                                <a:rPr lang="en-US" sz="2800" b="0" i="1" dirty="0" smtClean="0">
+                                  <a:solidFill>
+                                    <a:srgbClr val="C00000"/>
+                                  </a:solidFill>
+                                  <a:latin typeface="Cambria Math" panose="02040503050406030204" pitchFamily="18" charset="0"/>
+                                </a:rPr>
+                                <m:t>2</m:t>
+                              </m:r>
+                            </m:sup>
+                          </m:sSup>
+                        </m:e>
+                      </m:d>
+                      <m:r>
+                        <a:rPr lang="en-US" sz="2800" b="0" i="1" dirty="0" smtClean="0">
+                          <a:solidFill>
+                            <a:srgbClr val="C00000"/>
+                          </a:solidFill>
+                          <a:latin typeface="Cambria Math" panose="02040503050406030204" pitchFamily="18" charset="0"/>
+                        </a:rPr>
+                        <m:t>−2</m:t>
+                      </m:r>
+                      <m:r>
+                        <m:rPr>
+                          <m:sty m:val="p"/>
+                        </m:rPr>
+                        <a:rPr lang="en-US" sz="2800" b="0" i="0" dirty="0" smtClean="0">
+                          <a:solidFill>
+                            <a:srgbClr val="C00000"/>
+                          </a:solidFill>
+                          <a:latin typeface="Cambria Math" panose="02040503050406030204" pitchFamily="18" charset="0"/>
+                        </a:rPr>
+                        <m:t>E</m:t>
+                      </m:r>
+                      <m:d>
+                        <m:dPr>
+                          <m:begChr m:val="["/>
+                          <m:endChr m:val="]"/>
+                          <m:ctrlPr>
+                            <a:rPr lang="en-US" sz="2800" b="0" i="1" dirty="0" smtClean="0">
+                              <a:solidFill>
+                                <a:srgbClr val="C00000"/>
+                              </a:solidFill>
+                              <a:latin typeface="Cambria Math" panose="02040503050406030204" pitchFamily="18" charset="0"/>
+                            </a:rPr>
+                          </m:ctrlPr>
+                        </m:dPr>
+                        <m:e>
+                          <m:r>
+                            <a:rPr lang="en-US" sz="2800" b="0" i="1" dirty="0" smtClean="0">
+                              <a:solidFill>
+                                <a:srgbClr val="C00000"/>
+                              </a:solidFill>
+                              <a:latin typeface="Cambria Math" panose="02040503050406030204" pitchFamily="18" charset="0"/>
+                            </a:rPr>
+                            <m:t>𝑋</m:t>
+                          </m:r>
+                        </m:e>
+                      </m:d>
+                      <m:r>
+                        <a:rPr lang="en-US" sz="2800" b="0" i="1" dirty="0" smtClean="0">
+                          <a:solidFill>
+                            <a:srgbClr val="C00000"/>
+                          </a:solidFill>
+                          <a:latin typeface="Cambria Math" panose="02040503050406030204" pitchFamily="18" charset="0"/>
+                        </a:rPr>
+                        <m:t>⋅</m:t>
+                      </m:r>
+                      <m:r>
+                        <m:rPr>
+                          <m:sty m:val="p"/>
+                        </m:rPr>
+                        <a:rPr lang="en-US" sz="2800" b="0" i="0" dirty="0" smtClean="0">
+                          <a:solidFill>
+                            <a:srgbClr val="C00000"/>
+                          </a:solidFill>
+                          <a:latin typeface="Cambria Math" panose="02040503050406030204" pitchFamily="18" charset="0"/>
+                        </a:rPr>
+                        <m:t>E</m:t>
+                      </m:r>
+                      <m:d>
+                        <m:dPr>
+                          <m:begChr m:val="["/>
+                          <m:endChr m:val="]"/>
+                          <m:ctrlPr>
+                            <a:rPr lang="en-US" sz="2800" b="0" i="1" dirty="0" smtClean="0">
+                              <a:solidFill>
+                                <a:srgbClr val="C00000"/>
+                              </a:solidFill>
+                              <a:latin typeface="Cambria Math" panose="02040503050406030204" pitchFamily="18" charset="0"/>
+                            </a:rPr>
+                          </m:ctrlPr>
+                        </m:dPr>
+                        <m:e>
+                          <m:r>
+                            <m:rPr>
+                              <m:sty m:val="p"/>
+                            </m:rPr>
+                            <a:rPr lang="en-US" sz="2800" b="0" i="0" dirty="0" smtClean="0">
+                              <a:solidFill>
+                                <a:srgbClr val="C00000"/>
+                              </a:solidFill>
+                              <a:latin typeface="Cambria Math" panose="02040503050406030204" pitchFamily="18" charset="0"/>
+                            </a:rPr>
+                            <m:t>E</m:t>
+                          </m:r>
+                          <m:d>
+                            <m:dPr>
+                              <m:begChr m:val="["/>
+                              <m:endChr m:val="]"/>
+                              <m:ctrlPr>
+                                <a:rPr lang="en-US" sz="2800" b="0" i="1" dirty="0" smtClean="0">
+                                  <a:solidFill>
+                                    <a:srgbClr val="C00000"/>
+                                  </a:solidFill>
+                                  <a:latin typeface="Cambria Math" panose="02040503050406030204" pitchFamily="18" charset="0"/>
+                                </a:rPr>
+                              </m:ctrlPr>
+                            </m:dPr>
+                            <m:e>
+                              <m:r>
+                                <a:rPr lang="en-US" sz="2800" b="0" i="1" dirty="0" smtClean="0">
+                                  <a:solidFill>
+                                    <a:srgbClr val="C00000"/>
+                                  </a:solidFill>
+                                  <a:latin typeface="Cambria Math" panose="02040503050406030204" pitchFamily="18" charset="0"/>
+                                </a:rPr>
+                                <m:t>𝑋</m:t>
+                              </m:r>
+                            </m:e>
+                          </m:d>
+                        </m:e>
+                      </m:d>
+                      <m:r>
+                        <a:rPr lang="en-US" sz="2800" b="0" i="1" dirty="0" smtClean="0">
+                          <a:solidFill>
+                            <a:srgbClr val="C00000"/>
+                          </a:solidFill>
+                          <a:latin typeface="Cambria Math" panose="02040503050406030204" pitchFamily="18" charset="0"/>
+                        </a:rPr>
+                        <m:t>+</m:t>
+                      </m:r>
+                      <m:sSup>
+                        <m:sSupPr>
+                          <m:ctrlPr>
+                            <a:rPr lang="en-US" sz="2800" b="0" i="1" dirty="0" smtClean="0">
+                              <a:solidFill>
+                                <a:srgbClr val="C00000"/>
+                              </a:solidFill>
+                              <a:latin typeface="Cambria Math" panose="02040503050406030204" pitchFamily="18" charset="0"/>
+                            </a:rPr>
+                          </m:ctrlPr>
+                        </m:sSupPr>
+                        <m:e>
+                          <m:d>
+                            <m:dPr>
+                              <m:ctrlPr>
+                                <a:rPr lang="en-US" sz="2800" b="0" i="1" dirty="0" smtClean="0">
+                                  <a:solidFill>
+                                    <a:srgbClr val="C00000"/>
+                                  </a:solidFill>
+                                  <a:latin typeface="Cambria Math" panose="02040503050406030204" pitchFamily="18" charset="0"/>
+                                </a:rPr>
+                              </m:ctrlPr>
+                            </m:dPr>
+                            <m:e>
+                              <m:r>
+                                <m:rPr>
+                                  <m:sty m:val="p"/>
+                                </m:rPr>
+                                <a:rPr lang="en-US" sz="2800" b="0" i="0" dirty="0" smtClean="0">
+                                  <a:solidFill>
+                                    <a:srgbClr val="C00000"/>
+                                  </a:solidFill>
+                                  <a:latin typeface="Cambria Math" panose="02040503050406030204" pitchFamily="18" charset="0"/>
+                                </a:rPr>
+                                <m:t>E</m:t>
+                              </m:r>
+                              <m:d>
+                                <m:dPr>
+                                  <m:begChr m:val="["/>
+                                  <m:endChr m:val="]"/>
+                                  <m:ctrlPr>
+                                    <a:rPr lang="en-US" sz="2800" b="0" i="1" dirty="0" smtClean="0">
+                                      <a:solidFill>
+                                        <a:srgbClr val="C00000"/>
+                                      </a:solidFill>
+                                      <a:latin typeface="Cambria Math" panose="02040503050406030204" pitchFamily="18" charset="0"/>
+                                    </a:rPr>
+                                  </m:ctrlPr>
+                                </m:dPr>
+                                <m:e>
+                                  <m:r>
+                                    <a:rPr lang="en-US" sz="2800" b="0" i="1" dirty="0" smtClean="0">
+                                      <a:solidFill>
+                                        <a:srgbClr val="C00000"/>
+                                      </a:solidFill>
+                                      <a:latin typeface="Cambria Math" panose="02040503050406030204" pitchFamily="18" charset="0"/>
+                                    </a:rPr>
+                                    <m:t>𝑋</m:t>
+                                  </m:r>
+                                </m:e>
+                              </m:d>
+                            </m:e>
+                          </m:d>
+                        </m:e>
+                        <m:sup>
+                          <m:r>
+                            <a:rPr lang="en-US" sz="2800" b="0" i="1" dirty="0" smtClean="0">
+                              <a:solidFill>
+                                <a:srgbClr val="C00000"/>
+                              </a:solidFill>
+                              <a:latin typeface="Cambria Math" panose="02040503050406030204" pitchFamily="18" charset="0"/>
+                            </a:rPr>
+                            <m:t>2</m:t>
+                          </m:r>
+                        </m:sup>
+                      </m:sSup>
+                    </m:oMath>
+                  </m:oMathPara>
+                </a14:m>
+                <a:endParaRPr lang="en-US" sz="2800" b="0" i="0" dirty="0">
+                  <a:solidFill>
+                    <a:srgbClr val="C00000"/>
+                  </a:solidFill>
+                  <a:latin typeface="Cambria Math" panose="02040503050406030204" pitchFamily="18" charset="0"/>
+                </a:endParaRPr>
+              </a:p>
+            </p:txBody>
+          </p:sp>
+        </mc:Choice>
+        <mc:Fallback>
+          <p:sp>
+            <p:nvSpPr>
+              <p:cNvPr id="8" name="TextBox 7">
+                <a:extLst>
+                  <a:ext uri="{FF2B5EF4-FFF2-40B4-BE49-F238E27FC236}">
+                    <a16:creationId xmlns:a16="http://schemas.microsoft.com/office/drawing/2014/main" id="{B196A660-1E9D-1EED-A4F2-FD4B2B024394}"/>
+                  </a:ext>
+                </a:extLst>
+              </p:cNvPr>
+              <p:cNvSpPr txBox="1">
+                <a:spLocks noRot="1" noChangeAspect="1" noMove="1" noResize="1" noEditPoints="1" noAdjustHandles="1" noChangeArrowheads="1" noChangeShapeType="1" noTextEdit="1"/>
+              </p:cNvSpPr>
+              <p:nvPr/>
+            </p:nvSpPr>
+            <p:spPr>
+              <a:xfrm>
+                <a:off x="4805083" y="2945179"/>
+                <a:ext cx="6096000" cy="578685"/>
+              </a:xfrm>
+              <a:prstGeom prst="rect">
+                <a:avLst/>
+              </a:prstGeom>
+              <a:blipFill>
+                <a:blip r:embed="rId4"/>
+                <a:stretch>
+                  <a:fillRect/>
+                </a:stretch>
+              </a:blipFill>
+            </p:spPr>
+            <p:txBody>
+              <a:bodyPr/>
+              <a:lstStyle/>
+              <a:p>
+                <a:r>
+                  <a:rPr lang="en-US">
+                    <a:noFill/>
+                  </a:rPr>
+                  <a:t> </a:t>
+                </a:r>
+              </a:p>
+            </p:txBody>
+          </p:sp>
+        </mc:Fallback>
+      </mc:AlternateContent>
+      <mc:AlternateContent xmlns:mc="http://schemas.openxmlformats.org/markup-compatibility/2006">
+        <mc:Choice xmlns:a14="http://schemas.microsoft.com/office/drawing/2010/main" Requires="a14">
+          <p:sp>
+            <p:nvSpPr>
+              <p:cNvPr id="10" name="TextBox 9">
+                <a:extLst>
+                  <a:ext uri="{FF2B5EF4-FFF2-40B4-BE49-F238E27FC236}">
+                    <a16:creationId xmlns:a16="http://schemas.microsoft.com/office/drawing/2014/main" id="{BF241DAB-AC57-7E73-58EA-53804DB01492}"/>
+                  </a:ext>
+                </a:extLst>
+              </p:cNvPr>
+              <p:cNvSpPr txBox="1"/>
+              <p:nvPr/>
+            </p:nvSpPr>
+            <p:spPr>
+              <a:xfrm>
+                <a:off x="4571999" y="3490383"/>
+                <a:ext cx="6096000" cy="523220"/>
+              </a:xfrm>
+              <a:prstGeom prst="rect">
+                <a:avLst/>
+              </a:prstGeom>
+              <a:noFill/>
+            </p:spPr>
+            <p:txBody>
+              <a:bodyPr wrap="square">
+                <a:spAutoFit/>
+              </a:bodyPr>
+              <a:lstStyle/>
+              <a:p>
+                <a:pPr>
+                  <a:buClr>
+                    <a:schemeClr val="tx1"/>
+                  </a:buClr>
+                </a:pPr>
+                <a14:m>
+                  <m:oMathPara xmlns:m="http://schemas.openxmlformats.org/officeDocument/2006/math">
+                    <m:oMathParaPr>
+                      <m:jc m:val="centerGroup"/>
+                    </m:oMathParaPr>
+                    <m:oMath xmlns:m="http://schemas.openxmlformats.org/officeDocument/2006/math">
+                      <m:r>
+                        <a:rPr lang="en-US" sz="2800" b="0" i="0" dirty="0" smtClean="0">
+                          <a:solidFill>
+                            <a:srgbClr val="C00000"/>
+                          </a:solidFill>
+                          <a:latin typeface="Cambria Math" panose="02040503050406030204" pitchFamily="18" charset="0"/>
+                        </a:rPr>
+                        <m:t>=</m:t>
+                      </m:r>
+                      <m:r>
+                        <m:rPr>
+                          <m:sty m:val="p"/>
+                        </m:rPr>
+                        <a:rPr lang="en-US" sz="2800" dirty="0" smtClean="0">
+                          <a:solidFill>
+                            <a:srgbClr val="C00000"/>
+                          </a:solidFill>
+                          <a:latin typeface="Cambria Math" panose="02040503050406030204" pitchFamily="18" charset="0"/>
+                        </a:rPr>
+                        <m:t>E</m:t>
+                      </m:r>
+                      <m:d>
+                        <m:dPr>
+                          <m:begChr m:val="["/>
+                          <m:endChr m:val="]"/>
+                          <m:ctrlPr>
+                            <a:rPr lang="en-US" sz="2800" i="1" dirty="0">
+                              <a:solidFill>
+                                <a:srgbClr val="C00000"/>
+                              </a:solidFill>
+                              <a:latin typeface="Cambria Math" panose="02040503050406030204" pitchFamily="18" charset="0"/>
+                            </a:rPr>
+                          </m:ctrlPr>
+                        </m:dPr>
+                        <m:e>
+                          <m:sSup>
+                            <m:sSupPr>
+                              <m:ctrlPr>
+                                <a:rPr lang="en-US" sz="2800" b="0" i="1" dirty="0" smtClean="0">
+                                  <a:solidFill>
+                                    <a:srgbClr val="C00000"/>
+                                  </a:solidFill>
+                                  <a:latin typeface="Cambria Math" panose="02040503050406030204" pitchFamily="18" charset="0"/>
+                                </a:rPr>
+                              </m:ctrlPr>
+                            </m:sSupPr>
+                            <m:e>
+                              <m:r>
+                                <a:rPr lang="en-US" sz="2800" i="1" dirty="0">
+                                  <a:solidFill>
+                                    <a:srgbClr val="C00000"/>
+                                  </a:solidFill>
+                                  <a:latin typeface="Cambria Math" panose="02040503050406030204" pitchFamily="18" charset="0"/>
+                                </a:rPr>
+                                <m:t>𝑋</m:t>
+                              </m:r>
+                            </m:e>
+                            <m:sup>
+                              <m:r>
+                                <a:rPr lang="en-US" sz="2800" b="0" i="1" dirty="0" smtClean="0">
+                                  <a:solidFill>
+                                    <a:srgbClr val="C00000"/>
+                                  </a:solidFill>
+                                  <a:latin typeface="Cambria Math" panose="02040503050406030204" pitchFamily="18" charset="0"/>
+                                </a:rPr>
+                                <m:t>2</m:t>
+                              </m:r>
+                            </m:sup>
+                          </m:sSup>
+                        </m:e>
+                      </m:d>
+                      <m:r>
+                        <a:rPr lang="en-US" sz="2800" b="0" i="1" dirty="0" smtClean="0">
+                          <a:solidFill>
+                            <a:srgbClr val="C00000"/>
+                          </a:solidFill>
+                          <a:latin typeface="Cambria Math" panose="02040503050406030204" pitchFamily="18" charset="0"/>
+                        </a:rPr>
+                        <m:t>−2</m:t>
+                      </m:r>
+                      <m:r>
+                        <m:rPr>
+                          <m:sty m:val="p"/>
+                        </m:rPr>
+                        <a:rPr lang="en-US" sz="2800" b="0" i="0" dirty="0" smtClean="0">
+                          <a:solidFill>
+                            <a:srgbClr val="C00000"/>
+                          </a:solidFill>
+                          <a:latin typeface="Cambria Math" panose="02040503050406030204" pitchFamily="18" charset="0"/>
+                        </a:rPr>
+                        <m:t>E</m:t>
+                      </m:r>
+                      <m:d>
+                        <m:dPr>
+                          <m:begChr m:val="["/>
+                          <m:endChr m:val="]"/>
+                          <m:ctrlPr>
+                            <a:rPr lang="en-US" sz="2800" b="0" i="1" dirty="0" smtClean="0">
+                              <a:solidFill>
+                                <a:srgbClr val="C00000"/>
+                              </a:solidFill>
+                              <a:latin typeface="Cambria Math" panose="02040503050406030204" pitchFamily="18" charset="0"/>
+                            </a:rPr>
+                          </m:ctrlPr>
+                        </m:dPr>
+                        <m:e>
+                          <m:r>
+                            <a:rPr lang="en-US" sz="2800" b="0" i="1" dirty="0" smtClean="0">
+                              <a:solidFill>
+                                <a:srgbClr val="C00000"/>
+                              </a:solidFill>
+                              <a:latin typeface="Cambria Math" panose="02040503050406030204" pitchFamily="18" charset="0"/>
+                            </a:rPr>
+                            <m:t>𝑋</m:t>
+                          </m:r>
+                        </m:e>
+                      </m:d>
+                      <m:r>
+                        <a:rPr lang="en-US" sz="2800" b="0" i="1" dirty="0" smtClean="0">
+                          <a:solidFill>
+                            <a:srgbClr val="C00000"/>
+                          </a:solidFill>
+                          <a:latin typeface="Cambria Math" panose="02040503050406030204" pitchFamily="18" charset="0"/>
+                        </a:rPr>
+                        <m:t>⋅</m:t>
+                      </m:r>
+                      <m:r>
+                        <m:rPr>
+                          <m:sty m:val="p"/>
+                        </m:rPr>
+                        <a:rPr lang="en-US" sz="2800" dirty="0">
+                          <a:solidFill>
+                            <a:srgbClr val="C00000"/>
+                          </a:solidFill>
+                          <a:latin typeface="Cambria Math" panose="02040503050406030204" pitchFamily="18" charset="0"/>
+                        </a:rPr>
+                        <m:t>E</m:t>
+                      </m:r>
+                      <m:d>
+                        <m:dPr>
+                          <m:begChr m:val="["/>
+                          <m:endChr m:val="]"/>
+                          <m:ctrlPr>
+                            <a:rPr lang="en-US" sz="2800" i="1" dirty="0">
+                              <a:solidFill>
+                                <a:srgbClr val="C00000"/>
+                              </a:solidFill>
+                              <a:latin typeface="Cambria Math" panose="02040503050406030204" pitchFamily="18" charset="0"/>
+                            </a:rPr>
+                          </m:ctrlPr>
+                        </m:dPr>
+                        <m:e>
+                          <m:r>
+                            <a:rPr lang="en-US" sz="2800" i="1" dirty="0">
+                              <a:solidFill>
+                                <a:srgbClr val="C00000"/>
+                              </a:solidFill>
+                              <a:latin typeface="Cambria Math" panose="02040503050406030204" pitchFamily="18" charset="0"/>
+                            </a:rPr>
+                            <m:t>𝑋</m:t>
+                          </m:r>
+                        </m:e>
+                      </m:d>
+                      <m:r>
+                        <a:rPr lang="en-US" sz="2800" b="0" i="1" dirty="0" smtClean="0">
+                          <a:solidFill>
+                            <a:srgbClr val="C00000"/>
+                          </a:solidFill>
+                          <a:latin typeface="Cambria Math" panose="02040503050406030204" pitchFamily="18" charset="0"/>
+                        </a:rPr>
+                        <m:t>+</m:t>
+                      </m:r>
+                      <m:sSup>
+                        <m:sSupPr>
+                          <m:ctrlPr>
+                            <a:rPr lang="en-US" sz="2800" b="0" i="1" dirty="0" smtClean="0">
+                              <a:solidFill>
+                                <a:srgbClr val="C00000"/>
+                              </a:solidFill>
+                              <a:latin typeface="Cambria Math" panose="02040503050406030204" pitchFamily="18" charset="0"/>
+                            </a:rPr>
+                          </m:ctrlPr>
+                        </m:sSupPr>
+                        <m:e>
+                          <m:d>
+                            <m:dPr>
+                              <m:ctrlPr>
+                                <a:rPr lang="en-US" sz="2800" b="0" i="1" dirty="0" smtClean="0">
+                                  <a:solidFill>
+                                    <a:srgbClr val="C00000"/>
+                                  </a:solidFill>
+                                  <a:latin typeface="Cambria Math" panose="02040503050406030204" pitchFamily="18" charset="0"/>
+                                </a:rPr>
+                              </m:ctrlPr>
+                            </m:dPr>
+                            <m:e>
+                              <m:r>
+                                <m:rPr>
+                                  <m:sty m:val="p"/>
+                                </m:rPr>
+                                <a:rPr lang="en-US" sz="2800" b="0" i="0" dirty="0" smtClean="0">
+                                  <a:solidFill>
+                                    <a:srgbClr val="C00000"/>
+                                  </a:solidFill>
+                                  <a:latin typeface="Cambria Math" panose="02040503050406030204" pitchFamily="18" charset="0"/>
+                                </a:rPr>
+                                <m:t>E</m:t>
+                              </m:r>
+                              <m:d>
+                                <m:dPr>
+                                  <m:begChr m:val="["/>
+                                  <m:endChr m:val="]"/>
+                                  <m:ctrlPr>
+                                    <a:rPr lang="en-US" sz="2800" b="0" i="1" dirty="0" smtClean="0">
+                                      <a:solidFill>
+                                        <a:srgbClr val="C00000"/>
+                                      </a:solidFill>
+                                      <a:latin typeface="Cambria Math" panose="02040503050406030204" pitchFamily="18" charset="0"/>
+                                    </a:rPr>
+                                  </m:ctrlPr>
+                                </m:dPr>
+                                <m:e>
+                                  <m:r>
+                                    <a:rPr lang="en-US" sz="2800" b="0" i="1" dirty="0" smtClean="0">
+                                      <a:solidFill>
+                                        <a:srgbClr val="C00000"/>
+                                      </a:solidFill>
+                                      <a:latin typeface="Cambria Math" panose="02040503050406030204" pitchFamily="18" charset="0"/>
+                                    </a:rPr>
+                                    <m:t>𝑋</m:t>
+                                  </m:r>
+                                </m:e>
+                              </m:d>
+                            </m:e>
+                          </m:d>
+                        </m:e>
+                        <m:sup>
+                          <m:r>
+                            <a:rPr lang="en-US" sz="2800" b="0" i="1" dirty="0" smtClean="0">
+                              <a:solidFill>
+                                <a:srgbClr val="C00000"/>
+                              </a:solidFill>
+                              <a:latin typeface="Cambria Math" panose="02040503050406030204" pitchFamily="18" charset="0"/>
+                            </a:rPr>
+                            <m:t>2</m:t>
+                          </m:r>
+                        </m:sup>
+                      </m:sSup>
+                    </m:oMath>
+                  </m:oMathPara>
+                </a14:m>
+                <a:endParaRPr lang="en-US" sz="2800" b="0" i="0" dirty="0">
+                  <a:solidFill>
+                    <a:srgbClr val="C00000"/>
+                  </a:solidFill>
+                  <a:latin typeface="Cambria Math" panose="02040503050406030204" pitchFamily="18" charset="0"/>
+                </a:endParaRPr>
+              </a:p>
+            </p:txBody>
+          </p:sp>
+        </mc:Choice>
+        <mc:Fallback>
+          <p:sp>
+            <p:nvSpPr>
+              <p:cNvPr id="10" name="TextBox 9">
+                <a:extLst>
+                  <a:ext uri="{FF2B5EF4-FFF2-40B4-BE49-F238E27FC236}">
+                    <a16:creationId xmlns:a16="http://schemas.microsoft.com/office/drawing/2014/main" id="{BF241DAB-AC57-7E73-58EA-53804DB01492}"/>
+                  </a:ext>
+                </a:extLst>
+              </p:cNvPr>
+              <p:cNvSpPr txBox="1">
+                <a:spLocks noRot="1" noChangeAspect="1" noMove="1" noResize="1" noEditPoints="1" noAdjustHandles="1" noChangeArrowheads="1" noChangeShapeType="1" noTextEdit="1"/>
+              </p:cNvSpPr>
+              <p:nvPr/>
+            </p:nvSpPr>
+            <p:spPr>
+              <a:xfrm>
+                <a:off x="4571999" y="3490383"/>
+                <a:ext cx="6096000" cy="523220"/>
+              </a:xfrm>
+              <a:prstGeom prst="rect">
+                <a:avLst/>
+              </a:prstGeom>
+              <a:blipFill>
+                <a:blip r:embed="rId5"/>
+                <a:stretch>
+                  <a:fillRect/>
+                </a:stretch>
+              </a:blipFill>
+            </p:spPr>
+            <p:txBody>
+              <a:bodyPr/>
+              <a:lstStyle/>
+              <a:p>
+                <a:r>
+                  <a:rPr lang="en-US">
+                    <a:noFill/>
+                  </a:rPr>
+                  <a:t> </a:t>
+                </a:r>
+              </a:p>
+            </p:txBody>
+          </p:sp>
+        </mc:Fallback>
+      </mc:AlternateContent>
+      <mc:AlternateContent xmlns:mc="http://schemas.openxmlformats.org/markup-compatibility/2006">
+        <mc:Choice xmlns:a14="http://schemas.microsoft.com/office/drawing/2010/main" Requires="a14">
+          <p:sp>
+            <p:nvSpPr>
+              <p:cNvPr id="12" name="TextBox 11">
+                <a:extLst>
+                  <a:ext uri="{FF2B5EF4-FFF2-40B4-BE49-F238E27FC236}">
+                    <a16:creationId xmlns:a16="http://schemas.microsoft.com/office/drawing/2014/main" id="{5F9FD21E-0B14-01A9-FF7C-1561AE57C045}"/>
+                  </a:ext>
+                </a:extLst>
+              </p:cNvPr>
+              <p:cNvSpPr txBox="1"/>
+              <p:nvPr/>
+            </p:nvSpPr>
+            <p:spPr>
+              <a:xfrm>
+                <a:off x="4338915" y="4002106"/>
+                <a:ext cx="6096000" cy="523220"/>
+              </a:xfrm>
+              <a:prstGeom prst="rect">
+                <a:avLst/>
+              </a:prstGeom>
+              <a:noFill/>
+            </p:spPr>
+            <p:txBody>
+              <a:bodyPr wrap="square">
+                <a:spAutoFit/>
+              </a:bodyPr>
+              <a:lstStyle/>
+              <a:p>
+                <a:pPr>
+                  <a:buClr>
+                    <a:schemeClr val="tx1"/>
+                  </a:buClr>
+                </a:pPr>
+                <a14:m>
+                  <m:oMathPara xmlns:m="http://schemas.openxmlformats.org/officeDocument/2006/math">
+                    <m:oMathParaPr>
+                      <m:jc m:val="centerGroup"/>
+                    </m:oMathParaPr>
+                    <m:oMath xmlns:m="http://schemas.openxmlformats.org/officeDocument/2006/math">
+                      <m:r>
+                        <a:rPr lang="en-US" sz="2800" b="0" i="0" dirty="0" smtClean="0">
+                          <a:solidFill>
+                            <a:srgbClr val="C00000"/>
+                          </a:solidFill>
+                          <a:latin typeface="Cambria Math" panose="02040503050406030204" pitchFamily="18" charset="0"/>
+                        </a:rPr>
+                        <m:t>=</m:t>
+                      </m:r>
+                      <m:r>
+                        <m:rPr>
+                          <m:sty m:val="p"/>
+                        </m:rPr>
+                        <a:rPr lang="en-US" sz="2800" dirty="0" smtClean="0">
+                          <a:solidFill>
+                            <a:srgbClr val="C00000"/>
+                          </a:solidFill>
+                          <a:latin typeface="Cambria Math" panose="02040503050406030204" pitchFamily="18" charset="0"/>
+                        </a:rPr>
+                        <m:t>E</m:t>
+                      </m:r>
+                      <m:d>
+                        <m:dPr>
+                          <m:begChr m:val="["/>
+                          <m:endChr m:val="]"/>
+                          <m:ctrlPr>
+                            <a:rPr lang="en-US" sz="2800" i="1" dirty="0">
+                              <a:solidFill>
+                                <a:srgbClr val="C00000"/>
+                              </a:solidFill>
+                              <a:latin typeface="Cambria Math" panose="02040503050406030204" pitchFamily="18" charset="0"/>
+                            </a:rPr>
+                          </m:ctrlPr>
+                        </m:dPr>
+                        <m:e>
+                          <m:sSup>
+                            <m:sSupPr>
+                              <m:ctrlPr>
+                                <a:rPr lang="en-US" sz="2800" b="0" i="1" dirty="0" smtClean="0">
+                                  <a:solidFill>
+                                    <a:srgbClr val="C00000"/>
+                                  </a:solidFill>
+                                  <a:latin typeface="Cambria Math" panose="02040503050406030204" pitchFamily="18" charset="0"/>
+                                </a:rPr>
+                              </m:ctrlPr>
+                            </m:sSupPr>
+                            <m:e>
+                              <m:r>
+                                <a:rPr lang="en-US" sz="2800" i="1" dirty="0">
+                                  <a:solidFill>
+                                    <a:srgbClr val="C00000"/>
+                                  </a:solidFill>
+                                  <a:latin typeface="Cambria Math" panose="02040503050406030204" pitchFamily="18" charset="0"/>
+                                </a:rPr>
+                                <m:t>𝑋</m:t>
+                              </m:r>
+                            </m:e>
+                            <m:sup>
+                              <m:r>
+                                <a:rPr lang="en-US" sz="2800" b="0" i="1" dirty="0" smtClean="0">
+                                  <a:solidFill>
+                                    <a:srgbClr val="C00000"/>
+                                  </a:solidFill>
+                                  <a:latin typeface="Cambria Math" panose="02040503050406030204" pitchFamily="18" charset="0"/>
+                                </a:rPr>
+                                <m:t>2</m:t>
+                              </m:r>
+                            </m:sup>
+                          </m:sSup>
+                        </m:e>
+                      </m:d>
+                      <m:r>
+                        <a:rPr lang="en-US" sz="2800" b="0" i="1" dirty="0" smtClean="0">
+                          <a:solidFill>
+                            <a:srgbClr val="C00000"/>
+                          </a:solidFill>
+                          <a:latin typeface="Cambria Math" panose="02040503050406030204" pitchFamily="18" charset="0"/>
+                        </a:rPr>
+                        <m:t>−2</m:t>
+                      </m:r>
+                      <m:sSup>
+                        <m:sSupPr>
+                          <m:ctrlPr>
+                            <a:rPr lang="en-US" sz="2800" i="1" dirty="0">
+                              <a:solidFill>
+                                <a:srgbClr val="C00000"/>
+                              </a:solidFill>
+                              <a:latin typeface="Cambria Math" panose="02040503050406030204" pitchFamily="18" charset="0"/>
+                            </a:rPr>
+                          </m:ctrlPr>
+                        </m:sSupPr>
+                        <m:e>
+                          <m:d>
+                            <m:dPr>
+                              <m:ctrlPr>
+                                <a:rPr lang="en-US" sz="2800" i="1" dirty="0">
+                                  <a:solidFill>
+                                    <a:srgbClr val="C00000"/>
+                                  </a:solidFill>
+                                  <a:latin typeface="Cambria Math" panose="02040503050406030204" pitchFamily="18" charset="0"/>
+                                </a:rPr>
+                              </m:ctrlPr>
+                            </m:dPr>
+                            <m:e>
+                              <m:r>
+                                <m:rPr>
+                                  <m:sty m:val="p"/>
+                                </m:rPr>
+                                <a:rPr lang="en-US" sz="2800" dirty="0">
+                                  <a:solidFill>
+                                    <a:srgbClr val="C00000"/>
+                                  </a:solidFill>
+                                  <a:latin typeface="Cambria Math" panose="02040503050406030204" pitchFamily="18" charset="0"/>
+                                </a:rPr>
+                                <m:t>E</m:t>
+                              </m:r>
+                              <m:d>
+                                <m:dPr>
+                                  <m:begChr m:val="["/>
+                                  <m:endChr m:val="]"/>
+                                  <m:ctrlPr>
+                                    <a:rPr lang="en-US" sz="2800" i="1" dirty="0">
+                                      <a:solidFill>
+                                        <a:srgbClr val="C00000"/>
+                                      </a:solidFill>
+                                      <a:latin typeface="Cambria Math" panose="02040503050406030204" pitchFamily="18" charset="0"/>
+                                    </a:rPr>
+                                  </m:ctrlPr>
+                                </m:dPr>
+                                <m:e>
+                                  <m:r>
+                                    <a:rPr lang="en-US" sz="2800" i="1" dirty="0">
+                                      <a:solidFill>
+                                        <a:srgbClr val="C00000"/>
+                                      </a:solidFill>
+                                      <a:latin typeface="Cambria Math" panose="02040503050406030204" pitchFamily="18" charset="0"/>
+                                    </a:rPr>
+                                    <m:t>𝑋</m:t>
+                                  </m:r>
+                                </m:e>
+                              </m:d>
+                            </m:e>
+                          </m:d>
+                        </m:e>
+                        <m:sup>
+                          <m:r>
+                            <a:rPr lang="en-US" sz="2800" i="1" dirty="0">
+                              <a:solidFill>
+                                <a:srgbClr val="C00000"/>
+                              </a:solidFill>
+                              <a:latin typeface="Cambria Math" panose="02040503050406030204" pitchFamily="18" charset="0"/>
+                            </a:rPr>
+                            <m:t>2</m:t>
+                          </m:r>
+                        </m:sup>
+                      </m:sSup>
+                      <m:r>
+                        <a:rPr lang="en-US" sz="2800" b="0" i="1" dirty="0" smtClean="0">
+                          <a:solidFill>
+                            <a:srgbClr val="C00000"/>
+                          </a:solidFill>
+                          <a:latin typeface="Cambria Math" panose="02040503050406030204" pitchFamily="18" charset="0"/>
+                        </a:rPr>
+                        <m:t>+</m:t>
+                      </m:r>
+                      <m:sSup>
+                        <m:sSupPr>
+                          <m:ctrlPr>
+                            <a:rPr lang="en-US" sz="2800" b="0" i="1" dirty="0" smtClean="0">
+                              <a:solidFill>
+                                <a:srgbClr val="C00000"/>
+                              </a:solidFill>
+                              <a:latin typeface="Cambria Math" panose="02040503050406030204" pitchFamily="18" charset="0"/>
+                            </a:rPr>
+                          </m:ctrlPr>
+                        </m:sSupPr>
+                        <m:e>
+                          <m:d>
+                            <m:dPr>
+                              <m:ctrlPr>
+                                <a:rPr lang="en-US" sz="2800" b="0" i="1" dirty="0" smtClean="0">
+                                  <a:solidFill>
+                                    <a:srgbClr val="C00000"/>
+                                  </a:solidFill>
+                                  <a:latin typeface="Cambria Math" panose="02040503050406030204" pitchFamily="18" charset="0"/>
+                                </a:rPr>
+                              </m:ctrlPr>
+                            </m:dPr>
+                            <m:e>
+                              <m:r>
+                                <m:rPr>
+                                  <m:sty m:val="p"/>
+                                </m:rPr>
+                                <a:rPr lang="en-US" sz="2800" b="0" i="0" dirty="0" smtClean="0">
+                                  <a:solidFill>
+                                    <a:srgbClr val="C00000"/>
+                                  </a:solidFill>
+                                  <a:latin typeface="Cambria Math" panose="02040503050406030204" pitchFamily="18" charset="0"/>
+                                </a:rPr>
+                                <m:t>E</m:t>
+                              </m:r>
+                              <m:d>
+                                <m:dPr>
+                                  <m:begChr m:val="["/>
+                                  <m:endChr m:val="]"/>
+                                  <m:ctrlPr>
+                                    <a:rPr lang="en-US" sz="2800" b="0" i="1" dirty="0" smtClean="0">
+                                      <a:solidFill>
+                                        <a:srgbClr val="C00000"/>
+                                      </a:solidFill>
+                                      <a:latin typeface="Cambria Math" panose="02040503050406030204" pitchFamily="18" charset="0"/>
+                                    </a:rPr>
+                                  </m:ctrlPr>
+                                </m:dPr>
+                                <m:e>
+                                  <m:r>
+                                    <a:rPr lang="en-US" sz="2800" b="0" i="1" dirty="0" smtClean="0">
+                                      <a:solidFill>
+                                        <a:srgbClr val="C00000"/>
+                                      </a:solidFill>
+                                      <a:latin typeface="Cambria Math" panose="02040503050406030204" pitchFamily="18" charset="0"/>
+                                    </a:rPr>
+                                    <m:t>𝑋</m:t>
+                                  </m:r>
+                                </m:e>
+                              </m:d>
+                            </m:e>
+                          </m:d>
+                        </m:e>
+                        <m:sup>
+                          <m:r>
+                            <a:rPr lang="en-US" sz="2800" b="0" i="1" dirty="0" smtClean="0">
+                              <a:solidFill>
+                                <a:srgbClr val="C00000"/>
+                              </a:solidFill>
+                              <a:latin typeface="Cambria Math" panose="02040503050406030204" pitchFamily="18" charset="0"/>
+                            </a:rPr>
+                            <m:t>2</m:t>
+                          </m:r>
+                        </m:sup>
+                      </m:sSup>
+                    </m:oMath>
+                  </m:oMathPara>
+                </a14:m>
+                <a:endParaRPr lang="en-US" sz="2800" i="0" dirty="0">
+                  <a:solidFill>
+                    <a:srgbClr val="C00000"/>
+                  </a:solidFill>
+                  <a:latin typeface="Cambria Math" panose="02040503050406030204" pitchFamily="18" charset="0"/>
+                </a:endParaRPr>
+              </a:p>
+            </p:txBody>
+          </p:sp>
+        </mc:Choice>
+        <mc:Fallback>
+          <p:sp>
+            <p:nvSpPr>
+              <p:cNvPr id="12" name="TextBox 11">
+                <a:extLst>
+                  <a:ext uri="{FF2B5EF4-FFF2-40B4-BE49-F238E27FC236}">
+                    <a16:creationId xmlns:a16="http://schemas.microsoft.com/office/drawing/2014/main" id="{5F9FD21E-0B14-01A9-FF7C-1561AE57C045}"/>
+                  </a:ext>
+                </a:extLst>
+              </p:cNvPr>
+              <p:cNvSpPr txBox="1">
+                <a:spLocks noRot="1" noChangeAspect="1" noMove="1" noResize="1" noEditPoints="1" noAdjustHandles="1" noChangeArrowheads="1" noChangeShapeType="1" noTextEdit="1"/>
+              </p:cNvSpPr>
+              <p:nvPr/>
+            </p:nvSpPr>
+            <p:spPr>
+              <a:xfrm>
+                <a:off x="4338915" y="4002106"/>
+                <a:ext cx="6096000" cy="523220"/>
+              </a:xfrm>
+              <a:prstGeom prst="rect">
+                <a:avLst/>
+              </a:prstGeom>
+              <a:blipFill>
+                <a:blip r:embed="rId6"/>
+                <a:stretch>
+                  <a:fillRect/>
+                </a:stretch>
+              </a:blipFill>
+            </p:spPr>
+            <p:txBody>
+              <a:bodyPr/>
+              <a:lstStyle/>
+              <a:p>
+                <a:r>
+                  <a:rPr lang="en-US">
+                    <a:noFill/>
+                  </a:rPr>
+                  <a:t> </a:t>
+                </a:r>
+              </a:p>
+            </p:txBody>
+          </p:sp>
+        </mc:Fallback>
+      </mc:AlternateContent>
+      <mc:AlternateContent xmlns:mc="http://schemas.openxmlformats.org/markup-compatibility/2006">
+        <mc:Choice xmlns:a14="http://schemas.microsoft.com/office/drawing/2010/main" Requires="a14">
+          <p:sp>
+            <p:nvSpPr>
+              <p:cNvPr id="14" name="TextBox 13">
+                <a:extLst>
+                  <a:ext uri="{FF2B5EF4-FFF2-40B4-BE49-F238E27FC236}">
+                    <a16:creationId xmlns:a16="http://schemas.microsoft.com/office/drawing/2014/main" id="{E7FA51F0-F94D-A4C6-8F62-6B98C269D44A}"/>
+                  </a:ext>
+                </a:extLst>
+              </p:cNvPr>
+              <p:cNvSpPr txBox="1"/>
+              <p:nvPr/>
+            </p:nvSpPr>
+            <p:spPr>
+              <a:xfrm>
+                <a:off x="4195481" y="4525326"/>
+                <a:ext cx="6096000" cy="523220"/>
+              </a:xfrm>
+              <a:prstGeom prst="rect">
+                <a:avLst/>
+              </a:prstGeom>
+              <a:noFill/>
+            </p:spPr>
+            <p:txBody>
+              <a:bodyPr wrap="square">
+                <a:spAutoFit/>
+              </a:bodyPr>
+              <a:lstStyle/>
+              <a:p>
+                <a:pPr>
+                  <a:buClr>
+                    <a:schemeClr val="tx1"/>
+                  </a:buClr>
+                </a:pPr>
+                <a14:m>
+                  <m:oMathPara xmlns:m="http://schemas.openxmlformats.org/officeDocument/2006/math">
+                    <m:oMathParaPr>
+                      <m:jc m:val="centerGroup"/>
+                    </m:oMathParaPr>
+                    <m:oMath xmlns:m="http://schemas.openxmlformats.org/officeDocument/2006/math">
+                      <m:r>
+                        <a:rPr lang="en-US" sz="2800" b="0" i="0" dirty="0" smtClean="0">
+                          <a:solidFill>
+                            <a:srgbClr val="C00000"/>
+                          </a:solidFill>
+                          <a:latin typeface="Cambria Math" panose="02040503050406030204" pitchFamily="18" charset="0"/>
+                        </a:rPr>
+                        <m:t>=</m:t>
+                      </m:r>
+                      <m:r>
+                        <m:rPr>
+                          <m:sty m:val="p"/>
+                        </m:rPr>
+                        <a:rPr lang="en-US" sz="2800" dirty="0" smtClean="0">
+                          <a:solidFill>
+                            <a:srgbClr val="C00000"/>
+                          </a:solidFill>
+                          <a:latin typeface="Cambria Math" panose="02040503050406030204" pitchFamily="18" charset="0"/>
+                        </a:rPr>
+                        <m:t>E</m:t>
+                      </m:r>
+                      <m:d>
+                        <m:dPr>
+                          <m:begChr m:val="["/>
+                          <m:endChr m:val="]"/>
+                          <m:ctrlPr>
+                            <a:rPr lang="en-US" sz="2800" i="1" dirty="0">
+                              <a:solidFill>
+                                <a:srgbClr val="C00000"/>
+                              </a:solidFill>
+                              <a:latin typeface="Cambria Math" panose="02040503050406030204" pitchFamily="18" charset="0"/>
+                            </a:rPr>
+                          </m:ctrlPr>
+                        </m:dPr>
+                        <m:e>
+                          <m:sSup>
+                            <m:sSupPr>
+                              <m:ctrlPr>
+                                <a:rPr lang="en-US" sz="2800" i="1" dirty="0">
+                                  <a:solidFill>
+                                    <a:srgbClr val="C00000"/>
+                                  </a:solidFill>
+                                  <a:latin typeface="Cambria Math" panose="02040503050406030204" pitchFamily="18" charset="0"/>
+                                </a:rPr>
+                              </m:ctrlPr>
+                            </m:sSupPr>
+                            <m:e>
+                              <m:r>
+                                <a:rPr lang="en-US" sz="2800" i="1" dirty="0">
+                                  <a:solidFill>
+                                    <a:srgbClr val="C00000"/>
+                                  </a:solidFill>
+                                  <a:latin typeface="Cambria Math" panose="02040503050406030204" pitchFamily="18" charset="0"/>
+                                </a:rPr>
+                                <m:t>𝑋</m:t>
+                              </m:r>
+                            </m:e>
+                            <m:sup>
+                              <m:r>
+                                <a:rPr lang="en-US" sz="2800" i="1" dirty="0">
+                                  <a:solidFill>
+                                    <a:srgbClr val="C00000"/>
+                                  </a:solidFill>
+                                  <a:latin typeface="Cambria Math" panose="02040503050406030204" pitchFamily="18" charset="0"/>
+                                </a:rPr>
+                                <m:t>2</m:t>
+                              </m:r>
+                            </m:sup>
+                          </m:sSup>
+                        </m:e>
+                      </m:d>
+                      <m:r>
+                        <a:rPr lang="en-US" sz="2800" i="1" dirty="0">
+                          <a:solidFill>
+                            <a:srgbClr val="C00000"/>
+                          </a:solidFill>
+                          <a:latin typeface="Cambria Math" panose="02040503050406030204" pitchFamily="18" charset="0"/>
+                        </a:rPr>
+                        <m:t>−</m:t>
+                      </m:r>
+                      <m:sSup>
+                        <m:sSupPr>
+                          <m:ctrlPr>
+                            <a:rPr lang="en-US" sz="2800" i="1" dirty="0">
+                              <a:solidFill>
+                                <a:srgbClr val="C00000"/>
+                              </a:solidFill>
+                              <a:latin typeface="Cambria Math" panose="02040503050406030204" pitchFamily="18" charset="0"/>
+                            </a:rPr>
+                          </m:ctrlPr>
+                        </m:sSupPr>
+                        <m:e>
+                          <m:d>
+                            <m:dPr>
+                              <m:ctrlPr>
+                                <a:rPr lang="en-US" sz="2800" i="1" dirty="0">
+                                  <a:solidFill>
+                                    <a:srgbClr val="C00000"/>
+                                  </a:solidFill>
+                                  <a:latin typeface="Cambria Math" panose="02040503050406030204" pitchFamily="18" charset="0"/>
+                                </a:rPr>
+                              </m:ctrlPr>
+                            </m:dPr>
+                            <m:e>
+                              <m:r>
+                                <m:rPr>
+                                  <m:sty m:val="p"/>
+                                </m:rPr>
+                                <a:rPr lang="en-US" sz="2800" dirty="0">
+                                  <a:solidFill>
+                                    <a:srgbClr val="C00000"/>
+                                  </a:solidFill>
+                                  <a:latin typeface="Cambria Math" panose="02040503050406030204" pitchFamily="18" charset="0"/>
+                                </a:rPr>
+                                <m:t>E</m:t>
+                              </m:r>
+                              <m:d>
+                                <m:dPr>
+                                  <m:begChr m:val="["/>
+                                  <m:endChr m:val="]"/>
+                                  <m:ctrlPr>
+                                    <a:rPr lang="en-US" sz="2800" i="1" dirty="0">
+                                      <a:solidFill>
+                                        <a:srgbClr val="C00000"/>
+                                      </a:solidFill>
+                                      <a:latin typeface="Cambria Math" panose="02040503050406030204" pitchFamily="18" charset="0"/>
+                                    </a:rPr>
+                                  </m:ctrlPr>
+                                </m:dPr>
+                                <m:e>
+                                  <m:r>
+                                    <a:rPr lang="en-US" sz="2800" i="1" dirty="0">
+                                      <a:solidFill>
+                                        <a:srgbClr val="C00000"/>
+                                      </a:solidFill>
+                                      <a:latin typeface="Cambria Math" panose="02040503050406030204" pitchFamily="18" charset="0"/>
+                                    </a:rPr>
+                                    <m:t>𝑋</m:t>
+                                  </m:r>
+                                </m:e>
+                              </m:d>
+                            </m:e>
+                          </m:d>
+                        </m:e>
+                        <m:sup>
+                          <m:r>
+                            <a:rPr lang="en-US" sz="2800" i="1" dirty="0">
+                              <a:solidFill>
+                                <a:srgbClr val="C00000"/>
+                              </a:solidFill>
+                              <a:latin typeface="Cambria Math" panose="02040503050406030204" pitchFamily="18" charset="0"/>
+                            </a:rPr>
+                            <m:t>2</m:t>
+                          </m:r>
+                        </m:sup>
+                      </m:sSup>
+                      <m:r>
+                        <a:rPr lang="en-US" sz="2800" b="0" i="0" dirty="0" smtClean="0">
+                          <a:solidFill>
+                            <a:srgbClr val="C00000"/>
+                          </a:solidFill>
+                          <a:latin typeface="Cambria Math" panose="02040503050406030204" pitchFamily="18" charset="0"/>
+                        </a:rPr>
+                        <m:t>=</m:t>
+                      </m:r>
+                      <m:r>
+                        <m:rPr>
+                          <m:sty m:val="p"/>
+                        </m:rPr>
+                        <a:rPr lang="en-US" sz="2800" b="0" i="0" dirty="0" smtClean="0">
+                          <a:solidFill>
+                            <a:srgbClr val="C00000"/>
+                          </a:solidFill>
+                          <a:latin typeface="Cambria Math" panose="02040503050406030204" pitchFamily="18" charset="0"/>
+                        </a:rPr>
+                        <m:t>Var</m:t>
+                      </m:r>
+                      <m:d>
+                        <m:dPr>
+                          <m:begChr m:val="["/>
+                          <m:endChr m:val="]"/>
+                          <m:ctrlPr>
+                            <a:rPr lang="en-US" sz="2800" b="0" i="1" dirty="0" smtClean="0">
+                              <a:solidFill>
+                                <a:srgbClr val="C00000"/>
+                              </a:solidFill>
+                              <a:latin typeface="Cambria Math" panose="02040503050406030204" pitchFamily="18" charset="0"/>
+                            </a:rPr>
+                          </m:ctrlPr>
+                        </m:dPr>
+                        <m:e>
+                          <m:r>
+                            <a:rPr lang="en-US" sz="2800" b="0" i="1" dirty="0" smtClean="0">
+                              <a:solidFill>
+                                <a:srgbClr val="C00000"/>
+                              </a:solidFill>
+                              <a:latin typeface="Cambria Math" panose="02040503050406030204" pitchFamily="18" charset="0"/>
+                            </a:rPr>
+                            <m:t>𝑋</m:t>
+                          </m:r>
+                        </m:e>
+                      </m:d>
+                    </m:oMath>
+                  </m:oMathPara>
+                </a14:m>
+                <a:endParaRPr lang="en-US" sz="2800" dirty="0"/>
+              </a:p>
+            </p:txBody>
+          </p:sp>
+        </mc:Choice>
+        <mc:Fallback>
+          <p:sp>
+            <p:nvSpPr>
+              <p:cNvPr id="14" name="TextBox 13">
+                <a:extLst>
+                  <a:ext uri="{FF2B5EF4-FFF2-40B4-BE49-F238E27FC236}">
+                    <a16:creationId xmlns:a16="http://schemas.microsoft.com/office/drawing/2014/main" id="{E7FA51F0-F94D-A4C6-8F62-6B98C269D44A}"/>
+                  </a:ext>
+                </a:extLst>
+              </p:cNvPr>
+              <p:cNvSpPr txBox="1">
+                <a:spLocks noRot="1" noChangeAspect="1" noMove="1" noResize="1" noEditPoints="1" noAdjustHandles="1" noChangeArrowheads="1" noChangeShapeType="1" noTextEdit="1"/>
+              </p:cNvSpPr>
+              <p:nvPr/>
+            </p:nvSpPr>
+            <p:spPr>
+              <a:xfrm>
+                <a:off x="4195481" y="4525326"/>
+                <a:ext cx="6096000" cy="523220"/>
+              </a:xfrm>
+              <a:prstGeom prst="rect">
+                <a:avLst/>
+              </a:prstGeom>
+              <a:blipFill>
+                <a:blip r:embed="rId7"/>
+                <a:stretch>
+                  <a:fillRect/>
+                </a:stretch>
+              </a:blipFill>
+            </p:spPr>
+            <p:txBody>
+              <a:bodyPr/>
+              <a:lstStyle/>
+              <a:p>
+                <a:r>
+                  <a:rPr lang="en-US">
+                    <a:noFill/>
+                  </a:rPr>
+                  <a:t> </a:t>
+                </a:r>
+              </a:p>
+            </p:txBody>
+          </p:sp>
+        </mc:Fallback>
+      </mc:AlternateContent>
+    </p:spTree>
+    <p:extLst>
+      <p:ext uri="{BB962C8B-B14F-4D97-AF65-F5344CB8AC3E}">
+        <p14:creationId xmlns:p14="http://schemas.microsoft.com/office/powerpoint/2010/main" val="1637800675"/>
+      </p:ext>
+    </p:extLst>
+  </p:cSld>
+  <p:clrMapOvr>
+    <a:masterClrMapping/>
+  </p:clrMapOvr>
+</p:sld>
+</file>
+
+<file path=ppt/slides/slide8.xml><?xml version="1.0" encoding="utf-8"?>
+<p:sld xmlns:a="http://schemas.openxmlformats.org/drawingml/2006/main" xmlns:r="http://schemas.openxmlformats.org/officeDocument/2006/relationships" xmlns:p="http://schemas.openxmlformats.org/presentationml/2006/main">
+  <p:cSld>
+    <p:spTree>
+      <p:nvGrpSpPr>
+        <p:cNvPr id="1" name=""/>
+        <p:cNvGrpSpPr/>
+        <p:nvPr/>
+      </p:nvGrpSpPr>
+      <p:grpSpPr>
+        <a:xfrm>
+          <a:off x="0" y="0"/>
+          <a:ext cx="0" cy="0"/>
+          <a:chOff x="0" y="0"/>
+          <a:chExt cx="0" cy="0"/>
+        </a:xfrm>
+      </p:grpSpPr>
+      <p:sp>
+        <p:nvSpPr>
+          <p:cNvPr id="2" name="Title 1">
+            <a:extLst>
+              <a:ext uri="{FF2B5EF4-FFF2-40B4-BE49-F238E27FC236}">
+                <a16:creationId xmlns:a16="http://schemas.microsoft.com/office/drawing/2014/main" id="{A49DDC00-2744-B7F9-8394-609BE1AEC413}"/>
+              </a:ext>
+            </a:extLst>
+          </p:cNvPr>
+          <p:cNvSpPr>
+            <a:spLocks noGrp="1"/>
+          </p:cNvSpPr>
+          <p:nvPr>
+            <p:ph type="title"/>
+          </p:nvPr>
+        </p:nvSpPr>
+        <p:spPr/>
+        <p:txBody>
+          <a:bodyPr/>
+          <a:lstStyle/>
+          <a:p>
+            <a:r>
+              <a:rPr lang="en-US" dirty="0">
+                <a:solidFill>
+                  <a:srgbClr val="C00000"/>
+                </a:solidFill>
+              </a:rPr>
+              <a:t>Variance</a:t>
+            </a:r>
+            <a:endParaRPr lang="en-US" dirty="0"/>
+          </a:p>
+        </p:txBody>
+      </p:sp>
+      <mc:AlternateContent xmlns:mc="http://schemas.openxmlformats.org/markup-compatibility/2006" xmlns:a14="http://schemas.microsoft.com/office/drawing/2010/main">
+        <mc:Choice Requires="a14">
+          <p:sp>
+            <p:nvSpPr>
+              <p:cNvPr id="3" name="Content Placeholder 2">
+                <a:extLst>
+                  <a:ext uri="{FF2B5EF4-FFF2-40B4-BE49-F238E27FC236}">
+                    <a16:creationId xmlns:a16="http://schemas.microsoft.com/office/drawing/2014/main" id="{6666941B-6AAA-DFD0-8896-ACB1B4FE2AC6}"/>
+                  </a:ext>
+                </a:extLst>
+              </p:cNvPr>
+              <p:cNvSpPr>
+                <a:spLocks noGrp="1"/>
+              </p:cNvSpPr>
+              <p:nvPr>
+                <p:ph idx="1"/>
+              </p:nvPr>
+            </p:nvSpPr>
+            <p:spPr>
+              <a:xfrm>
+                <a:off x="838200" y="1825625"/>
+                <a:ext cx="10515600" cy="4667250"/>
+              </a:xfrm>
+            </p:spPr>
+            <p:txBody>
+              <a:bodyPr>
+                <a:normAutofit/>
+              </a:bodyPr>
+              <a:lstStyle/>
+              <a:p>
+                <a:r>
+                  <a:rPr lang="en-US" dirty="0"/>
+                  <a:t>The variance of a random variable </a:t>
+                </a:r>
+                <a14:m>
+                  <m:oMath xmlns:m="http://schemas.openxmlformats.org/officeDocument/2006/math">
+                    <m:r>
+                      <a:rPr lang="en-US" b="0" i="1" dirty="0" smtClean="0">
+                        <a:solidFill>
+                          <a:srgbClr val="C00000"/>
+                        </a:solidFill>
+                        <a:latin typeface="Cambria Math" panose="02040503050406030204" pitchFamily="18" charset="0"/>
+                      </a:rPr>
+                      <m:t>𝑋</m:t>
+                    </m:r>
+                  </m:oMath>
+                </a14:m>
+                <a:r>
+                  <a:rPr lang="en-US" dirty="0"/>
+                  <a:t> over </a:t>
+                </a:r>
+                <a14:m>
+                  <m:oMath xmlns:m="http://schemas.openxmlformats.org/officeDocument/2006/math">
+                    <m:r>
+                      <m:rPr>
+                        <m:sty m:val="p"/>
+                      </m:rPr>
+                      <a:rPr lang="en-US" b="0" i="0" dirty="0" smtClean="0">
+                        <a:solidFill>
+                          <a:srgbClr val="C00000"/>
+                        </a:solidFill>
+                        <a:latin typeface="Cambria Math" panose="02040503050406030204" pitchFamily="18" charset="0"/>
+                      </a:rPr>
+                      <m:t>Ω</m:t>
+                    </m:r>
+                  </m:oMath>
+                </a14:m>
+                <a:r>
+                  <a:rPr lang="en-US" dirty="0"/>
+                  <a:t> is:</a:t>
+                </a:r>
+              </a:p>
+              <a:p>
+                <a:endParaRPr lang="en-US" dirty="0"/>
+              </a:p>
+              <a:p>
+                <a:endParaRPr lang="en-US" dirty="0"/>
+              </a:p>
+              <a:p>
                 <a:endParaRPr lang="en-US" dirty="0"/>
               </a:p>
               <a:p>
@@ -24441,8 +27636,172 @@
                 </a:pPr>
                 <a:r>
                   <a:rPr lang="en-US" dirty="0"/>
-                  <a:t>“How far numbers are from the average”</a:t>
+                  <a:t>Linearity of variance for </a:t>
                 </a:r>
+                <a:r>
+                  <a:rPr lang="en-US" i="1" dirty="0">
+                    <a:solidFill>
+                      <a:srgbClr val="00B050"/>
+                    </a:solidFill>
+                  </a:rPr>
+                  <a:t>independent</a:t>
+                </a:r>
+                <a:r>
+                  <a:rPr lang="en-US" dirty="0"/>
+                  <a:t> random variables: </a:t>
+                </a:r>
+                <a14:m>
+                  <m:oMath xmlns:m="http://schemas.openxmlformats.org/officeDocument/2006/math">
+                    <m:r>
+                      <m:rPr>
+                        <m:sty m:val="p"/>
+                      </m:rPr>
+                      <a:rPr lang="en-US" sz="2800" b="0" i="0" dirty="0" smtClean="0">
+                        <a:solidFill>
+                          <a:srgbClr val="C00000"/>
+                        </a:solidFill>
+                        <a:latin typeface="Cambria Math" panose="02040503050406030204" pitchFamily="18" charset="0"/>
+                      </a:rPr>
+                      <m:t>Var</m:t>
+                    </m:r>
+                    <m:d>
+                      <m:dPr>
+                        <m:begChr m:val="["/>
+                        <m:endChr m:val="]"/>
+                        <m:ctrlPr>
+                          <a:rPr lang="en-US" sz="2800" b="0" i="1" dirty="0" smtClean="0">
+                            <a:solidFill>
+                              <a:srgbClr val="C00000"/>
+                            </a:solidFill>
+                            <a:latin typeface="Cambria Math" panose="02040503050406030204" pitchFamily="18" charset="0"/>
+                          </a:rPr>
+                        </m:ctrlPr>
+                      </m:dPr>
+                      <m:e>
+                        <m:r>
+                          <a:rPr lang="en-US" sz="2800" b="0" i="1" dirty="0" smtClean="0">
+                            <a:solidFill>
+                              <a:srgbClr val="C00000"/>
+                            </a:solidFill>
+                            <a:latin typeface="Cambria Math" panose="02040503050406030204" pitchFamily="18" charset="0"/>
+                          </a:rPr>
+                          <m:t>𝑋</m:t>
+                        </m:r>
+                        <m:r>
+                          <a:rPr lang="en-US" sz="2800" b="0" i="1" dirty="0" smtClean="0">
+                            <a:solidFill>
+                              <a:srgbClr val="C00000"/>
+                            </a:solidFill>
+                            <a:latin typeface="Cambria Math" panose="02040503050406030204" pitchFamily="18" charset="0"/>
+                          </a:rPr>
+                          <m:t>+</m:t>
+                        </m:r>
+                        <m:r>
+                          <a:rPr lang="en-US" sz="2800" b="0" i="1" dirty="0" smtClean="0">
+                            <a:solidFill>
+                              <a:srgbClr val="C00000"/>
+                            </a:solidFill>
+                            <a:latin typeface="Cambria Math" panose="02040503050406030204" pitchFamily="18" charset="0"/>
+                          </a:rPr>
+                          <m:t>𝑌</m:t>
+                        </m:r>
+                      </m:e>
+                    </m:d>
+                    <m:r>
+                      <a:rPr lang="en-US" i="1" dirty="0">
+                        <a:solidFill>
+                          <a:srgbClr val="C00000"/>
+                        </a:solidFill>
+                        <a:latin typeface="Cambria Math" panose="02040503050406030204" pitchFamily="18" charset="0"/>
+                      </a:rPr>
+                      <m:t>=</m:t>
+                    </m:r>
+                    <m:r>
+                      <m:rPr>
+                        <m:sty m:val="p"/>
+                      </m:rPr>
+                      <a:rPr lang="en-US" b="0" i="0" dirty="0" smtClean="0">
+                        <a:solidFill>
+                          <a:srgbClr val="C00000"/>
+                        </a:solidFill>
+                        <a:latin typeface="Cambria Math" panose="02040503050406030204" pitchFamily="18" charset="0"/>
+                      </a:rPr>
+                      <m:t>Var</m:t>
+                    </m:r>
+                    <m:d>
+                      <m:dPr>
+                        <m:begChr m:val="["/>
+                        <m:endChr m:val="]"/>
+                        <m:ctrlPr>
+                          <a:rPr lang="en-US" i="1" dirty="0">
+                            <a:solidFill>
+                              <a:srgbClr val="C00000"/>
+                            </a:solidFill>
+                            <a:latin typeface="Cambria Math" panose="02040503050406030204" pitchFamily="18" charset="0"/>
+                          </a:rPr>
+                        </m:ctrlPr>
+                      </m:dPr>
+                      <m:e>
+                        <m:r>
+                          <a:rPr lang="en-US" i="1" dirty="0">
+                            <a:solidFill>
+                              <a:srgbClr val="C00000"/>
+                            </a:solidFill>
+                            <a:latin typeface="Cambria Math" panose="02040503050406030204" pitchFamily="18" charset="0"/>
+                          </a:rPr>
+                          <m:t>𝑋</m:t>
+                        </m:r>
+                      </m:e>
+                    </m:d>
+                    <m:r>
+                      <a:rPr lang="en-US" b="0" i="0" dirty="0" smtClean="0">
+                        <a:solidFill>
+                          <a:srgbClr val="C00000"/>
+                        </a:solidFill>
+                        <a:latin typeface="Cambria Math" panose="02040503050406030204" pitchFamily="18" charset="0"/>
+                      </a:rPr>
+                      <m:t>+</m:t>
+                    </m:r>
+                    <m:r>
+                      <m:rPr>
+                        <m:sty m:val="p"/>
+                      </m:rPr>
+                      <a:rPr lang="en-US" b="0" i="0" dirty="0" smtClean="0">
+                        <a:solidFill>
+                          <a:srgbClr val="C00000"/>
+                        </a:solidFill>
+                        <a:latin typeface="Cambria Math" panose="02040503050406030204" pitchFamily="18" charset="0"/>
+                      </a:rPr>
+                      <m:t>Var</m:t>
+                    </m:r>
+                    <m:d>
+                      <m:dPr>
+                        <m:begChr m:val="["/>
+                        <m:endChr m:val="]"/>
+                        <m:ctrlPr>
+                          <a:rPr lang="en-US" i="1" dirty="0">
+                            <a:solidFill>
+                              <a:srgbClr val="C00000"/>
+                            </a:solidFill>
+                            <a:latin typeface="Cambria Math" panose="02040503050406030204" pitchFamily="18" charset="0"/>
+                          </a:rPr>
+                        </m:ctrlPr>
+                      </m:dPr>
+                      <m:e>
+                        <m:r>
+                          <a:rPr lang="en-US" b="0" i="1" dirty="0" smtClean="0">
+                            <a:solidFill>
+                              <a:srgbClr val="C00000"/>
+                            </a:solidFill>
+                            <a:latin typeface="Cambria Math" panose="02040503050406030204" pitchFamily="18" charset="0"/>
+                          </a:rPr>
+                          <m:t>𝑌</m:t>
+                        </m:r>
+                      </m:e>
+                    </m:d>
+                  </m:oMath>
+                </a14:m>
+                <a:endParaRPr lang="en-US" dirty="0"/>
               </a:p>
             </p:txBody>
           </p:sp>
@@ -24777,655 +28136,6 @@
     </p:spTree>
     <p:extLst>
       <p:ext uri="{BB962C8B-B14F-4D97-AF65-F5344CB8AC3E}">
-        <p14:creationId xmlns:p14="http://schemas.microsoft.com/office/powerpoint/2010/main" val="3259820846"/>
-      </p:ext>
-    </p:extLst>
-  </p:cSld>
-  <p:clrMapOvr>
-    <a:masterClrMapping/>
-  </p:clrMapOvr>
-</p:sld>
-</file>
-
-<file path=ppt/slides/slide7.xml><?xml version="1.0" encoding="utf-8"?>
-<p:sld xmlns:a="http://schemas.openxmlformats.org/drawingml/2006/main" xmlns:r="http://schemas.openxmlformats.org/officeDocument/2006/relationships" xmlns:p="http://schemas.openxmlformats.org/presentationml/2006/main">
-  <p:cSld>
-    <p:spTree>
-      <p:nvGrpSpPr>
-        <p:cNvPr id="1" name=""/>
-        <p:cNvGrpSpPr/>
-        <p:nvPr/>
-      </p:nvGrpSpPr>
-      <p:grpSpPr>
-        <a:xfrm>
-          <a:off x="0" y="0"/>
-          <a:ext cx="0" cy="0"/>
-          <a:chOff x="0" y="0"/>
-          <a:chExt cx="0" cy="0"/>
-        </a:xfrm>
-      </p:grpSpPr>
-      <p:sp>
-        <p:nvSpPr>
-          <p:cNvPr id="2" name="Title 1">
-            <a:extLst>
-              <a:ext uri="{FF2B5EF4-FFF2-40B4-BE49-F238E27FC236}">
-                <a16:creationId xmlns:a16="http://schemas.microsoft.com/office/drawing/2014/main" id="{A49DDC00-2744-B7F9-8394-609BE1AEC413}"/>
-              </a:ext>
-            </a:extLst>
-          </p:cNvPr>
-          <p:cNvSpPr>
-            <a:spLocks noGrp="1"/>
-          </p:cNvSpPr>
-          <p:nvPr>
-            <p:ph type="title"/>
-          </p:nvPr>
-        </p:nvSpPr>
-        <p:spPr/>
-        <p:txBody>
-          <a:bodyPr/>
-          <a:lstStyle/>
-          <a:p>
-            <a:r>
-              <a:rPr lang="en-US" dirty="0">
-                <a:solidFill>
-                  <a:srgbClr val="C00000"/>
-                </a:solidFill>
-              </a:rPr>
-              <a:t>Variance</a:t>
-            </a:r>
-            <a:endParaRPr lang="en-US" dirty="0"/>
-          </a:p>
-        </p:txBody>
-      </p:sp>
-      <mc:AlternateContent xmlns:mc="http://schemas.openxmlformats.org/markup-compatibility/2006" xmlns:a14="http://schemas.microsoft.com/office/drawing/2010/main">
-        <mc:Choice Requires="a14">
-          <p:sp>
-            <p:nvSpPr>
-              <p:cNvPr id="3" name="Content Placeholder 2">
-                <a:extLst>
-                  <a:ext uri="{FF2B5EF4-FFF2-40B4-BE49-F238E27FC236}">
-                    <a16:creationId xmlns:a16="http://schemas.microsoft.com/office/drawing/2014/main" id="{6666941B-6AAA-DFD0-8896-ACB1B4FE2AC6}"/>
-                  </a:ext>
-                </a:extLst>
-              </p:cNvPr>
-              <p:cNvSpPr>
-                <a:spLocks noGrp="1"/>
-              </p:cNvSpPr>
-              <p:nvPr>
-                <p:ph idx="1"/>
-              </p:nvPr>
-            </p:nvSpPr>
-            <p:spPr>
-              <a:xfrm>
-                <a:off x="838200" y="1825625"/>
-                <a:ext cx="10515600" cy="4667250"/>
-              </a:xfrm>
-            </p:spPr>
-            <p:txBody>
-              <a:bodyPr>
-                <a:normAutofit/>
-              </a:bodyPr>
-              <a:lstStyle/>
-              <a:p>
-                <a:r>
-                  <a:rPr lang="en-US" dirty="0"/>
-                  <a:t>The variance of a random variable </a:t>
-                </a:r>
-                <a14:m>
-                  <m:oMath xmlns:m="http://schemas.openxmlformats.org/officeDocument/2006/math">
-                    <m:r>
-                      <a:rPr lang="en-US" b="0" i="1" dirty="0" smtClean="0">
-                        <a:solidFill>
-                          <a:srgbClr val="C00000"/>
-                        </a:solidFill>
-                        <a:latin typeface="Cambria Math" panose="02040503050406030204" pitchFamily="18" charset="0"/>
-                      </a:rPr>
-                      <m:t>𝑋</m:t>
-                    </m:r>
-                  </m:oMath>
-                </a14:m>
-                <a:r>
-                  <a:rPr lang="en-US" dirty="0"/>
-                  <a:t> over </a:t>
-                </a:r>
-                <a14:m>
-                  <m:oMath xmlns:m="http://schemas.openxmlformats.org/officeDocument/2006/math">
-                    <m:r>
-                      <m:rPr>
-                        <m:sty m:val="p"/>
-                      </m:rPr>
-                      <a:rPr lang="en-US" b="0" i="0" dirty="0" smtClean="0">
-                        <a:solidFill>
-                          <a:srgbClr val="C00000"/>
-                        </a:solidFill>
-                        <a:latin typeface="Cambria Math" panose="02040503050406030204" pitchFamily="18" charset="0"/>
-                      </a:rPr>
-                      <m:t>Ω</m:t>
-                    </m:r>
-                  </m:oMath>
-                </a14:m>
-                <a:r>
-                  <a:rPr lang="en-US" dirty="0"/>
-                  <a:t> is:</a:t>
-                </a:r>
-              </a:p>
-              <a:p>
-                <a:endParaRPr lang="en-US" dirty="0"/>
-              </a:p>
-              <a:p>
-                <a:endParaRPr lang="en-US" dirty="0"/>
-              </a:p>
-              <a:p>
-                <a:endParaRPr lang="en-US" dirty="0"/>
-              </a:p>
-              <a:p>
-                <a:pPr>
-                  <a:buClr>
-                    <a:schemeClr val="tx1"/>
-                  </a:buClr>
-                </a:pPr>
-                <a:r>
-                  <a:rPr lang="en-US" dirty="0"/>
-                  <a:t>Linearity of variance for </a:t>
-                </a:r>
-                <a:r>
-                  <a:rPr lang="en-US" i="1" dirty="0">
-                    <a:solidFill>
-                      <a:srgbClr val="00B050"/>
-                    </a:solidFill>
-                  </a:rPr>
-                  <a:t>independent</a:t>
-                </a:r>
-                <a:r>
-                  <a:rPr lang="en-US" dirty="0"/>
-                  <a:t> random variables: </a:t>
-                </a:r>
-                <a14:m>
-                  <m:oMath xmlns:m="http://schemas.openxmlformats.org/officeDocument/2006/math">
-                    <m:r>
-                      <m:rPr>
-                        <m:sty m:val="p"/>
-                      </m:rPr>
-                      <a:rPr lang="en-US" sz="2800" b="0" i="0" dirty="0" smtClean="0">
-                        <a:solidFill>
-                          <a:srgbClr val="C00000"/>
-                        </a:solidFill>
-                        <a:latin typeface="Cambria Math" panose="02040503050406030204" pitchFamily="18" charset="0"/>
-                      </a:rPr>
-                      <m:t>Var</m:t>
-                    </m:r>
-                    <m:d>
-                      <m:dPr>
-                        <m:begChr m:val="["/>
-                        <m:endChr m:val="]"/>
-                        <m:ctrlPr>
-                          <a:rPr lang="en-US" sz="2800" b="0" i="1" dirty="0" smtClean="0">
-                            <a:solidFill>
-                              <a:srgbClr val="C00000"/>
-                            </a:solidFill>
-                            <a:latin typeface="Cambria Math" panose="02040503050406030204" pitchFamily="18" charset="0"/>
-                          </a:rPr>
-                        </m:ctrlPr>
-                      </m:dPr>
-                      <m:e>
-                        <m:r>
-                          <a:rPr lang="en-US" sz="2800" b="0" i="1" dirty="0" smtClean="0">
-                            <a:solidFill>
-                              <a:srgbClr val="C00000"/>
-                            </a:solidFill>
-                            <a:latin typeface="Cambria Math" panose="02040503050406030204" pitchFamily="18" charset="0"/>
-                          </a:rPr>
-                          <m:t>𝑋</m:t>
-                        </m:r>
-                        <m:r>
-                          <a:rPr lang="en-US" sz="2800" b="0" i="1" dirty="0" smtClean="0">
-                            <a:solidFill>
-                              <a:srgbClr val="C00000"/>
-                            </a:solidFill>
-                            <a:latin typeface="Cambria Math" panose="02040503050406030204" pitchFamily="18" charset="0"/>
-                          </a:rPr>
-                          <m:t>+</m:t>
-                        </m:r>
-                        <m:r>
-                          <a:rPr lang="en-US" sz="2800" b="0" i="1" dirty="0" smtClean="0">
-                            <a:solidFill>
-                              <a:srgbClr val="C00000"/>
-                            </a:solidFill>
-                            <a:latin typeface="Cambria Math" panose="02040503050406030204" pitchFamily="18" charset="0"/>
-                          </a:rPr>
-                          <m:t>𝑌</m:t>
-                        </m:r>
-                      </m:e>
-                    </m:d>
-                    <m:r>
-                      <a:rPr lang="en-US" i="1" dirty="0">
-                        <a:solidFill>
-                          <a:srgbClr val="C00000"/>
-                        </a:solidFill>
-                        <a:latin typeface="Cambria Math" panose="02040503050406030204" pitchFamily="18" charset="0"/>
-                      </a:rPr>
-                      <m:t>=</m:t>
-                    </m:r>
-                    <m:r>
-                      <m:rPr>
-                        <m:sty m:val="p"/>
-                      </m:rPr>
-                      <a:rPr lang="en-US" b="0" i="0" dirty="0" smtClean="0">
-                        <a:solidFill>
-                          <a:srgbClr val="C00000"/>
-                        </a:solidFill>
-                        <a:latin typeface="Cambria Math" panose="02040503050406030204" pitchFamily="18" charset="0"/>
-                      </a:rPr>
-                      <m:t>Var</m:t>
-                    </m:r>
-                    <m:d>
-                      <m:dPr>
-                        <m:begChr m:val="["/>
-                        <m:endChr m:val="]"/>
-                        <m:ctrlPr>
-                          <a:rPr lang="en-US" i="1" dirty="0">
-                            <a:solidFill>
-                              <a:srgbClr val="C00000"/>
-                            </a:solidFill>
-                            <a:latin typeface="Cambria Math" panose="02040503050406030204" pitchFamily="18" charset="0"/>
-                          </a:rPr>
-                        </m:ctrlPr>
-                      </m:dPr>
-                      <m:e>
-                        <m:r>
-                          <a:rPr lang="en-US" i="1" dirty="0">
-                            <a:solidFill>
-                              <a:srgbClr val="C00000"/>
-                            </a:solidFill>
-                            <a:latin typeface="Cambria Math" panose="02040503050406030204" pitchFamily="18" charset="0"/>
-                          </a:rPr>
-                          <m:t>𝑋</m:t>
-                        </m:r>
-                      </m:e>
-                    </m:d>
-                    <m:r>
-                      <a:rPr lang="en-US" b="0" i="0" dirty="0" smtClean="0">
-                        <a:solidFill>
-                          <a:srgbClr val="C00000"/>
-                        </a:solidFill>
-                        <a:latin typeface="Cambria Math" panose="02040503050406030204" pitchFamily="18" charset="0"/>
-                      </a:rPr>
-                      <m:t>+</m:t>
-                    </m:r>
-                    <m:r>
-                      <m:rPr>
-                        <m:sty m:val="p"/>
-                      </m:rPr>
-                      <a:rPr lang="en-US" b="0" i="0" dirty="0" smtClean="0">
-                        <a:solidFill>
-                          <a:srgbClr val="C00000"/>
-                        </a:solidFill>
-                        <a:latin typeface="Cambria Math" panose="02040503050406030204" pitchFamily="18" charset="0"/>
-                      </a:rPr>
-                      <m:t>Var</m:t>
-                    </m:r>
-                    <m:d>
-                      <m:dPr>
-                        <m:begChr m:val="["/>
-                        <m:endChr m:val="]"/>
-                        <m:ctrlPr>
-                          <a:rPr lang="en-US" i="1" dirty="0">
-                            <a:solidFill>
-                              <a:srgbClr val="C00000"/>
-                            </a:solidFill>
-                            <a:latin typeface="Cambria Math" panose="02040503050406030204" pitchFamily="18" charset="0"/>
-                          </a:rPr>
-                        </m:ctrlPr>
-                      </m:dPr>
-                      <m:e>
-                        <m:r>
-                          <a:rPr lang="en-US" b="0" i="1" dirty="0" smtClean="0">
-                            <a:solidFill>
-                              <a:srgbClr val="C00000"/>
-                            </a:solidFill>
-                            <a:latin typeface="Cambria Math" panose="02040503050406030204" pitchFamily="18" charset="0"/>
-                          </a:rPr>
-                          <m:t>𝑌</m:t>
-                        </m:r>
-                      </m:e>
-                    </m:d>
-                  </m:oMath>
-                </a14:m>
-                <a:endParaRPr lang="en-US" dirty="0"/>
-              </a:p>
-            </p:txBody>
-          </p:sp>
-        </mc:Choice>
-        <mc:Fallback xmlns="">
-          <p:sp>
-            <p:nvSpPr>
-              <p:cNvPr id="3" name="Content Placeholder 2">
-                <a:extLst>
-                  <a:ext uri="{FF2B5EF4-FFF2-40B4-BE49-F238E27FC236}">
-                    <a16:creationId xmlns:a16="http://schemas.microsoft.com/office/drawing/2014/main" id="{6666941B-6AAA-DFD0-8896-ACB1B4FE2AC6}"/>
-                  </a:ext>
-                </a:extLst>
-              </p:cNvPr>
-              <p:cNvSpPr>
-                <a:spLocks noGrp="1" noRot="1" noChangeAspect="1" noMove="1" noResize="1" noEditPoints="1" noAdjustHandles="1" noChangeArrowheads="1" noChangeShapeType="1" noTextEdit="1"/>
-              </p:cNvSpPr>
-              <p:nvPr>
-                <p:ph idx="1"/>
-              </p:nvPr>
-            </p:nvSpPr>
-            <p:spPr>
-              <a:xfrm>
-                <a:off x="838200" y="1825625"/>
-                <a:ext cx="10515600" cy="4667250"/>
-              </a:xfrm>
-              <a:blipFill>
-                <a:blip r:embed="rId2"/>
-                <a:stretch>
-                  <a:fillRect l="-1043" t="-2089"/>
-                </a:stretch>
-              </a:blipFill>
-            </p:spPr>
-            <p:txBody>
-              <a:bodyPr/>
-              <a:lstStyle/>
-              <a:p>
-                <a:r>
-                  <a:rPr lang="en-US">
-                    <a:noFill/>
-                  </a:rPr>
-                  <a:t> </a:t>
-                </a:r>
-              </a:p>
-            </p:txBody>
-          </p:sp>
-        </mc:Fallback>
-      </mc:AlternateContent>
-      <mc:AlternateContent xmlns:mc="http://schemas.openxmlformats.org/markup-compatibility/2006" xmlns:a14="http://schemas.microsoft.com/office/drawing/2010/main">
-        <mc:Choice Requires="a14">
-          <p:sp>
-            <p:nvSpPr>
-              <p:cNvPr id="5" name="TextBox 4">
-                <a:extLst>
-                  <a:ext uri="{FF2B5EF4-FFF2-40B4-BE49-F238E27FC236}">
-                    <a16:creationId xmlns:a16="http://schemas.microsoft.com/office/drawing/2014/main" id="{A2DE4CEA-73D7-CD0E-D451-149152B610B0}"/>
-                  </a:ext>
-                </a:extLst>
-              </p:cNvPr>
-              <p:cNvSpPr txBox="1"/>
-              <p:nvPr/>
-            </p:nvSpPr>
-            <p:spPr>
-              <a:xfrm>
-                <a:off x="2877670" y="2356828"/>
-                <a:ext cx="6096000" cy="523220"/>
-              </a:xfrm>
-              <a:prstGeom prst="rect">
-                <a:avLst/>
-              </a:prstGeom>
-              <a:noFill/>
-            </p:spPr>
-            <p:txBody>
-              <a:bodyPr wrap="square">
-                <a:spAutoFit/>
-              </a:bodyPr>
-              <a:lstStyle/>
-              <a:p>
-                <a:pPr/>
-                <a14:m>
-                  <m:oMathPara xmlns:m="http://schemas.openxmlformats.org/officeDocument/2006/math">
-                    <m:oMathParaPr>
-                      <m:jc m:val="centerGroup"/>
-                    </m:oMathParaPr>
-                    <m:oMath xmlns:m="http://schemas.openxmlformats.org/officeDocument/2006/math">
-                      <m:r>
-                        <m:rPr>
-                          <m:sty m:val="p"/>
-                        </m:rPr>
-                        <a:rPr lang="en-US" sz="2800" b="0" i="0" dirty="0" smtClean="0">
-                          <a:solidFill>
-                            <a:srgbClr val="C00000"/>
-                          </a:solidFill>
-                          <a:latin typeface="Cambria Math" panose="02040503050406030204" pitchFamily="18" charset="0"/>
-                        </a:rPr>
-                        <m:t>Var</m:t>
-                      </m:r>
-                      <m:d>
-                        <m:dPr>
-                          <m:begChr m:val="["/>
-                          <m:endChr m:val="]"/>
-                          <m:ctrlPr>
-                            <a:rPr lang="en-US" sz="2800" b="0" i="1" dirty="0" smtClean="0">
-                              <a:solidFill>
-                                <a:srgbClr val="C00000"/>
-                              </a:solidFill>
-                              <a:latin typeface="Cambria Math" panose="02040503050406030204" pitchFamily="18" charset="0"/>
-                            </a:rPr>
-                          </m:ctrlPr>
-                        </m:dPr>
-                        <m:e>
-                          <m:r>
-                            <a:rPr lang="en-US" sz="2800" b="0" i="1" dirty="0" smtClean="0">
-                              <a:solidFill>
-                                <a:srgbClr val="C00000"/>
-                              </a:solidFill>
-                              <a:latin typeface="Cambria Math" panose="02040503050406030204" pitchFamily="18" charset="0"/>
-                            </a:rPr>
-                            <m:t>𝑋</m:t>
-                          </m:r>
-                        </m:e>
-                      </m:d>
-                      <m:r>
-                        <a:rPr lang="en-US" sz="2800" b="0" i="1" dirty="0" smtClean="0">
-                          <a:solidFill>
-                            <a:srgbClr val="C00000"/>
-                          </a:solidFill>
-                          <a:latin typeface="Cambria Math" panose="02040503050406030204" pitchFamily="18" charset="0"/>
-                        </a:rPr>
-                        <m:t>=</m:t>
-                      </m:r>
-                      <m:r>
-                        <m:rPr>
-                          <m:sty m:val="p"/>
-                        </m:rPr>
-                        <a:rPr lang="en-US" sz="2800" b="0" i="0" dirty="0" smtClean="0">
-                          <a:solidFill>
-                            <a:srgbClr val="C00000"/>
-                          </a:solidFill>
-                          <a:latin typeface="Cambria Math" panose="02040503050406030204" pitchFamily="18" charset="0"/>
-                        </a:rPr>
-                        <m:t>E</m:t>
-                      </m:r>
-                      <m:d>
-                        <m:dPr>
-                          <m:begChr m:val="["/>
-                          <m:endChr m:val="]"/>
-                          <m:ctrlPr>
-                            <a:rPr lang="en-US" sz="2800" b="0" i="1" dirty="0" smtClean="0">
-                              <a:solidFill>
-                                <a:srgbClr val="C00000"/>
-                              </a:solidFill>
-                              <a:latin typeface="Cambria Math" panose="02040503050406030204" pitchFamily="18" charset="0"/>
-                            </a:rPr>
-                          </m:ctrlPr>
-                        </m:dPr>
-                        <m:e>
-                          <m:sSup>
-                            <m:sSupPr>
-                              <m:ctrlPr>
-                                <a:rPr lang="en-US" sz="2800" b="0" i="1" dirty="0" smtClean="0">
-                                  <a:solidFill>
-                                    <a:srgbClr val="C00000"/>
-                                  </a:solidFill>
-                                  <a:latin typeface="Cambria Math" panose="02040503050406030204" pitchFamily="18" charset="0"/>
-                                </a:rPr>
-                              </m:ctrlPr>
-                            </m:sSupPr>
-                            <m:e>
-                              <m:r>
-                                <a:rPr lang="en-US" sz="2800" b="0" i="1" dirty="0" smtClean="0">
-                                  <a:solidFill>
-                                    <a:srgbClr val="C00000"/>
-                                  </a:solidFill>
-                                  <a:latin typeface="Cambria Math" panose="02040503050406030204" pitchFamily="18" charset="0"/>
-                                </a:rPr>
-                                <m:t>𝑋</m:t>
-                              </m:r>
-                            </m:e>
-                            <m:sup>
-                              <m:r>
-                                <a:rPr lang="en-US" sz="2800" b="0" i="1" dirty="0" smtClean="0">
-                                  <a:solidFill>
-                                    <a:srgbClr val="C00000"/>
-                                  </a:solidFill>
-                                  <a:latin typeface="Cambria Math" panose="02040503050406030204" pitchFamily="18" charset="0"/>
-                                </a:rPr>
-                                <m:t>2</m:t>
-                              </m:r>
-                            </m:sup>
-                          </m:sSup>
-                        </m:e>
-                      </m:d>
-                      <m:r>
-                        <a:rPr lang="en-US" sz="2800" b="0" i="1" dirty="0" smtClean="0">
-                          <a:solidFill>
-                            <a:srgbClr val="C00000"/>
-                          </a:solidFill>
-                          <a:latin typeface="Cambria Math" panose="02040503050406030204" pitchFamily="18" charset="0"/>
-                        </a:rPr>
-                        <m:t>−</m:t>
-                      </m:r>
-                      <m:sSup>
-                        <m:sSupPr>
-                          <m:ctrlPr>
-                            <a:rPr lang="en-US" sz="2800" b="0" i="1" dirty="0" smtClean="0">
-                              <a:solidFill>
-                                <a:srgbClr val="C00000"/>
-                              </a:solidFill>
-                              <a:latin typeface="Cambria Math" panose="02040503050406030204" pitchFamily="18" charset="0"/>
-                            </a:rPr>
-                          </m:ctrlPr>
-                        </m:sSupPr>
-                        <m:e>
-                          <m:d>
-                            <m:dPr>
-                              <m:ctrlPr>
-                                <a:rPr lang="en-US" sz="2800" b="0" i="1" dirty="0" smtClean="0">
-                                  <a:solidFill>
-                                    <a:srgbClr val="C00000"/>
-                                  </a:solidFill>
-                                  <a:latin typeface="Cambria Math" panose="02040503050406030204" pitchFamily="18" charset="0"/>
-                                </a:rPr>
-                              </m:ctrlPr>
-                            </m:dPr>
-                            <m:e>
-                              <m:r>
-                                <m:rPr>
-                                  <m:sty m:val="p"/>
-                                </m:rPr>
-                                <a:rPr lang="en-US" sz="2800" b="0" i="0" dirty="0" smtClean="0">
-                                  <a:solidFill>
-                                    <a:srgbClr val="C00000"/>
-                                  </a:solidFill>
-                                  <a:latin typeface="Cambria Math" panose="02040503050406030204" pitchFamily="18" charset="0"/>
-                                </a:rPr>
-                                <m:t>E</m:t>
-                              </m:r>
-                              <m:d>
-                                <m:dPr>
-                                  <m:begChr m:val="["/>
-                                  <m:endChr m:val="]"/>
-                                  <m:ctrlPr>
-                                    <a:rPr lang="en-US" sz="2800" b="0" i="1" dirty="0" smtClean="0">
-                                      <a:solidFill>
-                                        <a:srgbClr val="C00000"/>
-                                      </a:solidFill>
-                                      <a:latin typeface="Cambria Math" panose="02040503050406030204" pitchFamily="18" charset="0"/>
-                                    </a:rPr>
-                                  </m:ctrlPr>
-                                </m:dPr>
-                                <m:e>
-                                  <m:r>
-                                    <a:rPr lang="en-US" sz="2800" b="0" i="1" dirty="0" smtClean="0">
-                                      <a:solidFill>
-                                        <a:srgbClr val="C00000"/>
-                                      </a:solidFill>
-                                      <a:latin typeface="Cambria Math" panose="02040503050406030204" pitchFamily="18" charset="0"/>
-                                    </a:rPr>
-                                    <m:t>𝑋</m:t>
-                                  </m:r>
-                                </m:e>
-                              </m:d>
-                            </m:e>
-                          </m:d>
-                        </m:e>
-                        <m:sup>
-                          <m:r>
-                            <a:rPr lang="en-US" sz="2800" b="0" i="1" dirty="0" smtClean="0">
-                              <a:solidFill>
-                                <a:srgbClr val="C00000"/>
-                              </a:solidFill>
-                              <a:latin typeface="Cambria Math" panose="02040503050406030204" pitchFamily="18" charset="0"/>
-                            </a:rPr>
-                            <m:t>2</m:t>
-                          </m:r>
-                        </m:sup>
-                      </m:sSup>
-                    </m:oMath>
-                  </m:oMathPara>
-                </a14:m>
-                <a:endParaRPr lang="en-US" sz="2800" dirty="0"/>
-              </a:p>
-            </p:txBody>
-          </p:sp>
-        </mc:Choice>
-        <mc:Fallback xmlns="">
-          <p:sp>
-            <p:nvSpPr>
-              <p:cNvPr id="5" name="TextBox 4">
-                <a:extLst>
-                  <a:ext uri="{FF2B5EF4-FFF2-40B4-BE49-F238E27FC236}">
-                    <a16:creationId xmlns:a16="http://schemas.microsoft.com/office/drawing/2014/main" id="{A2DE4CEA-73D7-CD0E-D451-149152B610B0}"/>
-                  </a:ext>
-                </a:extLst>
-              </p:cNvPr>
-              <p:cNvSpPr txBox="1">
-                <a:spLocks noRot="1" noChangeAspect="1" noMove="1" noResize="1" noEditPoints="1" noAdjustHandles="1" noChangeArrowheads="1" noChangeShapeType="1" noTextEdit="1"/>
-              </p:cNvSpPr>
-              <p:nvPr/>
-            </p:nvSpPr>
-            <p:spPr>
-              <a:xfrm>
-                <a:off x="2877670" y="2356828"/>
-                <a:ext cx="6096000" cy="523220"/>
-              </a:xfrm>
-              <a:prstGeom prst="rect">
-                <a:avLst/>
-              </a:prstGeom>
-              <a:blipFill>
-                <a:blip r:embed="rId3"/>
-                <a:stretch>
-                  <a:fillRect/>
-                </a:stretch>
-              </a:blipFill>
-            </p:spPr>
-            <p:txBody>
-              <a:bodyPr/>
-              <a:lstStyle/>
-              <a:p>
-                <a:r>
-                  <a:rPr lang="en-US">
-                    <a:noFill/>
-                  </a:rPr>
-                  <a:t> </a:t>
-                </a:r>
-              </a:p>
-            </p:txBody>
-          </p:sp>
-        </mc:Fallback>
-      </mc:AlternateContent>
-    </p:spTree>
-    <p:extLst>
-      <p:ext uri="{BB962C8B-B14F-4D97-AF65-F5344CB8AC3E}">
         <p14:creationId xmlns:p14="http://schemas.microsoft.com/office/powerpoint/2010/main" val="2882147992"/>
       </p:ext>
     </p:extLst>
@@ -25436,7 +28146,7 @@
 </p:sld>
 </file>
 
-<file path=ppt/slides/slide8.xml><?xml version="1.0" encoding="utf-8"?>
+<file path=ppt/slides/slide9.xml><?xml version="1.0" encoding="utf-8"?>
 <p:sld xmlns:a="http://schemas.openxmlformats.org/drawingml/2006/main" xmlns:r="http://schemas.openxmlformats.org/officeDocument/2006/relationships" xmlns:p="http://schemas.openxmlformats.org/presentationml/2006/main">
   <p:cSld>
     <p:spTree>
@@ -25964,8 +28674,8 @@
           </a:prstGeom>
         </p:spPr>
       </p:pic>
-      <mc:AlternateContent xmlns:mc="http://schemas.openxmlformats.org/markup-compatibility/2006" xmlns:a14="http://schemas.microsoft.com/office/drawing/2010/main">
-        <mc:Choice Requires="a14">
+      <mc:AlternateContent xmlns:mc="http://schemas.openxmlformats.org/markup-compatibility/2006">
+        <mc:Choice xmlns:a14="http://schemas.microsoft.com/office/drawing/2010/main" Requires="a14">
           <p:sp>
             <p:nvSpPr>
               <p:cNvPr id="11" name="Content Placeholder 2">
@@ -25983,7 +28693,7 @@
             <p:spPr>
               <a:xfrm>
                 <a:off x="838200" y="3514163"/>
-                <a:ext cx="5777754" cy="2267087"/>
+                <a:ext cx="5921188" cy="2267087"/>
               </a:xfrm>
               <a:prstGeom prst="rect">
                 <a:avLst/>
@@ -26165,7 +28875,54 @@
                 </a:pPr>
                 <a:r>
                   <a:rPr lang="en-US" dirty="0"/>
-                  <a:t>The standard deviation of a random variable </a:t>
+                  <a:t>The standard deviation </a:t>
+                </a:r>
+                <a14:m>
+                  <m:oMath xmlns:m="http://schemas.openxmlformats.org/officeDocument/2006/math">
+                    <m:r>
+                      <m:rPr>
+                        <m:sty m:val="p"/>
+                      </m:rPr>
+                      <a:rPr lang="en-US" dirty="0">
+                        <a:solidFill>
+                          <a:srgbClr val="C00000"/>
+                        </a:solidFill>
+                        <a:latin typeface="Cambria Math" panose="02040503050406030204" pitchFamily="18" charset="0"/>
+                      </a:rPr>
+                      <m:t>std</m:t>
+                    </m:r>
+                    <m:r>
+                      <a:rPr lang="en-US" i="1" dirty="0">
+                        <a:solidFill>
+                          <a:srgbClr val="C00000"/>
+                        </a:solidFill>
+                        <a:latin typeface="Cambria Math" panose="02040503050406030204" pitchFamily="18" charset="0"/>
+                      </a:rPr>
+                      <m:t>(</m:t>
+                    </m:r>
+                    <m:r>
+                      <a:rPr lang="en-US" i="1" dirty="0">
+                        <a:solidFill>
+                          <a:srgbClr val="C00000"/>
+                        </a:solidFill>
+                        <a:latin typeface="Cambria Math" panose="02040503050406030204" pitchFamily="18" charset="0"/>
+                      </a:rPr>
+                      <m:t>𝑋</m:t>
+                    </m:r>
+                    <m:r>
+                      <a:rPr lang="en-US" i="1" dirty="0">
+                        <a:solidFill>
+                          <a:srgbClr val="C00000"/>
+                        </a:solidFill>
+                        <a:latin typeface="Cambria Math" panose="02040503050406030204" pitchFamily="18" charset="0"/>
+                      </a:rPr>
+                      <m:t>)</m:t>
+                    </m:r>
+                  </m:oMath>
+                </a14:m>
+                <a:r>
+                  <a:rPr lang="en-US" dirty="0"/>
+                  <a:t> of a random variable </a:t>
                 </a:r>
                 <a14:m>
                   <m:oMath xmlns:m="http://schemas.openxmlformats.org/officeDocument/2006/math">
@@ -26224,7 +28981,7 @@
             </p:txBody>
           </p:sp>
         </mc:Choice>
-        <mc:Fallback xmlns="">
+        <mc:Fallback>
           <p:sp>
             <p:nvSpPr>
               <p:cNvPr id="11" name="Content Placeholder 2">
@@ -26242,7 +28999,7 @@
             <p:spPr>
               <a:xfrm>
                 <a:off x="838200" y="3514163"/>
-                <a:ext cx="5777754" cy="2267087"/>
+                <a:ext cx="5921188" cy="2267087"/>
               </a:xfrm>
               <a:prstGeom prst="rect">
                 <a:avLst/>
@@ -26250,7 +29007,7 @@
               <a:blipFill>
                 <a:blip r:embed="rId5"/>
                 <a:stretch>
-                  <a:fillRect l="-1901" t="-4301" b="-24462"/>
+                  <a:fillRect l="-1854" t="-4301" r="-2781" b="-24462"/>
                 </a:stretch>
               </a:blipFill>
             </p:spPr>
@@ -26273,456 +29030,6 @@
     <p:extLst>
       <p:ext uri="{BB962C8B-B14F-4D97-AF65-F5344CB8AC3E}">
         <p14:creationId xmlns:p14="http://schemas.microsoft.com/office/powerpoint/2010/main" val="2963137266"/>
-      </p:ext>
-    </p:extLst>
-  </p:cSld>
-  <p:clrMapOvr>
-    <a:masterClrMapping/>
-  </p:clrMapOvr>
-</p:sld>
-</file>
-
-<file path=ppt/slides/slide9.xml><?xml version="1.0" encoding="utf-8"?>
-<p:sld xmlns:a="http://schemas.openxmlformats.org/drawingml/2006/main" xmlns:r="http://schemas.openxmlformats.org/officeDocument/2006/relationships" xmlns:p="http://schemas.openxmlformats.org/presentationml/2006/main">
-  <p:cSld>
-    <p:spTree>
-      <p:nvGrpSpPr>
-        <p:cNvPr id="1" name=""/>
-        <p:cNvGrpSpPr/>
-        <p:nvPr/>
-      </p:nvGrpSpPr>
-      <p:grpSpPr>
-        <a:xfrm>
-          <a:off x="0" y="0"/>
-          <a:ext cx="0" cy="0"/>
-          <a:chOff x="0" y="0"/>
-          <a:chExt cx="0" cy="0"/>
-        </a:xfrm>
-      </p:grpSpPr>
-      <p:sp>
-        <p:nvSpPr>
-          <p:cNvPr id="2" name="Title 1">
-            <a:extLst>
-              <a:ext uri="{FF2B5EF4-FFF2-40B4-BE49-F238E27FC236}">
-                <a16:creationId xmlns:a16="http://schemas.microsoft.com/office/drawing/2014/main" id="{A49DDC00-2744-B7F9-8394-609BE1AEC413}"/>
-              </a:ext>
-            </a:extLst>
-          </p:cNvPr>
-          <p:cNvSpPr>
-            <a:spLocks noGrp="1"/>
-          </p:cNvSpPr>
-          <p:nvPr>
-            <p:ph type="title"/>
-          </p:nvPr>
-        </p:nvSpPr>
-        <p:spPr/>
-        <p:txBody>
-          <a:bodyPr/>
-          <a:lstStyle/>
-          <a:p>
-            <a:r>
-              <a:rPr lang="en-US" dirty="0">
-                <a:solidFill>
-                  <a:srgbClr val="C00000"/>
-                </a:solidFill>
-              </a:rPr>
-              <a:t>Variance</a:t>
-            </a:r>
-            <a:endParaRPr lang="en-US" dirty="0"/>
-          </a:p>
-        </p:txBody>
-      </p:sp>
-      <mc:AlternateContent xmlns:mc="http://schemas.openxmlformats.org/markup-compatibility/2006" xmlns:a14="http://schemas.microsoft.com/office/drawing/2010/main">
-        <mc:Choice Requires="a14">
-          <p:sp>
-            <p:nvSpPr>
-              <p:cNvPr id="3" name="Content Placeholder 2">
-                <a:extLst>
-                  <a:ext uri="{FF2B5EF4-FFF2-40B4-BE49-F238E27FC236}">
-                    <a16:creationId xmlns:a16="http://schemas.microsoft.com/office/drawing/2014/main" id="{6666941B-6AAA-DFD0-8896-ACB1B4FE2AC6}"/>
-                  </a:ext>
-                </a:extLst>
-              </p:cNvPr>
-              <p:cNvSpPr>
-                <a:spLocks noGrp="1"/>
-              </p:cNvSpPr>
-              <p:nvPr>
-                <p:ph idx="1"/>
-              </p:nvPr>
-            </p:nvSpPr>
-            <p:spPr>
-              <a:xfrm>
-                <a:off x="838200" y="1825625"/>
-                <a:ext cx="10515600" cy="4667250"/>
-              </a:xfrm>
-            </p:spPr>
-            <p:txBody>
-              <a:bodyPr>
-                <a:normAutofit/>
-              </a:bodyPr>
-              <a:lstStyle/>
-              <a:p>
-                <a:r>
-                  <a:rPr lang="en-US" dirty="0"/>
-                  <a:t>Suppose </a:t>
-                </a:r>
-                <a14:m>
-                  <m:oMath xmlns:m="http://schemas.openxmlformats.org/officeDocument/2006/math">
-                    <m:r>
-                      <a:rPr lang="en-US" b="0" i="1" dirty="0" smtClean="0">
-                        <a:solidFill>
-                          <a:srgbClr val="C00000"/>
-                        </a:solidFill>
-                        <a:latin typeface="Cambria Math" panose="02040503050406030204" pitchFamily="18" charset="0"/>
-                      </a:rPr>
-                      <m:t>𝑋</m:t>
-                    </m:r>
-                  </m:oMath>
-                </a14:m>
-                <a:r>
-                  <a:rPr lang="en-US" dirty="0"/>
-                  <a:t> takes the value </a:t>
-                </a:r>
-                <a14:m>
-                  <m:oMath xmlns:m="http://schemas.openxmlformats.org/officeDocument/2006/math">
-                    <m:r>
-                      <a:rPr lang="en-US" b="0" i="1" dirty="0" smtClean="0">
-                        <a:solidFill>
-                          <a:srgbClr val="C00000"/>
-                        </a:solidFill>
-                        <a:latin typeface="Cambria Math" panose="02040503050406030204" pitchFamily="18" charset="0"/>
-                      </a:rPr>
-                      <m:t>1</m:t>
-                    </m:r>
-                  </m:oMath>
-                </a14:m>
-                <a:r>
-                  <a:rPr lang="en-US" dirty="0"/>
-                  <a:t> with probability </a:t>
-                </a:r>
-                <a14:m>
-                  <m:oMath xmlns:m="http://schemas.openxmlformats.org/officeDocument/2006/math">
-                    <m:f>
-                      <m:fPr>
-                        <m:ctrlPr>
-                          <a:rPr lang="en-US" b="0" i="1" dirty="0" smtClean="0">
-                            <a:solidFill>
-                              <a:srgbClr val="C00000"/>
-                            </a:solidFill>
-                            <a:latin typeface="Cambria Math" panose="02040503050406030204" pitchFamily="18" charset="0"/>
-                          </a:rPr>
-                        </m:ctrlPr>
-                      </m:fPr>
-                      <m:num>
-                        <m:r>
-                          <a:rPr lang="en-US" b="0" i="1" dirty="0" smtClean="0">
-                            <a:solidFill>
-                              <a:srgbClr val="C00000"/>
-                            </a:solidFill>
-                            <a:latin typeface="Cambria Math" panose="02040503050406030204" pitchFamily="18" charset="0"/>
-                          </a:rPr>
-                          <m:t>1</m:t>
-                        </m:r>
-                      </m:num>
-                      <m:den>
-                        <m:r>
-                          <a:rPr lang="en-US" b="0" i="1" dirty="0" smtClean="0">
-                            <a:solidFill>
-                              <a:srgbClr val="C00000"/>
-                            </a:solidFill>
-                            <a:latin typeface="Cambria Math" panose="02040503050406030204" pitchFamily="18" charset="0"/>
-                          </a:rPr>
-                          <m:t>2</m:t>
-                        </m:r>
-                      </m:den>
-                    </m:f>
-                  </m:oMath>
-                </a14:m>
-                <a:r>
-                  <a:rPr lang="en-US" dirty="0"/>
-                  <a:t> and takes the value </a:t>
-                </a:r>
-                <a14:m>
-                  <m:oMath xmlns:m="http://schemas.openxmlformats.org/officeDocument/2006/math">
-                    <m:r>
-                      <a:rPr lang="en-US" b="0" i="1" dirty="0" smtClean="0">
-                        <a:solidFill>
-                          <a:srgbClr val="C00000"/>
-                        </a:solidFill>
-                        <a:latin typeface="Cambria Math" panose="02040503050406030204" pitchFamily="18" charset="0"/>
-                      </a:rPr>
-                      <m:t>−1</m:t>
-                    </m:r>
-                  </m:oMath>
-                </a14:m>
-                <a:r>
-                  <a:rPr lang="en-US" dirty="0"/>
-                  <a:t> with probability </a:t>
-                </a:r>
-                <a14:m>
-                  <m:oMath xmlns:m="http://schemas.openxmlformats.org/officeDocument/2006/math">
-                    <m:f>
-                      <m:fPr>
-                        <m:ctrlPr>
-                          <a:rPr lang="en-US" b="0" i="1" dirty="0" smtClean="0">
-                            <a:solidFill>
-                              <a:srgbClr val="C00000"/>
-                            </a:solidFill>
-                            <a:latin typeface="Cambria Math" panose="02040503050406030204" pitchFamily="18" charset="0"/>
-                          </a:rPr>
-                        </m:ctrlPr>
-                      </m:fPr>
-                      <m:num>
-                        <m:r>
-                          <a:rPr lang="en-US" b="0" i="1" dirty="0" smtClean="0">
-                            <a:solidFill>
-                              <a:srgbClr val="C00000"/>
-                            </a:solidFill>
-                            <a:latin typeface="Cambria Math" panose="02040503050406030204" pitchFamily="18" charset="0"/>
-                          </a:rPr>
-                          <m:t>1</m:t>
-                        </m:r>
-                      </m:num>
-                      <m:den>
-                        <m:r>
-                          <a:rPr lang="en-US" b="0" i="1" dirty="0" smtClean="0">
-                            <a:solidFill>
-                              <a:srgbClr val="C00000"/>
-                            </a:solidFill>
-                            <a:latin typeface="Cambria Math" panose="02040503050406030204" pitchFamily="18" charset="0"/>
-                          </a:rPr>
-                          <m:t>2</m:t>
-                        </m:r>
-                      </m:den>
-                    </m:f>
-                  </m:oMath>
-                </a14:m>
-                <a:endParaRPr lang="en-US" dirty="0"/>
-              </a:p>
-              <a:p>
-                <a:endParaRPr lang="en-US" dirty="0"/>
-              </a:p>
-              <a:p>
-                <a:r>
-                  <a:rPr lang="en-US" dirty="0"/>
-                  <a:t>What is </a:t>
-                </a:r>
-                <a14:m>
-                  <m:oMath xmlns:m="http://schemas.openxmlformats.org/officeDocument/2006/math">
-                    <m:r>
-                      <m:rPr>
-                        <m:sty m:val="p"/>
-                      </m:rPr>
-                      <a:rPr lang="en-US" sz="2800" b="0" i="0" dirty="0" smtClean="0">
-                        <a:solidFill>
-                          <a:srgbClr val="C00000"/>
-                        </a:solidFill>
-                        <a:latin typeface="Cambria Math" panose="02040503050406030204" pitchFamily="18" charset="0"/>
-                      </a:rPr>
-                      <m:t>E</m:t>
-                    </m:r>
-                    <m:d>
-                      <m:dPr>
-                        <m:begChr m:val="["/>
-                        <m:endChr m:val="]"/>
-                        <m:ctrlPr>
-                          <a:rPr lang="en-US" sz="2800" b="0" i="1" dirty="0" smtClean="0">
-                            <a:solidFill>
-                              <a:srgbClr val="C00000"/>
-                            </a:solidFill>
-                            <a:latin typeface="Cambria Math" panose="02040503050406030204" pitchFamily="18" charset="0"/>
-                          </a:rPr>
-                        </m:ctrlPr>
-                      </m:dPr>
-                      <m:e>
-                        <m:r>
-                          <a:rPr lang="en-US" sz="2800" b="0" i="1" dirty="0" smtClean="0">
-                            <a:solidFill>
-                              <a:srgbClr val="C00000"/>
-                            </a:solidFill>
-                            <a:latin typeface="Cambria Math" panose="02040503050406030204" pitchFamily="18" charset="0"/>
-                          </a:rPr>
-                          <m:t>𝑋</m:t>
-                        </m:r>
-                      </m:e>
-                    </m:d>
-                  </m:oMath>
-                </a14:m>
-                <a:r>
-                  <a:rPr lang="en-US" dirty="0"/>
-                  <a:t>?</a:t>
-                </a:r>
-              </a:p>
-              <a:p>
-                <a:endParaRPr lang="en-US" dirty="0"/>
-              </a:p>
-              <a:p>
-                <a:r>
-                  <a:rPr lang="en-US" dirty="0"/>
-                  <a:t>What is </a:t>
-                </a:r>
-                <a14:m>
-                  <m:oMath xmlns:m="http://schemas.openxmlformats.org/officeDocument/2006/math">
-                    <m:r>
-                      <m:rPr>
-                        <m:sty m:val="p"/>
-                      </m:rPr>
-                      <a:rPr lang="en-US" sz="2800" b="0" i="0" dirty="0" smtClean="0">
-                        <a:solidFill>
-                          <a:srgbClr val="C00000"/>
-                        </a:solidFill>
-                        <a:latin typeface="Cambria Math" panose="02040503050406030204" pitchFamily="18" charset="0"/>
-                      </a:rPr>
-                      <m:t>Var</m:t>
-                    </m:r>
-                    <m:d>
-                      <m:dPr>
-                        <m:begChr m:val="["/>
-                        <m:endChr m:val="]"/>
-                        <m:ctrlPr>
-                          <a:rPr lang="en-US" sz="2800" b="0" i="1" dirty="0" smtClean="0">
-                            <a:solidFill>
-                              <a:srgbClr val="C00000"/>
-                            </a:solidFill>
-                            <a:latin typeface="Cambria Math" panose="02040503050406030204" pitchFamily="18" charset="0"/>
-                          </a:rPr>
-                        </m:ctrlPr>
-                      </m:dPr>
-                      <m:e>
-                        <m:r>
-                          <a:rPr lang="en-US" sz="2800" b="0" i="1" dirty="0" smtClean="0">
-                            <a:solidFill>
-                              <a:srgbClr val="C00000"/>
-                            </a:solidFill>
-                            <a:latin typeface="Cambria Math" panose="02040503050406030204" pitchFamily="18" charset="0"/>
-                          </a:rPr>
-                          <m:t>𝑋</m:t>
-                        </m:r>
-                      </m:e>
-                    </m:d>
-                  </m:oMath>
-                </a14:m>
-                <a:r>
-                  <a:rPr lang="en-US" dirty="0"/>
-                  <a:t>? What is </a:t>
-                </a:r>
-                <a14:m>
-                  <m:oMath xmlns:m="http://schemas.openxmlformats.org/officeDocument/2006/math">
-                    <m:r>
-                      <m:rPr>
-                        <m:sty m:val="p"/>
-                      </m:rPr>
-                      <a:rPr lang="en-US" dirty="0">
-                        <a:solidFill>
-                          <a:srgbClr val="C00000"/>
-                        </a:solidFill>
-                        <a:latin typeface="Cambria Math" panose="02040503050406030204" pitchFamily="18" charset="0"/>
-                      </a:rPr>
-                      <m:t>s</m:t>
-                    </m:r>
-                    <m:r>
-                      <m:rPr>
-                        <m:sty m:val="p"/>
-                      </m:rPr>
-                      <a:rPr lang="en-US" b="0" i="0" dirty="0" smtClean="0">
-                        <a:solidFill>
-                          <a:srgbClr val="C00000"/>
-                        </a:solidFill>
-                        <a:latin typeface="Cambria Math" panose="02040503050406030204" pitchFamily="18" charset="0"/>
-                      </a:rPr>
-                      <m:t>td</m:t>
-                    </m:r>
-                    <m:r>
-                      <a:rPr lang="en-US" b="0" i="1" dirty="0" smtClean="0">
-                        <a:solidFill>
-                          <a:srgbClr val="C00000"/>
-                        </a:solidFill>
-                        <a:latin typeface="Cambria Math" panose="02040503050406030204" pitchFamily="18" charset="0"/>
-                      </a:rPr>
-                      <m:t>(</m:t>
-                    </m:r>
-                    <m:r>
-                      <a:rPr lang="en-US" b="0" i="1" dirty="0" smtClean="0">
-                        <a:solidFill>
-                          <a:srgbClr val="C00000"/>
-                        </a:solidFill>
-                        <a:latin typeface="Cambria Math" panose="02040503050406030204" pitchFamily="18" charset="0"/>
-                      </a:rPr>
-                      <m:t>𝑋</m:t>
-                    </m:r>
-                    <m:r>
-                      <a:rPr lang="en-US" b="0" i="1" dirty="0" smtClean="0">
-                        <a:solidFill>
-                          <a:srgbClr val="C00000"/>
-                        </a:solidFill>
-                        <a:latin typeface="Cambria Math" panose="02040503050406030204" pitchFamily="18" charset="0"/>
-                      </a:rPr>
-                      <m:t>)</m:t>
-                    </m:r>
-                  </m:oMath>
-                </a14:m>
-                <a:r>
-                  <a:rPr lang="en-US" dirty="0"/>
-                  <a:t>?</a:t>
-                </a:r>
-              </a:p>
-              <a:p>
-                <a:pPr marL="0" indent="0">
-                  <a:buNone/>
-                </a:pPr>
-                <a:endParaRPr lang="en-US" dirty="0"/>
-              </a:p>
-            </p:txBody>
-          </p:sp>
-        </mc:Choice>
-        <mc:Fallback xmlns="">
-          <p:sp>
-            <p:nvSpPr>
-              <p:cNvPr id="3" name="Content Placeholder 2">
-                <a:extLst>
-                  <a:ext uri="{FF2B5EF4-FFF2-40B4-BE49-F238E27FC236}">
-                    <a16:creationId xmlns:a16="http://schemas.microsoft.com/office/drawing/2014/main" id="{6666941B-6AAA-DFD0-8896-ACB1B4FE2AC6}"/>
-                  </a:ext>
-                </a:extLst>
-              </p:cNvPr>
-              <p:cNvSpPr>
-                <a:spLocks noGrp="1" noRot="1" noChangeAspect="1" noMove="1" noResize="1" noEditPoints="1" noAdjustHandles="1" noChangeArrowheads="1" noChangeShapeType="1" noTextEdit="1"/>
-              </p:cNvSpPr>
-              <p:nvPr>
-                <p:ph idx="1"/>
-              </p:nvPr>
-            </p:nvSpPr>
-            <p:spPr>
-              <a:xfrm>
-                <a:off x="838200" y="1825625"/>
-                <a:ext cx="10515600" cy="4667250"/>
-              </a:xfrm>
-              <a:blipFill>
-                <a:blip r:embed="rId2"/>
-                <a:stretch>
-                  <a:fillRect l="-1043" t="-261"/>
-                </a:stretch>
-              </a:blipFill>
-            </p:spPr>
-            <p:txBody>
-              <a:bodyPr/>
-              <a:lstStyle/>
-              <a:p>
-                <a:r>
-                  <a:rPr lang="en-US">
-                    <a:noFill/>
-                  </a:rPr>
-                  <a:t> </a:t>
-                </a:r>
-              </a:p>
-            </p:txBody>
-          </p:sp>
-        </mc:Fallback>
-      </mc:AlternateContent>
-    </p:spTree>
-    <p:extLst>
-      <p:ext uri="{BB962C8B-B14F-4D97-AF65-F5344CB8AC3E}">
-        <p14:creationId xmlns:p14="http://schemas.microsoft.com/office/powerpoint/2010/main" val="1561111113"/>
       </p:ext>
     </p:extLst>
   </p:cSld>

--- a/CSCE658-S24/L4.pptx
+++ b/CSCE658-S24/L4.pptx
@@ -8587,8 +8587,8 @@
           </a:p>
         </p:txBody>
       </p:sp>
-      <mc:AlternateContent xmlns:mc="http://schemas.openxmlformats.org/markup-compatibility/2006" xmlns:a14="http://schemas.microsoft.com/office/drawing/2010/main">
-        <mc:Choice Requires="a14">
+      <mc:AlternateContent xmlns:mc="http://schemas.openxmlformats.org/markup-compatibility/2006">
+        <mc:Choice xmlns:a14="http://schemas.microsoft.com/office/drawing/2010/main" Requires="a14">
           <p:sp>
             <p:nvSpPr>
               <p:cNvPr id="3" name="Content Placeholder 2">
@@ -9273,13 +9273,13 @@
               <a:p>
                 <a:r>
                   <a:rPr lang="en-US" dirty="0"/>
-                  <a:t>“Bounding the deviation of a random variable in terms of its variance”</a:t>
+                  <a:t>“Bounding the deviation of a random variable in terms of its standard deviation / variance”</a:t>
                 </a:r>
               </a:p>
             </p:txBody>
           </p:sp>
         </mc:Choice>
-        <mc:Fallback xmlns="">
+        <mc:Fallback>
           <p:sp>
             <p:nvSpPr>
               <p:cNvPr id="3" name="Content Placeholder 2">
@@ -9304,7 +9304,7 @@
               <a:blipFill>
                 <a:blip r:embed="rId2"/>
                 <a:stretch>
-                  <a:fillRect l="-1043" t="-2089" r="-986"/>
+                  <a:fillRect l="-1043" t="-2089" r="-986" b="-653"/>
                 </a:stretch>
               </a:blipFill>
             </p:spPr>
@@ -10298,8 +10298,8 @@
           </a:p>
         </p:txBody>
       </p:sp>
-      <mc:AlternateContent xmlns:mc="http://schemas.openxmlformats.org/markup-compatibility/2006" xmlns:a14="http://schemas.microsoft.com/office/drawing/2010/main">
-        <mc:Choice Requires="a14">
+      <mc:AlternateContent xmlns:mc="http://schemas.openxmlformats.org/markup-compatibility/2006">
+        <mc:Choice xmlns:a14="http://schemas.microsoft.com/office/drawing/2010/main" Requires="a14">
           <p:sp>
             <p:nvSpPr>
               <p:cNvPr id="3" name="Content Placeholder 2">
@@ -10644,7 +10644,7 @@
                 </a:pPr>
                 <a:r>
                   <a:rPr lang="en-US" dirty="0"/>
-                  <a:t>Recall that Markov’s inequality bounded this </a:t>
+                  <a:t>Recall that Markov’s inequality bounded this by </a:t>
                 </a:r>
                 <a14:m>
                   <m:oMath xmlns:m="http://schemas.openxmlformats.org/officeDocument/2006/math">
@@ -10674,7 +10674,7 @@
             </p:txBody>
           </p:sp>
         </mc:Choice>
-        <mc:Fallback xmlns="">
+        <mc:Fallback>
           <p:sp>
             <p:nvSpPr>
               <p:cNvPr id="3" name="Content Placeholder 2">
@@ -13070,8 +13070,8 @@
           </a:p>
         </p:txBody>
       </p:sp>
-      <mc:AlternateContent xmlns:mc="http://schemas.openxmlformats.org/markup-compatibility/2006" xmlns:a14="http://schemas.microsoft.com/office/drawing/2010/main">
-        <mc:Choice Requires="a14">
+      <mc:AlternateContent xmlns:mc="http://schemas.openxmlformats.org/markup-compatibility/2006">
+        <mc:Choice xmlns:a14="http://schemas.microsoft.com/office/drawing/2010/main" Requires="a14">
           <p:sp>
             <p:nvSpPr>
               <p:cNvPr id="3" name="Content Placeholder 2">
@@ -13124,13 +13124,16 @@
                 <a14:m>
                   <m:oMath xmlns:m="http://schemas.openxmlformats.org/officeDocument/2006/math">
                     <m:r>
-                      <a:rPr lang="en-US" b="0" i="1" dirty="0" smtClean="0">
+                      <m:rPr>
+                        <m:sty m:val="p"/>
+                      </m:rPr>
+                      <a:rPr lang="en-US" dirty="0">
                         <a:solidFill>
                           <a:srgbClr val="C00000"/>
                         </a:solidFill>
                         <a:latin typeface="Cambria Math" panose="02040503050406030204" pitchFamily="18" charset="0"/>
                       </a:rPr>
-                      <m:t>𝑍</m:t>
+                      <m:t>Θ</m:t>
                     </m:r>
                   </m:oMath>
                 </a14:m>
@@ -13150,13 +13153,16 @@
                       <m:t>0&lt;</m:t>
                     </m:r>
                     <m:r>
-                      <a:rPr lang="en-US" b="0" i="1" dirty="0" smtClean="0">
+                      <m:rPr>
+                        <m:sty m:val="p"/>
+                      </m:rPr>
+                      <a:rPr lang="en-US" dirty="0">
                         <a:solidFill>
                           <a:srgbClr val="C00000"/>
                         </a:solidFill>
                         <a:latin typeface="Cambria Math" panose="02040503050406030204" pitchFamily="18" charset="0"/>
                       </a:rPr>
-                      <m:t>𝑍</m:t>
+                      <m:t>Θ</m:t>
                     </m:r>
                     <m:r>
                       <a:rPr lang="en-US" b="0" i="1" dirty="0" smtClean="0">
@@ -13265,13 +13271,16 @@
                       <m:t>=</m:t>
                     </m:r>
                     <m:r>
-                      <a:rPr lang="en-US" b="0" i="1" dirty="0" smtClean="0">
+                      <m:rPr>
+                        <m:sty m:val="p"/>
+                      </m:rPr>
+                      <a:rPr lang="en-US" dirty="0">
                         <a:solidFill>
                           <a:srgbClr val="C00000"/>
                         </a:solidFill>
                         <a:latin typeface="Cambria Math" panose="02040503050406030204" pitchFamily="18" charset="0"/>
                       </a:rPr>
-                      <m:t>𝑍</m:t>
+                      <m:t>Θ</m:t>
                     </m:r>
                   </m:oMath>
                 </a14:m>
@@ -13340,13 +13349,16 @@
                       </m:sSupPr>
                       <m:e>
                         <m:r>
-                          <a:rPr lang="en-US" b="0" i="1" dirty="0" smtClean="0">
+                          <m:rPr>
+                            <m:sty m:val="p"/>
+                          </m:rPr>
+                          <a:rPr lang="en-US" dirty="0">
                             <a:solidFill>
                               <a:srgbClr val="C00000"/>
                             </a:solidFill>
                             <a:latin typeface="Cambria Math" panose="02040503050406030204" pitchFamily="18" charset="0"/>
                           </a:rPr>
-                          <m:t>𝑍</m:t>
+                          <m:t>Θ</m:t>
                         </m:r>
                       </m:e>
                       <m:sup>
@@ -13461,13 +13473,16 @@
                               <m:t>−</m:t>
                             </m:r>
                             <m:r>
-                              <a:rPr lang="en-US" sz="2800" b="0" i="1" dirty="0" smtClean="0">
+                              <m:rPr>
+                                <m:sty m:val="p"/>
+                              </m:rPr>
+                              <a:rPr lang="en-US" dirty="0">
                                 <a:solidFill>
                                   <a:srgbClr val="C00000"/>
                                 </a:solidFill>
                                 <a:latin typeface="Cambria Math" panose="02040503050406030204" pitchFamily="18" charset="0"/>
                               </a:rPr>
-                              <m:t>𝑍</m:t>
+                              <m:t>Θ</m:t>
                             </m:r>
                           </m:e>
                         </m:d>
@@ -13481,13 +13496,16 @@
                           <m:t>≥30</m:t>
                         </m:r>
                         <m:r>
-                          <a:rPr lang="en-US" sz="2800" b="0" i="1" dirty="0" smtClean="0">
+                          <m:rPr>
+                            <m:sty m:val="p"/>
+                          </m:rPr>
+                          <a:rPr lang="en-US" dirty="0">
                             <a:solidFill>
                               <a:srgbClr val="C00000"/>
                             </a:solidFill>
                             <a:latin typeface="Cambria Math" panose="02040503050406030204" pitchFamily="18" charset="0"/>
                           </a:rPr>
-                          <m:t>𝑍</m:t>
+                          <m:t>Θ</m:t>
                         </m:r>
                       </m:e>
                     </m:d>
@@ -13627,13 +13645,16 @@
                               <m:t>−</m:t>
                             </m:r>
                             <m:r>
-                              <a:rPr lang="en-US" i="1" dirty="0">
+                              <m:rPr>
+                                <m:sty m:val="p"/>
+                              </m:rPr>
+                              <a:rPr lang="en-US" dirty="0">
                                 <a:solidFill>
                                   <a:srgbClr val="C00000"/>
                                 </a:solidFill>
                                 <a:latin typeface="Cambria Math" panose="02040503050406030204" pitchFamily="18" charset="0"/>
                               </a:rPr>
-                              <m:t>𝑍</m:t>
+                              <m:t>Θ</m:t>
                             </m:r>
                           </m:e>
                         </m:d>
@@ -13716,7 +13737,7 @@
             </p:txBody>
           </p:sp>
         </mc:Choice>
-        <mc:Fallback xmlns="">
+        <mc:Fallback>
           <p:sp>
             <p:nvSpPr>
               <p:cNvPr id="3" name="Content Placeholder 2">
@@ -14008,8 +14029,8 @@
           </a:p>
         </p:txBody>
       </p:sp>
-      <mc:AlternateContent xmlns:mc="http://schemas.openxmlformats.org/markup-compatibility/2006" xmlns:a14="http://schemas.microsoft.com/office/drawing/2010/main">
-        <mc:Choice Requires="a14">
+      <mc:AlternateContent xmlns:mc="http://schemas.openxmlformats.org/markup-compatibility/2006">
+        <mc:Choice xmlns:a14="http://schemas.microsoft.com/office/drawing/2010/main" Requires="a14">
           <p:sp>
             <p:nvSpPr>
               <p:cNvPr id="3" name="Content Placeholder 2">
@@ -14315,13 +14336,16 @@
                       </m:den>
                     </m:f>
                     <m:r>
-                      <a:rPr lang="en-US" b="0" i="1" dirty="0" smtClean="0">
+                      <m:rPr>
+                        <m:sty m:val="p"/>
+                      </m:rPr>
+                      <a:rPr lang="en-US" dirty="0">
                         <a:solidFill>
                           <a:srgbClr val="C00000"/>
                         </a:solidFill>
                         <a:latin typeface="Cambria Math" panose="02040503050406030204" pitchFamily="18" charset="0"/>
                       </a:rPr>
-                      <m:t>𝑍</m:t>
+                      <m:t>Θ</m:t>
                     </m:r>
                   </m:oMath>
                 </a14:m>
@@ -14589,13 +14613,16 @@
                               <m:t>−</m:t>
                             </m:r>
                             <m:r>
-                              <a:rPr lang="en-US" sz="2800" b="0" i="1" dirty="0" smtClean="0">
+                              <m:rPr>
+                                <m:sty m:val="p"/>
+                              </m:rPr>
+                              <a:rPr lang="en-US" dirty="0">
                                 <a:solidFill>
                                   <a:srgbClr val="C00000"/>
                                 </a:solidFill>
                                 <a:latin typeface="Cambria Math" panose="02040503050406030204" pitchFamily="18" charset="0"/>
                               </a:rPr>
-                              <m:t>𝑍</m:t>
+                              <m:t>Θ</m:t>
                             </m:r>
                           </m:e>
                         </m:d>
@@ -14641,13 +14668,16 @@
                       </m:fPr>
                       <m:num>
                         <m:r>
-                          <a:rPr lang="en-US" sz="2800" b="0" i="1" dirty="0" smtClean="0">
+                          <m:rPr>
+                            <m:sty m:val="p"/>
+                          </m:rPr>
+                          <a:rPr lang="en-US" dirty="0">
                             <a:solidFill>
                               <a:srgbClr val="C00000"/>
                             </a:solidFill>
                             <a:latin typeface="Cambria Math" panose="02040503050406030204" pitchFamily="18" charset="0"/>
                           </a:rPr>
-                          <m:t>𝑍</m:t>
+                          <m:t>Θ</m:t>
                         </m:r>
                       </m:num>
                       <m:den>
@@ -14696,13 +14726,16 @@
                 <a14:m>
                   <m:oMath xmlns:m="http://schemas.openxmlformats.org/officeDocument/2006/math">
                     <m:r>
-                      <a:rPr lang="en-US" i="1" dirty="0">
+                      <m:rPr>
+                        <m:sty m:val="p"/>
+                      </m:rPr>
+                      <a:rPr lang="en-US" dirty="0">
                         <a:solidFill>
                           <a:srgbClr val="C00000"/>
                         </a:solidFill>
                         <a:latin typeface="Cambria Math" panose="02040503050406030204" pitchFamily="18" charset="0"/>
                       </a:rPr>
-                      <m:t>𝑍</m:t>
+                      <m:t>Θ</m:t>
                     </m:r>
                     <m:r>
                       <a:rPr lang="en-US" i="1" dirty="0">
@@ -14780,13 +14813,16 @@
                               <m:t>−</m:t>
                             </m:r>
                             <m:r>
-                              <a:rPr lang="en-US" i="1" dirty="0">
+                              <m:rPr>
+                                <m:sty m:val="p"/>
+                              </m:rPr>
+                              <a:rPr lang="en-US" dirty="0">
                                 <a:solidFill>
                                   <a:srgbClr val="C00000"/>
                                 </a:solidFill>
                                 <a:latin typeface="Cambria Math" panose="02040503050406030204" pitchFamily="18" charset="0"/>
                               </a:rPr>
-                              <m:t>𝑍</m:t>
+                              <m:t>Θ</m:t>
                             </m:r>
                           </m:e>
                         </m:d>
@@ -14852,7 +14888,7 @@
             </p:txBody>
           </p:sp>
         </mc:Choice>
-        <mc:Fallback xmlns="">
+        <mc:Fallback>
           <p:sp>
             <p:nvSpPr>
               <p:cNvPr id="3" name="Content Placeholder 2">
@@ -24487,8 +24523,8 @@
           </a:p>
         </p:txBody>
       </p:sp>
-      <mc:AlternateContent xmlns:mc="http://schemas.openxmlformats.org/markup-compatibility/2006">
-        <mc:Choice xmlns:a14="http://schemas.microsoft.com/office/drawing/2010/main" Requires="a14">
+      <mc:AlternateContent xmlns:mc="http://schemas.openxmlformats.org/markup-compatibility/2006" xmlns:a14="http://schemas.microsoft.com/office/drawing/2010/main">
+        <mc:Choice Requires="a14">
           <p:sp>
             <p:nvSpPr>
               <p:cNvPr id="3" name="Content Placeholder 2">
@@ -24928,7 +24964,7 @@
             </p:txBody>
           </p:sp>
         </mc:Choice>
-        <mc:Fallback>
+        <mc:Fallback xmlns="">
           <p:sp>
             <p:nvSpPr>
               <p:cNvPr id="3" name="Content Placeholder 2">
@@ -24972,8 +25008,8 @@
           </p:sp>
         </mc:Fallback>
       </mc:AlternateContent>
-      <mc:AlternateContent xmlns:mc="http://schemas.openxmlformats.org/markup-compatibility/2006">
-        <mc:Choice xmlns:a14="http://schemas.microsoft.com/office/drawing/2010/main" Requires="a14">
+      <mc:AlternateContent xmlns:mc="http://schemas.openxmlformats.org/markup-compatibility/2006" xmlns:a14="http://schemas.microsoft.com/office/drawing/2010/main">
+        <mc:Choice Requires="a14">
           <p:sp>
             <p:nvSpPr>
               <p:cNvPr id="5" name="TextBox 4">
@@ -25185,7 +25221,7 @@
             </p:txBody>
           </p:sp>
         </mc:Choice>
-        <mc:Fallback>
+        <mc:Fallback xmlns="">
           <p:sp>
             <p:nvSpPr>
               <p:cNvPr id="5" name="TextBox 4">
@@ -25293,8 +25329,8 @@
           </a:p>
         </p:txBody>
       </p:sp>
-      <mc:AlternateContent xmlns:mc="http://schemas.openxmlformats.org/markup-compatibility/2006">
-        <mc:Choice xmlns:a14="http://schemas.microsoft.com/office/drawing/2010/main" Requires="a14">
+      <mc:AlternateContent xmlns:mc="http://schemas.openxmlformats.org/markup-compatibility/2006" xmlns:a14="http://schemas.microsoft.com/office/drawing/2010/main">
+        <mc:Choice Requires="a14">
           <p:sp>
             <p:nvSpPr>
               <p:cNvPr id="3" name="Content Placeholder 2">
@@ -25630,7 +25666,7 @@
             </p:txBody>
           </p:sp>
         </mc:Choice>
-        <mc:Fallback>
+        <mc:Fallback xmlns="">
           <p:sp>
             <p:nvSpPr>
               <p:cNvPr id="3" name="Content Placeholder 2">
@@ -25674,8 +25710,8 @@
           </p:sp>
         </mc:Fallback>
       </mc:AlternateContent>
-      <mc:AlternateContent xmlns:mc="http://schemas.openxmlformats.org/markup-compatibility/2006">
-        <mc:Choice xmlns:a14="http://schemas.microsoft.com/office/drawing/2010/main" Requires="a14">
+      <mc:AlternateContent xmlns:mc="http://schemas.openxmlformats.org/markup-compatibility/2006" xmlns:a14="http://schemas.microsoft.com/office/drawing/2010/main">
+        <mc:Choice Requires="a14">
           <p:sp>
             <p:nvSpPr>
               <p:cNvPr id="6" name="TextBox 5">
@@ -26081,7 +26117,7 @@
             </p:txBody>
           </p:sp>
         </mc:Choice>
-        <mc:Fallback>
+        <mc:Fallback xmlns="">
           <p:sp>
             <p:nvSpPr>
               <p:cNvPr id="6" name="TextBox 5">
@@ -26126,8 +26162,8 @@
           </p:sp>
         </mc:Fallback>
       </mc:AlternateContent>
-      <mc:AlternateContent xmlns:mc="http://schemas.openxmlformats.org/markup-compatibility/2006">
-        <mc:Choice xmlns:a14="http://schemas.microsoft.com/office/drawing/2010/main" Requires="a14">
+      <mc:AlternateContent xmlns:mc="http://schemas.openxmlformats.org/markup-compatibility/2006" xmlns:a14="http://schemas.microsoft.com/office/drawing/2010/main">
+        <mc:Choice Requires="a14">
           <p:sp>
             <p:nvSpPr>
               <p:cNvPr id="8" name="TextBox 7">
@@ -26456,7 +26492,7 @@
             </p:txBody>
           </p:sp>
         </mc:Choice>
-        <mc:Fallback>
+        <mc:Fallback xmlns="">
           <p:sp>
             <p:nvSpPr>
               <p:cNvPr id="8" name="TextBox 7">
@@ -26501,8 +26537,8 @@
           </p:sp>
         </mc:Fallback>
       </mc:AlternateContent>
-      <mc:AlternateContent xmlns:mc="http://schemas.openxmlformats.org/markup-compatibility/2006">
-        <mc:Choice xmlns:a14="http://schemas.microsoft.com/office/drawing/2010/main" Requires="a14">
+      <mc:AlternateContent xmlns:mc="http://schemas.openxmlformats.org/markup-compatibility/2006" xmlns:a14="http://schemas.microsoft.com/office/drawing/2010/main">
+        <mc:Choice Requires="a14">
           <p:sp>
             <p:nvSpPr>
               <p:cNvPr id="10" name="TextBox 9">
@@ -26803,7 +26839,7 @@
             </p:txBody>
           </p:sp>
         </mc:Choice>
-        <mc:Fallback>
+        <mc:Fallback xmlns="">
           <p:sp>
             <p:nvSpPr>
               <p:cNvPr id="10" name="TextBox 9">
@@ -26848,8 +26884,8 @@
           </p:sp>
         </mc:Fallback>
       </mc:AlternateContent>
-      <mc:AlternateContent xmlns:mc="http://schemas.openxmlformats.org/markup-compatibility/2006">
-        <mc:Choice xmlns:a14="http://schemas.microsoft.com/office/drawing/2010/main" Requires="a14">
+      <mc:AlternateContent xmlns:mc="http://schemas.openxmlformats.org/markup-compatibility/2006" xmlns:a14="http://schemas.microsoft.com/office/drawing/2010/main">
+        <mc:Choice Requires="a14">
           <p:sp>
             <p:nvSpPr>
               <p:cNvPr id="12" name="TextBox 11">
@@ -27143,7 +27179,7 @@
             </p:txBody>
           </p:sp>
         </mc:Choice>
-        <mc:Fallback>
+        <mc:Fallback xmlns="">
           <p:sp>
             <p:nvSpPr>
               <p:cNvPr id="12" name="TextBox 11">
@@ -27188,8 +27224,8 @@
           </p:sp>
         </mc:Fallback>
       </mc:AlternateContent>
-      <mc:AlternateContent xmlns:mc="http://schemas.openxmlformats.org/markup-compatibility/2006">
-        <mc:Choice xmlns:a14="http://schemas.microsoft.com/office/drawing/2010/main" Requires="a14">
+      <mc:AlternateContent xmlns:mc="http://schemas.openxmlformats.org/markup-compatibility/2006" xmlns:a14="http://schemas.microsoft.com/office/drawing/2010/main">
+        <mc:Choice Requires="a14">
           <p:sp>
             <p:nvSpPr>
               <p:cNvPr id="14" name="TextBox 13">
@@ -27439,7 +27475,7 @@
             </p:txBody>
           </p:sp>
         </mc:Choice>
-        <mc:Fallback>
+        <mc:Fallback xmlns="">
           <p:sp>
             <p:nvSpPr>
               <p:cNvPr id="14" name="TextBox 13">
@@ -28674,8 +28710,8 @@
           </a:prstGeom>
         </p:spPr>
       </p:pic>
-      <mc:AlternateContent xmlns:mc="http://schemas.openxmlformats.org/markup-compatibility/2006">
-        <mc:Choice xmlns:a14="http://schemas.microsoft.com/office/drawing/2010/main" Requires="a14">
+      <mc:AlternateContent xmlns:mc="http://schemas.openxmlformats.org/markup-compatibility/2006" xmlns:a14="http://schemas.microsoft.com/office/drawing/2010/main">
+        <mc:Choice Requires="a14">
           <p:sp>
             <p:nvSpPr>
               <p:cNvPr id="11" name="Content Placeholder 2">
@@ -28981,7 +29017,7 @@
             </p:txBody>
           </p:sp>
         </mc:Choice>
-        <mc:Fallback>
+        <mc:Fallback xmlns="">
           <p:sp>
             <p:nvSpPr>
               <p:cNvPr id="11" name="Content Placeholder 2">

--- a/CSCE658-S24/L4.pptx
+++ b/CSCE658-S24/L4.pptx
@@ -293,7 +293,7 @@
           <a:p>
             <a:fld id="{0A79397F-A367-4054-BC40-40E6C6C1DCBD}" type="datetimeFigureOut">
               <a:rPr lang="en-US" smtClean="0"/>
-              <a:t>1/30/2024</a:t>
+              <a:t>2/2/2024</a:t>
             </a:fld>
             <a:endParaRPr lang="en-US"/>
           </a:p>
@@ -491,7 +491,7 @@
           <a:p>
             <a:fld id="{0A79397F-A367-4054-BC40-40E6C6C1DCBD}" type="datetimeFigureOut">
               <a:rPr lang="en-US" smtClean="0"/>
-              <a:t>1/30/2024</a:t>
+              <a:t>2/2/2024</a:t>
             </a:fld>
             <a:endParaRPr lang="en-US"/>
           </a:p>
@@ -699,7 +699,7 @@
           <a:p>
             <a:fld id="{0A79397F-A367-4054-BC40-40E6C6C1DCBD}" type="datetimeFigureOut">
               <a:rPr lang="en-US" smtClean="0"/>
-              <a:t>1/30/2024</a:t>
+              <a:t>2/2/2024</a:t>
             </a:fld>
             <a:endParaRPr lang="en-US"/>
           </a:p>
@@ -897,7 +897,7 @@
           <a:p>
             <a:fld id="{0A79397F-A367-4054-BC40-40E6C6C1DCBD}" type="datetimeFigureOut">
               <a:rPr lang="en-US" smtClean="0"/>
-              <a:t>1/30/2024</a:t>
+              <a:t>2/2/2024</a:t>
             </a:fld>
             <a:endParaRPr lang="en-US"/>
           </a:p>
@@ -1172,7 +1172,7 @@
           <a:p>
             <a:fld id="{0A79397F-A367-4054-BC40-40E6C6C1DCBD}" type="datetimeFigureOut">
               <a:rPr lang="en-US" smtClean="0"/>
-              <a:t>1/30/2024</a:t>
+              <a:t>2/2/2024</a:t>
             </a:fld>
             <a:endParaRPr lang="en-US"/>
           </a:p>
@@ -1437,7 +1437,7 @@
           <a:p>
             <a:fld id="{0A79397F-A367-4054-BC40-40E6C6C1DCBD}" type="datetimeFigureOut">
               <a:rPr lang="en-US" smtClean="0"/>
-              <a:t>1/30/2024</a:t>
+              <a:t>2/2/2024</a:t>
             </a:fld>
             <a:endParaRPr lang="en-US"/>
           </a:p>
@@ -1849,7 +1849,7 @@
           <a:p>
             <a:fld id="{0A79397F-A367-4054-BC40-40E6C6C1DCBD}" type="datetimeFigureOut">
               <a:rPr lang="en-US" smtClean="0"/>
-              <a:t>1/30/2024</a:t>
+              <a:t>2/2/2024</a:t>
             </a:fld>
             <a:endParaRPr lang="en-US"/>
           </a:p>
@@ -1990,7 +1990,7 @@
           <a:p>
             <a:fld id="{0A79397F-A367-4054-BC40-40E6C6C1DCBD}" type="datetimeFigureOut">
               <a:rPr lang="en-US" smtClean="0"/>
-              <a:t>1/30/2024</a:t>
+              <a:t>2/2/2024</a:t>
             </a:fld>
             <a:endParaRPr lang="en-US"/>
           </a:p>
@@ -2103,7 +2103,7 @@
           <a:p>
             <a:fld id="{0A79397F-A367-4054-BC40-40E6C6C1DCBD}" type="datetimeFigureOut">
               <a:rPr lang="en-US" smtClean="0"/>
-              <a:t>1/30/2024</a:t>
+              <a:t>2/2/2024</a:t>
             </a:fld>
             <a:endParaRPr lang="en-US"/>
           </a:p>
@@ -2414,7 +2414,7 @@
           <a:p>
             <a:fld id="{0A79397F-A367-4054-BC40-40E6C6C1DCBD}" type="datetimeFigureOut">
               <a:rPr lang="en-US" smtClean="0"/>
-              <a:t>1/30/2024</a:t>
+              <a:t>2/2/2024</a:t>
             </a:fld>
             <a:endParaRPr lang="en-US"/>
           </a:p>
@@ -2702,7 +2702,7 @@
           <a:p>
             <a:fld id="{0A79397F-A367-4054-BC40-40E6C6C1DCBD}" type="datetimeFigureOut">
               <a:rPr lang="en-US" smtClean="0"/>
-              <a:t>1/30/2024</a:t>
+              <a:t>2/2/2024</a:t>
             </a:fld>
             <a:endParaRPr lang="en-US"/>
           </a:p>
@@ -2943,7 +2943,7 @@
           <a:p>
             <a:fld id="{0A79397F-A367-4054-BC40-40E6C6C1DCBD}" type="datetimeFigureOut">
               <a:rPr lang="en-US" smtClean="0"/>
-              <a:t>1/30/2024</a:t>
+              <a:t>2/2/2024</a:t>
             </a:fld>
             <a:endParaRPr lang="en-US"/>
           </a:p>
@@ -8587,8 +8587,8 @@
           </a:p>
         </p:txBody>
       </p:sp>
-      <mc:AlternateContent xmlns:mc="http://schemas.openxmlformats.org/markup-compatibility/2006">
-        <mc:Choice xmlns:a14="http://schemas.microsoft.com/office/drawing/2010/main" Requires="a14">
+      <mc:AlternateContent xmlns:mc="http://schemas.openxmlformats.org/markup-compatibility/2006" xmlns:a14="http://schemas.microsoft.com/office/drawing/2010/main">
+        <mc:Choice Requires="a14">
           <p:sp>
             <p:nvSpPr>
               <p:cNvPr id="3" name="Content Placeholder 2">
@@ -9279,7 +9279,7 @@
             </p:txBody>
           </p:sp>
         </mc:Choice>
-        <mc:Fallback>
+        <mc:Fallback xmlns="">
           <p:sp>
             <p:nvSpPr>
               <p:cNvPr id="3" name="Content Placeholder 2">
@@ -10298,8 +10298,8 @@
           </a:p>
         </p:txBody>
       </p:sp>
-      <mc:AlternateContent xmlns:mc="http://schemas.openxmlformats.org/markup-compatibility/2006">
-        <mc:Choice xmlns:a14="http://schemas.microsoft.com/office/drawing/2010/main" Requires="a14">
+      <mc:AlternateContent xmlns:mc="http://schemas.openxmlformats.org/markup-compatibility/2006" xmlns:a14="http://schemas.microsoft.com/office/drawing/2010/main">
+        <mc:Choice Requires="a14">
           <p:sp>
             <p:nvSpPr>
               <p:cNvPr id="3" name="Content Placeholder 2">
@@ -10674,7 +10674,7 @@
             </p:txBody>
           </p:sp>
         </mc:Choice>
-        <mc:Fallback>
+        <mc:Fallback xmlns="">
           <p:sp>
             <p:nvSpPr>
               <p:cNvPr id="3" name="Content Placeholder 2">
@@ -13561,13 +13561,16 @@
                 <a14:m>
                   <m:oMath xmlns:m="http://schemas.openxmlformats.org/officeDocument/2006/math">
                     <m:r>
-                      <a:rPr lang="en-US" i="1" dirty="0">
+                      <m:rPr>
+                        <m:sty m:val="p"/>
+                      </m:rPr>
+                      <a:rPr lang="en-US" dirty="0">
                         <a:solidFill>
                           <a:srgbClr val="C00000"/>
                         </a:solidFill>
                         <a:latin typeface="Cambria Math" panose="02040503050406030204" pitchFamily="18" charset="0"/>
                       </a:rPr>
-                      <m:t>𝑍</m:t>
+                      <m:t>Θ</m:t>
                     </m:r>
                     <m:r>
                       <a:rPr lang="en-US" i="1" dirty="0">
@@ -14029,8 +14032,8 @@
           </a:p>
         </p:txBody>
       </p:sp>
-      <mc:AlternateContent xmlns:mc="http://schemas.openxmlformats.org/markup-compatibility/2006">
-        <mc:Choice xmlns:a14="http://schemas.microsoft.com/office/drawing/2010/main" Requires="a14">
+      <mc:AlternateContent xmlns:mc="http://schemas.openxmlformats.org/markup-compatibility/2006" xmlns:a14="http://schemas.microsoft.com/office/drawing/2010/main">
+        <mc:Choice Requires="a14">
           <p:sp>
             <p:nvSpPr>
               <p:cNvPr id="3" name="Content Placeholder 2">
@@ -14888,7 +14891,7 @@
             </p:txBody>
           </p:sp>
         </mc:Choice>
-        <mc:Fallback>
+        <mc:Fallback xmlns="">
           <p:sp>
             <p:nvSpPr>
               <p:cNvPr id="3" name="Content Placeholder 2">
